--- a/doc/TopTrader.pptx
+++ b/doc/TopTrader.pptx
@@ -7,6 +7,7 @@
   <p:sldIdLst>
     <p:sldId id="256" r:id="rId2"/>
     <p:sldId id="258" r:id="rId3"/>
+    <p:sldId id="259" r:id="rId4"/>
   </p:sldIdLst>
   <p:sldSz cx="12192000" cy="6858000"/>
   <p:notesSz cx="6858000" cy="9144000"/>
@@ -244,7 +245,7 @@
           <a:p>
             <a:fld id="{6CA172D4-DF79-4B9B-8BC5-98EF4E94601A}" type="datetimeFigureOut">
               <a:rPr lang="ko-KR" altLang="en-US" smtClean="0"/>
-              <a:t>2018-06-06</a:t>
+              <a:t>2018-06-12</a:t>
             </a:fld>
             <a:endParaRPr lang="ko-KR" altLang="en-US"/>
           </a:p>
@@ -414,7 +415,7 @@
           <a:p>
             <a:fld id="{6CA172D4-DF79-4B9B-8BC5-98EF4E94601A}" type="datetimeFigureOut">
               <a:rPr lang="ko-KR" altLang="en-US" smtClean="0"/>
-              <a:t>2018-06-06</a:t>
+              <a:t>2018-06-12</a:t>
             </a:fld>
             <a:endParaRPr lang="ko-KR" altLang="en-US"/>
           </a:p>
@@ -594,7 +595,7 @@
           <a:p>
             <a:fld id="{6CA172D4-DF79-4B9B-8BC5-98EF4E94601A}" type="datetimeFigureOut">
               <a:rPr lang="ko-KR" altLang="en-US" smtClean="0"/>
-              <a:t>2018-06-06</a:t>
+              <a:t>2018-06-12</a:t>
             </a:fld>
             <a:endParaRPr lang="ko-KR" altLang="en-US"/>
           </a:p>
@@ -764,7 +765,7 @@
           <a:p>
             <a:fld id="{6CA172D4-DF79-4B9B-8BC5-98EF4E94601A}" type="datetimeFigureOut">
               <a:rPr lang="ko-KR" altLang="en-US" smtClean="0"/>
-              <a:t>2018-06-06</a:t>
+              <a:t>2018-06-12</a:t>
             </a:fld>
             <a:endParaRPr lang="ko-KR" altLang="en-US"/>
           </a:p>
@@ -1010,7 +1011,7 @@
           <a:p>
             <a:fld id="{6CA172D4-DF79-4B9B-8BC5-98EF4E94601A}" type="datetimeFigureOut">
               <a:rPr lang="ko-KR" altLang="en-US" smtClean="0"/>
-              <a:t>2018-06-06</a:t>
+              <a:t>2018-06-12</a:t>
             </a:fld>
             <a:endParaRPr lang="ko-KR" altLang="en-US"/>
           </a:p>
@@ -1242,7 +1243,7 @@
           <a:p>
             <a:fld id="{6CA172D4-DF79-4B9B-8BC5-98EF4E94601A}" type="datetimeFigureOut">
               <a:rPr lang="ko-KR" altLang="en-US" smtClean="0"/>
-              <a:t>2018-06-06</a:t>
+              <a:t>2018-06-12</a:t>
             </a:fld>
             <a:endParaRPr lang="ko-KR" altLang="en-US"/>
           </a:p>
@@ -1609,7 +1610,7 @@
           <a:p>
             <a:fld id="{6CA172D4-DF79-4B9B-8BC5-98EF4E94601A}" type="datetimeFigureOut">
               <a:rPr lang="ko-KR" altLang="en-US" smtClean="0"/>
-              <a:t>2018-06-06</a:t>
+              <a:t>2018-06-12</a:t>
             </a:fld>
             <a:endParaRPr lang="ko-KR" altLang="en-US"/>
           </a:p>
@@ -1727,7 +1728,7 @@
           <a:p>
             <a:fld id="{6CA172D4-DF79-4B9B-8BC5-98EF4E94601A}" type="datetimeFigureOut">
               <a:rPr lang="ko-KR" altLang="en-US" smtClean="0"/>
-              <a:t>2018-06-06</a:t>
+              <a:t>2018-06-12</a:t>
             </a:fld>
             <a:endParaRPr lang="ko-KR" altLang="en-US"/>
           </a:p>
@@ -1822,7 +1823,7 @@
           <a:p>
             <a:fld id="{6CA172D4-DF79-4B9B-8BC5-98EF4E94601A}" type="datetimeFigureOut">
               <a:rPr lang="ko-KR" altLang="en-US" smtClean="0"/>
-              <a:t>2018-06-06</a:t>
+              <a:t>2018-06-12</a:t>
             </a:fld>
             <a:endParaRPr lang="ko-KR" altLang="en-US"/>
           </a:p>
@@ -2099,7 +2100,7 @@
           <a:p>
             <a:fld id="{6CA172D4-DF79-4B9B-8BC5-98EF4E94601A}" type="datetimeFigureOut">
               <a:rPr lang="ko-KR" altLang="en-US" smtClean="0"/>
-              <a:t>2018-06-06</a:t>
+              <a:t>2018-06-12</a:t>
             </a:fld>
             <a:endParaRPr lang="ko-KR" altLang="en-US"/>
           </a:p>
@@ -2352,7 +2353,7 @@
           <a:p>
             <a:fld id="{6CA172D4-DF79-4B9B-8BC5-98EF4E94601A}" type="datetimeFigureOut">
               <a:rPr lang="ko-KR" altLang="en-US" smtClean="0"/>
-              <a:t>2018-06-06</a:t>
+              <a:t>2018-06-12</a:t>
             </a:fld>
             <a:endParaRPr lang="ko-KR" altLang="en-US"/>
           </a:p>
@@ -2565,7 +2566,7 @@
           <a:p>
             <a:fld id="{6CA172D4-DF79-4B9B-8BC5-98EF4E94601A}" type="datetimeFigureOut">
               <a:rPr lang="ko-KR" altLang="en-US" smtClean="0"/>
-              <a:t>2018-06-06</a:t>
+              <a:t>2018-06-12</a:t>
             </a:fld>
             <a:endParaRPr lang="ko-KR" altLang="en-US"/>
           </a:p>
@@ -6287,7 +6288,6 @@
               <a:rPr lang="ko-KR" altLang="en-US" dirty="0"/>
               <a:t>종목별 분봉 데이터 수집</a:t>
             </a:r>
-            <a:endParaRPr lang="ko-KR" altLang="en-US" dirty="0"/>
           </a:p>
         </p:txBody>
       </p:sp>
@@ -6331,7 +6331,6 @@
               <a:rPr lang="ko-KR" altLang="en-US" dirty="0"/>
               <a:t>매수 신호 분석</a:t>
             </a:r>
-            <a:endParaRPr lang="ko-KR" altLang="en-US" dirty="0"/>
           </a:p>
         </p:txBody>
       </p:sp>
@@ -7413,6 +7412,1740 @@
     <p:extLst>
       <p:ext uri="{BB962C8B-B14F-4D97-AF65-F5344CB8AC3E}">
         <p14:creationId xmlns:p14="http://schemas.microsoft.com/office/powerpoint/2010/main" val="435604694"/>
+      </p:ext>
+    </p:extLst>
+  </p:cSld>
+  <p:clrMapOvr>
+    <a:masterClrMapping/>
+  </p:clrMapOvr>
+  <p:timing>
+    <p:tnLst>
+      <p:par>
+        <p:cTn id="1" dur="indefinite" restart="never" nodeType="tmRoot"/>
+      </p:par>
+    </p:tnLst>
+  </p:timing>
+</p:sld>
+</file>
+
+<file path=ppt/slides/slide3.xml><?xml version="1.0" encoding="utf-8"?>
+<p:sld xmlns:a="http://schemas.openxmlformats.org/drawingml/2006/main" xmlns:r="http://schemas.openxmlformats.org/officeDocument/2006/relationships" xmlns:p="http://schemas.openxmlformats.org/presentationml/2006/main">
+  <p:cSld>
+    <p:spTree>
+      <p:nvGrpSpPr>
+        <p:cNvPr id="1" name=""/>
+        <p:cNvGrpSpPr/>
+        <p:nvPr/>
+      </p:nvGrpSpPr>
+      <p:grpSpPr>
+        <a:xfrm>
+          <a:off x="0" y="0"/>
+          <a:ext cx="0" cy="0"/>
+          <a:chOff x="0" y="0"/>
+          <a:chExt cx="0" cy="0"/>
+        </a:xfrm>
+      </p:grpSpPr>
+      <p:sp>
+        <p:nvSpPr>
+          <p:cNvPr id="4" name="TextBox 3"/>
+          <p:cNvSpPr txBox="1"/>
+          <p:nvPr/>
+        </p:nvSpPr>
+        <p:spPr>
+          <a:xfrm>
+            <a:off x="93305" y="102636"/>
+            <a:ext cx="2751972" cy="369332"/>
+          </a:xfrm>
+          <a:prstGeom prst="rect">
+            <a:avLst/>
+          </a:prstGeom>
+          <a:noFill/>
+        </p:spPr>
+        <p:txBody>
+          <a:bodyPr wrap="none" rtlCol="0">
+            <a:spAutoFit/>
+          </a:bodyPr>
+          <a:lstStyle/>
+          <a:p>
+            <a:r>
+              <a:rPr lang="en-US" altLang="ko-KR" dirty="0" smtClean="0">
+                <a:latin typeface="나눔바른고딕" panose="020B0603020101020101" pitchFamily="50" charset="-127"/>
+                <a:ea typeface="나눔바른고딕" panose="020B0603020101020101" pitchFamily="50" charset="-127"/>
+              </a:rPr>
+              <a:t>Understanding Transition</a:t>
+            </a:r>
+            <a:endParaRPr lang="ko-KR" altLang="en-US" dirty="0">
+              <a:latin typeface="나눔바른고딕" panose="020B0603020101020101" pitchFamily="50" charset="-127"/>
+              <a:ea typeface="나눔바른고딕" panose="020B0603020101020101" pitchFamily="50" charset="-127"/>
+            </a:endParaRPr>
+          </a:p>
+        </p:txBody>
+      </p:sp>
+      <p:pic>
+        <p:nvPicPr>
+          <p:cNvPr id="1026" name="Picture 2" descr="programmer iconì ëí ì´ë¯¸ì§ ê²ìê²°ê³¼"/>
+          <p:cNvPicPr>
+            <a:picLocks noChangeAspect="1" noChangeArrowheads="1"/>
+          </p:cNvPicPr>
+          <p:nvPr/>
+        </p:nvPicPr>
+        <p:blipFill>
+          <a:blip r:embed="rId2" cstate="print">
+            <a:extLst>
+              <a:ext uri="{28A0092B-C50C-407E-A947-70E740481C1C}">
+                <a14:useLocalDpi xmlns:a14="http://schemas.microsoft.com/office/drawing/2010/main" val="0"/>
+              </a:ext>
+            </a:extLst>
+          </a:blip>
+          <a:srcRect/>
+          <a:stretch>
+            <a:fillRect/>
+          </a:stretch>
+        </p:blipFill>
+        <p:spPr bwMode="auto">
+          <a:xfrm>
+            <a:off x="765175" y="579009"/>
+            <a:ext cx="530225" cy="530225"/>
+          </a:xfrm>
+          <a:prstGeom prst="rect">
+            <a:avLst/>
+          </a:prstGeom>
+          <a:noFill/>
+          <a:extLst>
+            <a:ext uri="{909E8E84-426E-40DD-AFC4-6F175D3DCCD1}">
+              <a14:hiddenFill xmlns:a14="http://schemas.microsoft.com/office/drawing/2010/main">
+                <a:solidFill>
+                  <a:srgbClr val="FFFFFF"/>
+                </a:solidFill>
+              </a14:hiddenFill>
+            </a:ext>
+          </a:extLst>
+        </p:spPr>
+      </p:pic>
+      <p:sp>
+        <p:nvSpPr>
+          <p:cNvPr id="54" name="TextBox 53"/>
+          <p:cNvSpPr txBox="1"/>
+          <p:nvPr/>
+        </p:nvSpPr>
+        <p:spPr>
+          <a:xfrm>
+            <a:off x="8790491" y="2606313"/>
+            <a:ext cx="1288173" cy="276999"/>
+          </a:xfrm>
+          <a:prstGeom prst="rect">
+            <a:avLst/>
+          </a:prstGeom>
+          <a:noFill/>
+        </p:spPr>
+        <p:txBody>
+          <a:bodyPr wrap="none" rtlCol="0">
+            <a:spAutoFit/>
+          </a:bodyPr>
+          <a:lstStyle/>
+          <a:p>
+            <a:r>
+              <a:rPr lang="en-US" altLang="ko-KR" sz="1200" dirty="0" err="1" smtClean="0">
+                <a:solidFill>
+                  <a:srgbClr val="FF0000"/>
+                </a:solidFill>
+              </a:rPr>
+              <a:t>EventLoop</a:t>
+            </a:r>
+            <a:r>
+              <a:rPr lang="en-US" altLang="ko-KR" sz="1200" dirty="0" smtClean="0">
+                <a:solidFill>
+                  <a:srgbClr val="FF0000"/>
+                </a:solidFill>
+              </a:rPr>
+              <a:t> Lock</a:t>
+            </a:r>
+            <a:endParaRPr lang="ko-KR" altLang="en-US" dirty="0">
+              <a:solidFill>
+                <a:srgbClr val="FF0000"/>
+              </a:solidFill>
+            </a:endParaRPr>
+          </a:p>
+        </p:txBody>
+      </p:sp>
+      <p:sp>
+        <p:nvSpPr>
+          <p:cNvPr id="55" name="직사각형 54"/>
+          <p:cNvSpPr/>
+          <p:nvPr/>
+        </p:nvSpPr>
+        <p:spPr>
+          <a:xfrm>
+            <a:off x="2529569" y="3986887"/>
+            <a:ext cx="4237264" cy="1194713"/>
+          </a:xfrm>
+          <a:prstGeom prst="rect">
+            <a:avLst/>
+          </a:prstGeom>
+        </p:spPr>
+        <p:style>
+          <a:lnRef idx="2">
+            <a:schemeClr val="accent1">
+              <a:shade val="50000"/>
+            </a:schemeClr>
+          </a:lnRef>
+          <a:fillRef idx="1">
+            <a:schemeClr val="accent1"/>
+          </a:fillRef>
+          <a:effectRef idx="0">
+            <a:schemeClr val="accent1"/>
+          </a:effectRef>
+          <a:fontRef idx="minor">
+            <a:schemeClr val="lt1"/>
+          </a:fontRef>
+        </p:style>
+        <p:txBody>
+          <a:bodyPr rtlCol="0" anchor="ctr"/>
+          <a:lstStyle/>
+          <a:p>
+            <a:pPr lvl="0" eaLnBrk="0" fontAlgn="base" latinLnBrk="0" hangingPunct="0">
+              <a:spcBef>
+                <a:spcPct val="0"/>
+              </a:spcBef>
+              <a:spcAft>
+                <a:spcPct val="0"/>
+              </a:spcAft>
+            </a:pPr>
+            <a:r>
+              <a:rPr lang="ko-KR" altLang="ko-KR" sz="900" dirty="0">
+                <a:solidFill>
+                  <a:schemeClr val="bg1"/>
+                </a:solidFill>
+                <a:latin typeface="D2Coding" panose="020B0609020101020101" pitchFamily="49" charset="-127"/>
+                <a:ea typeface="D2Coding" panose="020B0609020101020101" pitchFamily="49" charset="-127"/>
+              </a:rPr>
+              <a:t>_</a:t>
+            </a:r>
+            <a:r>
+              <a:rPr lang="ko-KR" altLang="ko-KR" sz="900" dirty="0" err="1" smtClean="0">
+                <a:solidFill>
+                  <a:schemeClr val="bg1"/>
+                </a:solidFill>
+                <a:latin typeface="D2Coding" panose="020B0609020101020101" pitchFamily="49" charset="-127"/>
+                <a:ea typeface="D2Coding" panose="020B0609020101020101" pitchFamily="49" charset="-127"/>
+              </a:rPr>
+              <a:t>on_receive_tr_data</a:t>
+            </a:r>
+            <a:endParaRPr lang="en-US" altLang="ko-KR" sz="900" dirty="0" smtClean="0">
+              <a:solidFill>
+                <a:schemeClr val="bg1"/>
+              </a:solidFill>
+              <a:latin typeface="D2Coding" panose="020B0609020101020101" pitchFamily="49" charset="-127"/>
+              <a:ea typeface="D2Coding" panose="020B0609020101020101" pitchFamily="49" charset="-127"/>
+            </a:endParaRPr>
+          </a:p>
+          <a:p>
+            <a:pPr lvl="0" eaLnBrk="0" fontAlgn="base" latinLnBrk="0" hangingPunct="0">
+              <a:spcBef>
+                <a:spcPct val="0"/>
+              </a:spcBef>
+              <a:spcAft>
+                <a:spcPct val="0"/>
+              </a:spcAft>
+            </a:pPr>
+            <a:endParaRPr lang="en-US" altLang="ko-KR" sz="900" dirty="0">
+              <a:solidFill>
+                <a:schemeClr val="bg1"/>
+              </a:solidFill>
+              <a:latin typeface="D2Coding" panose="020B0609020101020101" pitchFamily="49" charset="-127"/>
+              <a:ea typeface="D2Coding" panose="020B0609020101020101" pitchFamily="49" charset="-127"/>
+            </a:endParaRPr>
+          </a:p>
+          <a:p>
+            <a:pPr lvl="0" eaLnBrk="0" fontAlgn="base" latinLnBrk="0" hangingPunct="0">
+              <a:spcBef>
+                <a:spcPct val="0"/>
+              </a:spcBef>
+              <a:spcAft>
+                <a:spcPct val="0"/>
+              </a:spcAft>
+            </a:pPr>
+            <a:endParaRPr lang="en-US" altLang="ko-KR" sz="900" dirty="0" smtClean="0">
+              <a:solidFill>
+                <a:schemeClr val="bg1"/>
+              </a:solidFill>
+              <a:latin typeface="D2Coding" panose="020B0609020101020101" pitchFamily="49" charset="-127"/>
+              <a:ea typeface="D2Coding" panose="020B0609020101020101" pitchFamily="49" charset="-127"/>
+            </a:endParaRPr>
+          </a:p>
+          <a:p>
+            <a:pPr lvl="0" eaLnBrk="0" fontAlgn="base" latinLnBrk="0" hangingPunct="0">
+              <a:spcBef>
+                <a:spcPct val="0"/>
+              </a:spcBef>
+              <a:spcAft>
+                <a:spcPct val="0"/>
+              </a:spcAft>
+            </a:pPr>
+            <a:endParaRPr lang="en-US" altLang="ko-KR" sz="900" dirty="0">
+              <a:solidFill>
+                <a:schemeClr val="bg1"/>
+              </a:solidFill>
+              <a:latin typeface="D2Coding" panose="020B0609020101020101" pitchFamily="49" charset="-127"/>
+              <a:ea typeface="D2Coding" panose="020B0609020101020101" pitchFamily="49" charset="-127"/>
+            </a:endParaRPr>
+          </a:p>
+          <a:p>
+            <a:pPr lvl="0" eaLnBrk="0" fontAlgn="base" latinLnBrk="0" hangingPunct="0">
+              <a:spcBef>
+                <a:spcPct val="0"/>
+              </a:spcBef>
+              <a:spcAft>
+                <a:spcPct val="0"/>
+              </a:spcAft>
+            </a:pPr>
+            <a:endParaRPr lang="en-US" altLang="ko-KR" sz="900" dirty="0" smtClean="0">
+              <a:solidFill>
+                <a:schemeClr val="bg1"/>
+              </a:solidFill>
+              <a:latin typeface="D2Coding" panose="020B0609020101020101" pitchFamily="49" charset="-127"/>
+              <a:ea typeface="D2Coding" panose="020B0609020101020101" pitchFamily="49" charset="-127"/>
+            </a:endParaRPr>
+          </a:p>
+          <a:p>
+            <a:pPr lvl="0" eaLnBrk="0" fontAlgn="base" latinLnBrk="0" hangingPunct="0">
+              <a:spcBef>
+                <a:spcPct val="0"/>
+              </a:spcBef>
+              <a:spcAft>
+                <a:spcPct val="0"/>
+              </a:spcAft>
+            </a:pPr>
+            <a:endParaRPr lang="en-US" altLang="ko-KR" sz="900" dirty="0">
+              <a:solidFill>
+                <a:schemeClr val="bg1"/>
+              </a:solidFill>
+              <a:latin typeface="D2Coding" panose="020B0609020101020101" pitchFamily="49" charset="-127"/>
+              <a:ea typeface="D2Coding" panose="020B0609020101020101" pitchFamily="49" charset="-127"/>
+            </a:endParaRPr>
+          </a:p>
+          <a:p>
+            <a:pPr lvl="0" eaLnBrk="0" fontAlgn="base" latinLnBrk="0" hangingPunct="0">
+              <a:spcBef>
+                <a:spcPct val="0"/>
+              </a:spcBef>
+              <a:spcAft>
+                <a:spcPct val="0"/>
+              </a:spcAft>
+            </a:pPr>
+            <a:endParaRPr lang="en-US" altLang="ko-KR" sz="900" dirty="0" smtClean="0">
+              <a:solidFill>
+                <a:schemeClr val="bg1"/>
+              </a:solidFill>
+              <a:latin typeface="D2Coding" panose="020B0609020101020101" pitchFamily="49" charset="-127"/>
+              <a:ea typeface="D2Coding" panose="020B0609020101020101" pitchFamily="49" charset="-127"/>
+            </a:endParaRPr>
+          </a:p>
+        </p:txBody>
+      </p:sp>
+      <p:sp>
+        <p:nvSpPr>
+          <p:cNvPr id="53" name="직사각형 52"/>
+          <p:cNvSpPr/>
+          <p:nvPr/>
+        </p:nvSpPr>
+        <p:spPr>
+          <a:xfrm>
+            <a:off x="2769050" y="4392994"/>
+            <a:ext cx="4328431" cy="310242"/>
+          </a:xfrm>
+          <a:prstGeom prst="rect">
+            <a:avLst/>
+          </a:prstGeom>
+        </p:spPr>
+        <p:style>
+          <a:lnRef idx="2">
+            <a:schemeClr val="accent1">
+              <a:shade val="50000"/>
+            </a:schemeClr>
+          </a:lnRef>
+          <a:fillRef idx="1">
+            <a:schemeClr val="accent1"/>
+          </a:fillRef>
+          <a:effectRef idx="0">
+            <a:schemeClr val="accent1"/>
+          </a:effectRef>
+          <a:fontRef idx="minor">
+            <a:schemeClr val="lt1"/>
+          </a:fontRef>
+        </p:style>
+        <p:txBody>
+          <a:bodyPr rtlCol="0" anchor="ctr"/>
+          <a:lstStyle/>
+          <a:p>
+            <a:pPr lvl="0" eaLnBrk="0" fontAlgn="base" latinLnBrk="0" hangingPunct="0">
+              <a:spcBef>
+                <a:spcPct val="0"/>
+              </a:spcBef>
+              <a:spcAft>
+                <a:spcPct val="0"/>
+              </a:spcAft>
+            </a:pPr>
+            <a:r>
+              <a:rPr lang="ko-KR" altLang="ko-KR" sz="900" dirty="0" err="1">
+                <a:solidFill>
+                  <a:schemeClr val="bg1"/>
+                </a:solidFill>
+                <a:latin typeface="D2Coding" panose="020B0609020101020101" pitchFamily="49" charset="-127"/>
+                <a:ea typeface="D2Coding" panose="020B0609020101020101" pitchFamily="49" charset="-127"/>
+              </a:rPr>
+              <a:t>self.dynamicCall</a:t>
+            </a:r>
+            <a:r>
+              <a:rPr lang="ko-KR" altLang="ko-KR" sz="900" dirty="0">
+                <a:solidFill>
+                  <a:schemeClr val="bg1"/>
+                </a:solidFill>
+                <a:latin typeface="D2Coding" panose="020B0609020101020101" pitchFamily="49" charset="-127"/>
+                <a:ea typeface="D2Coding" panose="020B0609020101020101" pitchFamily="49" charset="-127"/>
+              </a:rPr>
+              <a:t>("</a:t>
+            </a:r>
+            <a:r>
+              <a:rPr lang="ko-KR" altLang="ko-KR" sz="900" dirty="0" err="1">
+                <a:solidFill>
+                  <a:schemeClr val="bg1"/>
+                </a:solidFill>
+                <a:latin typeface="D2Coding" panose="020B0609020101020101" pitchFamily="49" charset="-127"/>
+                <a:ea typeface="D2Coding" panose="020B0609020101020101" pitchFamily="49" charset="-127"/>
+              </a:rPr>
+              <a:t>GetCommDataEx</a:t>
+            </a:r>
+            <a:r>
+              <a:rPr lang="ko-KR" altLang="ko-KR" sz="900" dirty="0">
+                <a:solidFill>
+                  <a:schemeClr val="bg1"/>
+                </a:solidFill>
+                <a:latin typeface="D2Coding" panose="020B0609020101020101" pitchFamily="49" charset="-127"/>
+                <a:ea typeface="D2Coding" panose="020B0609020101020101" pitchFamily="49" charset="-127"/>
+              </a:rPr>
+              <a:t>(</a:t>
+            </a:r>
+            <a:r>
+              <a:rPr lang="ko-KR" altLang="ko-KR" sz="900" dirty="0" err="1">
+                <a:solidFill>
+                  <a:schemeClr val="bg1"/>
+                </a:solidFill>
+                <a:latin typeface="D2Coding" panose="020B0609020101020101" pitchFamily="49" charset="-127"/>
+                <a:ea typeface="D2Coding" panose="020B0609020101020101" pitchFamily="49" charset="-127"/>
+              </a:rPr>
+              <a:t>QString</a:t>
+            </a:r>
+            <a:r>
+              <a:rPr lang="ko-KR" altLang="ko-KR" sz="900" dirty="0">
+                <a:solidFill>
+                  <a:schemeClr val="bg1"/>
+                </a:solidFill>
+                <a:latin typeface="D2Coding" panose="020B0609020101020101" pitchFamily="49" charset="-127"/>
+                <a:ea typeface="D2Coding" panose="020B0609020101020101" pitchFamily="49" charset="-127"/>
+              </a:rPr>
+              <a:t>, </a:t>
+            </a:r>
+            <a:r>
+              <a:rPr lang="ko-KR" altLang="ko-KR" sz="900" dirty="0" err="1">
+                <a:solidFill>
+                  <a:schemeClr val="bg1"/>
+                </a:solidFill>
+                <a:latin typeface="D2Coding" panose="020B0609020101020101" pitchFamily="49" charset="-127"/>
+                <a:ea typeface="D2Coding" panose="020B0609020101020101" pitchFamily="49" charset="-127"/>
+              </a:rPr>
+              <a:t>QString</a:t>
+            </a:r>
+            <a:r>
+              <a:rPr lang="ko-KR" altLang="ko-KR" sz="900" dirty="0">
+                <a:solidFill>
+                  <a:schemeClr val="bg1"/>
+                </a:solidFill>
+                <a:latin typeface="D2Coding" panose="020B0609020101020101" pitchFamily="49" charset="-127"/>
+                <a:ea typeface="D2Coding" panose="020B0609020101020101" pitchFamily="49" charset="-127"/>
+              </a:rPr>
+              <a:t>", </a:t>
+            </a:r>
+            <a:r>
+              <a:rPr lang="ko-KR" altLang="ko-KR" sz="900" dirty="0" err="1">
+                <a:solidFill>
+                  <a:schemeClr val="bg1"/>
+                </a:solidFill>
+                <a:latin typeface="D2Coding" panose="020B0609020101020101" pitchFamily="49" charset="-127"/>
+                <a:ea typeface="D2Coding" panose="020B0609020101020101" pitchFamily="49" charset="-127"/>
+              </a:rPr>
+              <a:t>trcode</a:t>
+            </a:r>
+            <a:r>
+              <a:rPr lang="ko-KR" altLang="ko-KR" sz="900" dirty="0">
+                <a:solidFill>
+                  <a:schemeClr val="bg1"/>
+                </a:solidFill>
+                <a:latin typeface="D2Coding" panose="020B0609020101020101" pitchFamily="49" charset="-127"/>
+                <a:ea typeface="D2Coding" panose="020B0609020101020101" pitchFamily="49" charset="-127"/>
+              </a:rPr>
+              <a:t>, </a:t>
+            </a:r>
+            <a:r>
+              <a:rPr lang="ko-KR" altLang="ko-KR" sz="900" dirty="0" err="1">
+                <a:solidFill>
+                  <a:schemeClr val="bg1"/>
+                </a:solidFill>
+                <a:latin typeface="D2Coding" panose="020B0609020101020101" pitchFamily="49" charset="-127"/>
+                <a:ea typeface="D2Coding" panose="020B0609020101020101" pitchFamily="49" charset="-127"/>
+              </a:rPr>
+              <a:t>output_name</a:t>
+            </a:r>
+            <a:r>
+              <a:rPr lang="ko-KR" altLang="ko-KR" sz="900" dirty="0">
+                <a:solidFill>
+                  <a:schemeClr val="bg1"/>
+                </a:solidFill>
+                <a:latin typeface="D2Coding" panose="020B0609020101020101" pitchFamily="49" charset="-127"/>
+                <a:ea typeface="D2Coding" panose="020B0609020101020101" pitchFamily="49" charset="-127"/>
+              </a:rPr>
+              <a:t>)</a:t>
+            </a:r>
+          </a:p>
+        </p:txBody>
+      </p:sp>
+      <p:sp>
+        <p:nvSpPr>
+          <p:cNvPr id="58" name="TextBox 57"/>
+          <p:cNvSpPr txBox="1"/>
+          <p:nvPr/>
+        </p:nvSpPr>
+        <p:spPr>
+          <a:xfrm>
+            <a:off x="2721427" y="4797989"/>
+            <a:ext cx="1491883" cy="276999"/>
+          </a:xfrm>
+          <a:prstGeom prst="rect">
+            <a:avLst/>
+          </a:prstGeom>
+          <a:noFill/>
+        </p:spPr>
+        <p:txBody>
+          <a:bodyPr wrap="none" rtlCol="0">
+            <a:spAutoFit/>
+          </a:bodyPr>
+          <a:lstStyle/>
+          <a:p>
+            <a:r>
+              <a:rPr lang="en-US" altLang="ko-KR" sz="1200" dirty="0" err="1" smtClean="0">
+                <a:solidFill>
+                  <a:srgbClr val="FF0000"/>
+                </a:solidFill>
+              </a:rPr>
+              <a:t>EventLoop</a:t>
+            </a:r>
+            <a:r>
+              <a:rPr lang="en-US" altLang="ko-KR" sz="1200" dirty="0">
+                <a:solidFill>
+                  <a:srgbClr val="FF0000"/>
+                </a:solidFill>
+              </a:rPr>
+              <a:t> </a:t>
+            </a:r>
+            <a:r>
+              <a:rPr lang="en-US" altLang="ko-KR" sz="1200" dirty="0" smtClean="0">
+                <a:solidFill>
+                  <a:srgbClr val="FF0000"/>
+                </a:solidFill>
+              </a:rPr>
+              <a:t>Release</a:t>
+            </a:r>
+            <a:endParaRPr lang="ko-KR" altLang="en-US" dirty="0">
+              <a:solidFill>
+                <a:srgbClr val="FF0000"/>
+              </a:solidFill>
+            </a:endParaRPr>
+          </a:p>
+        </p:txBody>
+      </p:sp>
+      <p:cxnSp>
+        <p:nvCxnSpPr>
+          <p:cNvPr id="27" name="직선 화살표 연결선 26"/>
+          <p:cNvCxnSpPr/>
+          <p:nvPr/>
+        </p:nvCxnSpPr>
+        <p:spPr>
+          <a:xfrm>
+            <a:off x="1295400" y="844122"/>
+            <a:ext cx="1234169" cy="0"/>
+          </a:xfrm>
+          <a:prstGeom prst="straightConnector1">
+            <a:avLst/>
+          </a:prstGeom>
+          <a:ln w="25400">
+            <a:solidFill>
+              <a:schemeClr val="tx1"/>
+            </a:solidFill>
+            <a:headEnd w="lg" len="lg"/>
+            <a:tailEnd type="stealth"/>
+          </a:ln>
+        </p:spPr>
+        <p:style>
+          <a:lnRef idx="1">
+            <a:schemeClr val="accent1"/>
+          </a:lnRef>
+          <a:fillRef idx="0">
+            <a:schemeClr val="accent1"/>
+          </a:fillRef>
+          <a:effectRef idx="0">
+            <a:schemeClr val="accent1"/>
+          </a:effectRef>
+          <a:fontRef idx="minor">
+            <a:schemeClr val="tx1"/>
+          </a:fontRef>
+        </p:style>
+      </p:cxnSp>
+      <p:sp>
+        <p:nvSpPr>
+          <p:cNvPr id="65" name="직사각형 64"/>
+          <p:cNvSpPr/>
+          <p:nvPr/>
+        </p:nvSpPr>
+        <p:spPr>
+          <a:xfrm>
+            <a:off x="2529569" y="844122"/>
+            <a:ext cx="4237264" cy="2142772"/>
+          </a:xfrm>
+          <a:prstGeom prst="rect">
+            <a:avLst/>
+          </a:prstGeom>
+        </p:spPr>
+        <p:style>
+          <a:lnRef idx="2">
+            <a:schemeClr val="accent1">
+              <a:shade val="50000"/>
+            </a:schemeClr>
+          </a:lnRef>
+          <a:fillRef idx="1">
+            <a:schemeClr val="accent1"/>
+          </a:fillRef>
+          <a:effectRef idx="0">
+            <a:schemeClr val="accent1"/>
+          </a:effectRef>
+          <a:fontRef idx="minor">
+            <a:schemeClr val="lt1"/>
+          </a:fontRef>
+        </p:style>
+        <p:txBody>
+          <a:bodyPr rtlCol="0" anchor="ctr"/>
+          <a:lstStyle/>
+          <a:p>
+            <a:pPr lvl="0" eaLnBrk="0" fontAlgn="base" latinLnBrk="0" hangingPunct="0">
+              <a:spcBef>
+                <a:spcPct val="0"/>
+              </a:spcBef>
+              <a:spcAft>
+                <a:spcPct val="0"/>
+              </a:spcAft>
+            </a:pPr>
+            <a:r>
+              <a:rPr lang="en-US" altLang="ko-KR" sz="900" dirty="0" smtClean="0">
+                <a:solidFill>
+                  <a:schemeClr val="bg1"/>
+                </a:solidFill>
+                <a:latin typeface="D2Coding" panose="020B0609020101020101" pitchFamily="49" charset="-127"/>
+                <a:ea typeface="D2Coding" panose="020B0609020101020101" pitchFamily="49" charset="-127"/>
+              </a:rPr>
+              <a:t>User Request Function</a:t>
+            </a:r>
+          </a:p>
+          <a:p>
+            <a:pPr lvl="0" eaLnBrk="0" fontAlgn="base" latinLnBrk="0" hangingPunct="0">
+              <a:spcBef>
+                <a:spcPct val="0"/>
+              </a:spcBef>
+              <a:spcAft>
+                <a:spcPct val="0"/>
+              </a:spcAft>
+            </a:pPr>
+            <a:endParaRPr lang="en-US" altLang="ko-KR" sz="900" dirty="0">
+              <a:solidFill>
+                <a:schemeClr val="bg1"/>
+              </a:solidFill>
+              <a:latin typeface="D2Coding" panose="020B0609020101020101" pitchFamily="49" charset="-127"/>
+              <a:ea typeface="D2Coding" panose="020B0609020101020101" pitchFamily="49" charset="-127"/>
+            </a:endParaRPr>
+          </a:p>
+          <a:p>
+            <a:pPr lvl="0" eaLnBrk="0" fontAlgn="base" latinLnBrk="0" hangingPunct="0">
+              <a:spcBef>
+                <a:spcPct val="0"/>
+              </a:spcBef>
+              <a:spcAft>
+                <a:spcPct val="0"/>
+              </a:spcAft>
+            </a:pPr>
+            <a:endParaRPr lang="en-US" altLang="ko-KR" sz="900" dirty="0" smtClean="0">
+              <a:solidFill>
+                <a:schemeClr val="bg1"/>
+              </a:solidFill>
+              <a:latin typeface="D2Coding" panose="020B0609020101020101" pitchFamily="49" charset="-127"/>
+              <a:ea typeface="D2Coding" panose="020B0609020101020101" pitchFamily="49" charset="-127"/>
+            </a:endParaRPr>
+          </a:p>
+          <a:p>
+            <a:pPr lvl="0" eaLnBrk="0" fontAlgn="base" latinLnBrk="0" hangingPunct="0">
+              <a:spcBef>
+                <a:spcPct val="0"/>
+              </a:spcBef>
+              <a:spcAft>
+                <a:spcPct val="0"/>
+              </a:spcAft>
+            </a:pPr>
+            <a:endParaRPr lang="en-US" altLang="ko-KR" sz="900" dirty="0">
+              <a:solidFill>
+                <a:schemeClr val="bg1"/>
+              </a:solidFill>
+              <a:latin typeface="D2Coding" panose="020B0609020101020101" pitchFamily="49" charset="-127"/>
+              <a:ea typeface="D2Coding" panose="020B0609020101020101" pitchFamily="49" charset="-127"/>
+            </a:endParaRPr>
+          </a:p>
+          <a:p>
+            <a:pPr lvl="0" eaLnBrk="0" fontAlgn="base" latinLnBrk="0" hangingPunct="0">
+              <a:spcBef>
+                <a:spcPct val="0"/>
+              </a:spcBef>
+              <a:spcAft>
+                <a:spcPct val="0"/>
+              </a:spcAft>
+            </a:pPr>
+            <a:endParaRPr lang="en-US" altLang="ko-KR" sz="900" dirty="0" smtClean="0">
+              <a:solidFill>
+                <a:schemeClr val="bg1"/>
+              </a:solidFill>
+              <a:latin typeface="D2Coding" panose="020B0609020101020101" pitchFamily="49" charset="-127"/>
+              <a:ea typeface="D2Coding" panose="020B0609020101020101" pitchFamily="49" charset="-127"/>
+            </a:endParaRPr>
+          </a:p>
+          <a:p>
+            <a:pPr lvl="0" eaLnBrk="0" fontAlgn="base" latinLnBrk="0" hangingPunct="0">
+              <a:spcBef>
+                <a:spcPct val="0"/>
+              </a:spcBef>
+              <a:spcAft>
+                <a:spcPct val="0"/>
+              </a:spcAft>
+            </a:pPr>
+            <a:endParaRPr lang="en-US" altLang="ko-KR" sz="900" dirty="0">
+              <a:solidFill>
+                <a:schemeClr val="bg1"/>
+              </a:solidFill>
+              <a:latin typeface="D2Coding" panose="020B0609020101020101" pitchFamily="49" charset="-127"/>
+              <a:ea typeface="D2Coding" panose="020B0609020101020101" pitchFamily="49" charset="-127"/>
+            </a:endParaRPr>
+          </a:p>
+          <a:p>
+            <a:pPr lvl="0" eaLnBrk="0" fontAlgn="base" latinLnBrk="0" hangingPunct="0">
+              <a:spcBef>
+                <a:spcPct val="0"/>
+              </a:spcBef>
+              <a:spcAft>
+                <a:spcPct val="0"/>
+              </a:spcAft>
+            </a:pPr>
+            <a:endParaRPr lang="en-US" altLang="ko-KR" sz="900" dirty="0" smtClean="0">
+              <a:solidFill>
+                <a:schemeClr val="bg1"/>
+              </a:solidFill>
+              <a:latin typeface="D2Coding" panose="020B0609020101020101" pitchFamily="49" charset="-127"/>
+              <a:ea typeface="D2Coding" panose="020B0609020101020101" pitchFamily="49" charset="-127"/>
+            </a:endParaRPr>
+          </a:p>
+          <a:p>
+            <a:pPr lvl="0" eaLnBrk="0" fontAlgn="base" latinLnBrk="0" hangingPunct="0">
+              <a:spcBef>
+                <a:spcPct val="0"/>
+              </a:spcBef>
+              <a:spcAft>
+                <a:spcPct val="0"/>
+              </a:spcAft>
+            </a:pPr>
+            <a:endParaRPr lang="en-US" altLang="ko-KR" sz="900" dirty="0">
+              <a:solidFill>
+                <a:schemeClr val="bg1"/>
+              </a:solidFill>
+              <a:latin typeface="D2Coding" panose="020B0609020101020101" pitchFamily="49" charset="-127"/>
+              <a:ea typeface="D2Coding" panose="020B0609020101020101" pitchFamily="49" charset="-127"/>
+            </a:endParaRPr>
+          </a:p>
+          <a:p>
+            <a:pPr lvl="0" eaLnBrk="0" fontAlgn="base" latinLnBrk="0" hangingPunct="0">
+              <a:spcBef>
+                <a:spcPct val="0"/>
+              </a:spcBef>
+              <a:spcAft>
+                <a:spcPct val="0"/>
+              </a:spcAft>
+            </a:pPr>
+            <a:endParaRPr lang="en-US" altLang="ko-KR" sz="900" dirty="0" smtClean="0">
+              <a:solidFill>
+                <a:schemeClr val="bg1"/>
+              </a:solidFill>
+              <a:latin typeface="D2Coding" panose="020B0609020101020101" pitchFamily="49" charset="-127"/>
+              <a:ea typeface="D2Coding" panose="020B0609020101020101" pitchFamily="49" charset="-127"/>
+            </a:endParaRPr>
+          </a:p>
+          <a:p>
+            <a:pPr lvl="0" eaLnBrk="0" fontAlgn="base" latinLnBrk="0" hangingPunct="0">
+              <a:spcBef>
+                <a:spcPct val="0"/>
+              </a:spcBef>
+              <a:spcAft>
+                <a:spcPct val="0"/>
+              </a:spcAft>
+            </a:pPr>
+            <a:endParaRPr lang="en-US" altLang="ko-KR" sz="900" dirty="0" smtClean="0">
+              <a:solidFill>
+                <a:schemeClr val="bg1"/>
+              </a:solidFill>
+              <a:latin typeface="D2Coding" panose="020B0609020101020101" pitchFamily="49" charset="-127"/>
+              <a:ea typeface="D2Coding" panose="020B0609020101020101" pitchFamily="49" charset="-127"/>
+            </a:endParaRPr>
+          </a:p>
+          <a:p>
+            <a:pPr lvl="0" eaLnBrk="0" fontAlgn="base" latinLnBrk="0" hangingPunct="0">
+              <a:spcBef>
+                <a:spcPct val="0"/>
+              </a:spcBef>
+              <a:spcAft>
+                <a:spcPct val="0"/>
+              </a:spcAft>
+            </a:pPr>
+            <a:endParaRPr lang="en-US" altLang="ko-KR" sz="900" dirty="0">
+              <a:solidFill>
+                <a:schemeClr val="bg1"/>
+              </a:solidFill>
+              <a:latin typeface="D2Coding" panose="020B0609020101020101" pitchFamily="49" charset="-127"/>
+              <a:ea typeface="D2Coding" panose="020B0609020101020101" pitchFamily="49" charset="-127"/>
+            </a:endParaRPr>
+          </a:p>
+          <a:p>
+            <a:pPr lvl="0" eaLnBrk="0" fontAlgn="base" latinLnBrk="0" hangingPunct="0">
+              <a:spcBef>
+                <a:spcPct val="0"/>
+              </a:spcBef>
+              <a:spcAft>
+                <a:spcPct val="0"/>
+              </a:spcAft>
+            </a:pPr>
+            <a:endParaRPr lang="en-US" altLang="ko-KR" sz="900" dirty="0" smtClean="0">
+              <a:solidFill>
+                <a:schemeClr val="bg1"/>
+              </a:solidFill>
+              <a:latin typeface="D2Coding" panose="020B0609020101020101" pitchFamily="49" charset="-127"/>
+              <a:ea typeface="D2Coding" panose="020B0609020101020101" pitchFamily="49" charset="-127"/>
+            </a:endParaRPr>
+          </a:p>
+          <a:p>
+            <a:pPr lvl="0" eaLnBrk="0" fontAlgn="base" latinLnBrk="0" hangingPunct="0">
+              <a:spcBef>
+                <a:spcPct val="0"/>
+              </a:spcBef>
+              <a:spcAft>
+                <a:spcPct val="0"/>
+              </a:spcAft>
+            </a:pPr>
+            <a:endParaRPr lang="en-US" altLang="ko-KR" sz="900" dirty="0">
+              <a:solidFill>
+                <a:schemeClr val="bg1"/>
+              </a:solidFill>
+              <a:latin typeface="D2Coding" panose="020B0609020101020101" pitchFamily="49" charset="-127"/>
+              <a:ea typeface="D2Coding" panose="020B0609020101020101" pitchFamily="49" charset="-127"/>
+            </a:endParaRPr>
+          </a:p>
+          <a:p>
+            <a:pPr lvl="0" eaLnBrk="0" fontAlgn="base" latinLnBrk="0" hangingPunct="0">
+              <a:spcBef>
+                <a:spcPct val="0"/>
+              </a:spcBef>
+              <a:spcAft>
+                <a:spcPct val="0"/>
+              </a:spcAft>
+            </a:pPr>
+            <a:endParaRPr lang="ko-KR" altLang="ko-KR" sz="900" dirty="0">
+              <a:solidFill>
+                <a:schemeClr val="bg1"/>
+              </a:solidFill>
+              <a:latin typeface="D2Coding" panose="020B0609020101020101" pitchFamily="49" charset="-127"/>
+              <a:ea typeface="D2Coding" panose="020B0609020101020101" pitchFamily="49" charset="-127"/>
+            </a:endParaRPr>
+          </a:p>
+        </p:txBody>
+      </p:sp>
+      <p:sp>
+        <p:nvSpPr>
+          <p:cNvPr id="5" name="직사각형 4"/>
+          <p:cNvSpPr/>
+          <p:nvPr/>
+        </p:nvSpPr>
+        <p:spPr>
+          <a:xfrm>
+            <a:off x="2721428" y="1259309"/>
+            <a:ext cx="5128530" cy="310242"/>
+          </a:xfrm>
+          <a:prstGeom prst="rect">
+            <a:avLst/>
+          </a:prstGeom>
+        </p:spPr>
+        <p:style>
+          <a:lnRef idx="2">
+            <a:schemeClr val="accent6">
+              <a:shade val="50000"/>
+            </a:schemeClr>
+          </a:lnRef>
+          <a:fillRef idx="1">
+            <a:schemeClr val="accent6"/>
+          </a:fillRef>
+          <a:effectRef idx="0">
+            <a:schemeClr val="accent6"/>
+          </a:effectRef>
+          <a:fontRef idx="minor">
+            <a:schemeClr val="lt1"/>
+          </a:fontRef>
+        </p:style>
+        <p:txBody>
+          <a:bodyPr rtlCol="0" anchor="ctr"/>
+          <a:lstStyle/>
+          <a:p>
+            <a:pPr lvl="0" algn="ctr"/>
+            <a:r>
+              <a:rPr lang="ko-KR" altLang="ko-KR" sz="900" dirty="0" err="1" smtClean="0">
+                <a:solidFill>
+                  <a:schemeClr val="bg1"/>
+                </a:solidFill>
+                <a:latin typeface="D2Coding" panose="020B0609020101020101" pitchFamily="49" charset="-127"/>
+                <a:ea typeface="D2Coding" panose="020B0609020101020101" pitchFamily="49" charset="-127"/>
+              </a:rPr>
+              <a:t>SetInputValue</a:t>
+            </a:r>
+            <a:r>
+              <a:rPr lang="ko-KR" altLang="ko-KR" sz="900" dirty="0" smtClean="0">
+                <a:solidFill>
+                  <a:schemeClr val="bg1"/>
+                </a:solidFill>
+                <a:latin typeface="D2Coding" panose="020B0609020101020101" pitchFamily="49" charset="-127"/>
+                <a:ea typeface="D2Coding" panose="020B0609020101020101" pitchFamily="49" charset="-127"/>
+              </a:rPr>
+              <a:t>(</a:t>
+            </a:r>
+            <a:r>
+              <a:rPr lang="ko-KR" altLang="ko-KR" sz="900" dirty="0" err="1" smtClean="0">
+                <a:solidFill>
+                  <a:schemeClr val="bg1"/>
+                </a:solidFill>
+                <a:latin typeface="D2Coding" panose="020B0609020101020101" pitchFamily="49" charset="-127"/>
+                <a:ea typeface="D2Coding" panose="020B0609020101020101" pitchFamily="49" charset="-127"/>
+              </a:rPr>
+              <a:t>QString</a:t>
+            </a:r>
+            <a:r>
+              <a:rPr lang="ko-KR" altLang="ko-KR" sz="900" dirty="0">
+                <a:solidFill>
+                  <a:schemeClr val="bg1"/>
+                </a:solidFill>
+                <a:latin typeface="D2Coding" panose="020B0609020101020101" pitchFamily="49" charset="-127"/>
+                <a:ea typeface="D2Coding" panose="020B0609020101020101" pitchFamily="49" charset="-127"/>
+              </a:rPr>
+              <a:t>, </a:t>
+            </a:r>
+            <a:r>
+              <a:rPr lang="ko-KR" altLang="ko-KR" sz="900" dirty="0" err="1">
+                <a:solidFill>
+                  <a:schemeClr val="bg1"/>
+                </a:solidFill>
+                <a:latin typeface="D2Coding" panose="020B0609020101020101" pitchFamily="49" charset="-127"/>
+                <a:ea typeface="D2Coding" panose="020B0609020101020101" pitchFamily="49" charset="-127"/>
+              </a:rPr>
+              <a:t>QString</a:t>
+            </a:r>
+            <a:r>
+              <a:rPr lang="ko-KR" altLang="ko-KR" sz="900" dirty="0">
+                <a:solidFill>
+                  <a:schemeClr val="bg1"/>
+                </a:solidFill>
+                <a:latin typeface="D2Coding" panose="020B0609020101020101" pitchFamily="49" charset="-127"/>
+                <a:ea typeface="D2Coding" panose="020B0609020101020101" pitchFamily="49" charset="-127"/>
+              </a:rPr>
+              <a:t>)", </a:t>
+            </a:r>
+            <a:r>
+              <a:rPr lang="ko-KR" altLang="ko-KR" sz="900" dirty="0" err="1">
+                <a:solidFill>
+                  <a:schemeClr val="bg1"/>
+                </a:solidFill>
+                <a:latin typeface="D2Coding" panose="020B0609020101020101" pitchFamily="49" charset="-127"/>
+                <a:ea typeface="D2Coding" panose="020B0609020101020101" pitchFamily="49" charset="-127"/>
+              </a:rPr>
+              <a:t>id</a:t>
+            </a:r>
+            <a:r>
+              <a:rPr lang="ko-KR" altLang="ko-KR" sz="900" dirty="0">
+                <a:solidFill>
+                  <a:schemeClr val="bg1"/>
+                </a:solidFill>
+                <a:latin typeface="D2Coding" panose="020B0609020101020101" pitchFamily="49" charset="-127"/>
+                <a:ea typeface="D2Coding" panose="020B0609020101020101" pitchFamily="49" charset="-127"/>
+              </a:rPr>
+              <a:t>, </a:t>
+            </a:r>
+            <a:r>
+              <a:rPr lang="ko-KR" altLang="ko-KR" sz="900" dirty="0" err="1" smtClean="0">
+                <a:solidFill>
+                  <a:schemeClr val="bg1"/>
+                </a:solidFill>
+                <a:latin typeface="D2Coding" panose="020B0609020101020101" pitchFamily="49" charset="-127"/>
+                <a:ea typeface="D2Coding" panose="020B0609020101020101" pitchFamily="49" charset="-127"/>
+              </a:rPr>
+              <a:t>value</a:t>
+            </a:r>
+            <a:endParaRPr lang="ko-KR" altLang="ko-KR" sz="900" dirty="0">
+              <a:solidFill>
+                <a:schemeClr val="bg1"/>
+              </a:solidFill>
+              <a:latin typeface="Arial" panose="020B0604020202020204" pitchFamily="34" charset="0"/>
+            </a:endParaRPr>
+          </a:p>
+        </p:txBody>
+      </p:sp>
+      <p:sp>
+        <p:nvSpPr>
+          <p:cNvPr id="42" name="직사각형 41"/>
+          <p:cNvSpPr/>
+          <p:nvPr/>
+        </p:nvSpPr>
+        <p:spPr>
+          <a:xfrm>
+            <a:off x="2721428" y="1679542"/>
+            <a:ext cx="5128530" cy="310242"/>
+          </a:xfrm>
+          <a:prstGeom prst="rect">
+            <a:avLst/>
+          </a:prstGeom>
+        </p:spPr>
+        <p:style>
+          <a:lnRef idx="2">
+            <a:schemeClr val="accent6">
+              <a:shade val="50000"/>
+            </a:schemeClr>
+          </a:lnRef>
+          <a:fillRef idx="1">
+            <a:schemeClr val="accent6"/>
+          </a:fillRef>
+          <a:effectRef idx="0">
+            <a:schemeClr val="accent6"/>
+          </a:effectRef>
+          <a:fontRef idx="minor">
+            <a:schemeClr val="lt1"/>
+          </a:fontRef>
+        </p:style>
+        <p:txBody>
+          <a:bodyPr rtlCol="0" anchor="ctr"/>
+          <a:lstStyle/>
+          <a:p>
+            <a:pPr lvl="0" algn="ctr"/>
+            <a:r>
+              <a:rPr lang="ko-KR" altLang="ko-KR" sz="900" dirty="0" err="1">
+                <a:solidFill>
+                  <a:schemeClr val="bg1"/>
+                </a:solidFill>
+                <a:latin typeface="D2Coding" panose="020B0609020101020101" pitchFamily="49" charset="-127"/>
+                <a:ea typeface="D2Coding" panose="020B0609020101020101" pitchFamily="49" charset="-127"/>
+              </a:rPr>
+              <a:t>SetInputValue</a:t>
+            </a:r>
+            <a:r>
+              <a:rPr lang="ko-KR" altLang="ko-KR" sz="900" dirty="0">
+                <a:solidFill>
+                  <a:schemeClr val="bg1"/>
+                </a:solidFill>
+                <a:latin typeface="D2Coding" panose="020B0609020101020101" pitchFamily="49" charset="-127"/>
+                <a:ea typeface="D2Coding" panose="020B0609020101020101" pitchFamily="49" charset="-127"/>
+              </a:rPr>
+              <a:t>(</a:t>
+            </a:r>
+            <a:r>
+              <a:rPr lang="ko-KR" altLang="ko-KR" sz="900" dirty="0" err="1">
+                <a:solidFill>
+                  <a:schemeClr val="bg1"/>
+                </a:solidFill>
+                <a:latin typeface="D2Coding" panose="020B0609020101020101" pitchFamily="49" charset="-127"/>
+                <a:ea typeface="D2Coding" panose="020B0609020101020101" pitchFamily="49" charset="-127"/>
+              </a:rPr>
+              <a:t>QString</a:t>
+            </a:r>
+            <a:r>
+              <a:rPr lang="ko-KR" altLang="ko-KR" sz="900" dirty="0">
+                <a:solidFill>
+                  <a:schemeClr val="bg1"/>
+                </a:solidFill>
+                <a:latin typeface="D2Coding" panose="020B0609020101020101" pitchFamily="49" charset="-127"/>
+                <a:ea typeface="D2Coding" panose="020B0609020101020101" pitchFamily="49" charset="-127"/>
+              </a:rPr>
+              <a:t>, </a:t>
+            </a:r>
+            <a:r>
+              <a:rPr lang="ko-KR" altLang="ko-KR" sz="900" dirty="0" err="1">
+                <a:solidFill>
+                  <a:schemeClr val="bg1"/>
+                </a:solidFill>
+                <a:latin typeface="D2Coding" panose="020B0609020101020101" pitchFamily="49" charset="-127"/>
+                <a:ea typeface="D2Coding" panose="020B0609020101020101" pitchFamily="49" charset="-127"/>
+              </a:rPr>
+              <a:t>QString</a:t>
+            </a:r>
+            <a:r>
+              <a:rPr lang="ko-KR" altLang="ko-KR" sz="900" dirty="0">
+                <a:solidFill>
+                  <a:schemeClr val="bg1"/>
+                </a:solidFill>
+                <a:latin typeface="D2Coding" panose="020B0609020101020101" pitchFamily="49" charset="-127"/>
+                <a:ea typeface="D2Coding" panose="020B0609020101020101" pitchFamily="49" charset="-127"/>
+              </a:rPr>
+              <a:t>)", </a:t>
+            </a:r>
+            <a:r>
+              <a:rPr lang="ko-KR" altLang="ko-KR" sz="900" dirty="0" err="1">
+                <a:solidFill>
+                  <a:schemeClr val="bg1"/>
+                </a:solidFill>
+                <a:latin typeface="D2Coding" panose="020B0609020101020101" pitchFamily="49" charset="-127"/>
+                <a:ea typeface="D2Coding" panose="020B0609020101020101" pitchFamily="49" charset="-127"/>
+              </a:rPr>
+              <a:t>id</a:t>
+            </a:r>
+            <a:r>
+              <a:rPr lang="ko-KR" altLang="ko-KR" sz="900" dirty="0">
+                <a:solidFill>
+                  <a:schemeClr val="bg1"/>
+                </a:solidFill>
+                <a:latin typeface="D2Coding" panose="020B0609020101020101" pitchFamily="49" charset="-127"/>
+                <a:ea typeface="D2Coding" panose="020B0609020101020101" pitchFamily="49" charset="-127"/>
+              </a:rPr>
+              <a:t>, </a:t>
+            </a:r>
+            <a:r>
+              <a:rPr lang="ko-KR" altLang="ko-KR" sz="900" dirty="0" err="1">
+                <a:solidFill>
+                  <a:schemeClr val="bg1"/>
+                </a:solidFill>
+                <a:latin typeface="D2Coding" panose="020B0609020101020101" pitchFamily="49" charset="-127"/>
+                <a:ea typeface="D2Coding" panose="020B0609020101020101" pitchFamily="49" charset="-127"/>
+              </a:rPr>
+              <a:t>value</a:t>
+            </a:r>
+            <a:endParaRPr lang="ko-KR" altLang="ko-KR" sz="900" dirty="0">
+              <a:solidFill>
+                <a:schemeClr val="bg1"/>
+              </a:solidFill>
+              <a:latin typeface="Arial" panose="020B0604020202020204" pitchFamily="34" charset="0"/>
+            </a:endParaRPr>
+          </a:p>
+        </p:txBody>
+      </p:sp>
+      <p:sp>
+        <p:nvSpPr>
+          <p:cNvPr id="45" name="직사각형 44"/>
+          <p:cNvSpPr/>
+          <p:nvPr/>
+        </p:nvSpPr>
+        <p:spPr>
+          <a:xfrm>
+            <a:off x="2721428" y="2099775"/>
+            <a:ext cx="5128530" cy="310242"/>
+          </a:xfrm>
+          <a:prstGeom prst="rect">
+            <a:avLst/>
+          </a:prstGeom>
+        </p:spPr>
+        <p:style>
+          <a:lnRef idx="2">
+            <a:schemeClr val="accent6">
+              <a:shade val="50000"/>
+            </a:schemeClr>
+          </a:lnRef>
+          <a:fillRef idx="1">
+            <a:schemeClr val="accent6"/>
+          </a:fillRef>
+          <a:effectRef idx="0">
+            <a:schemeClr val="accent6"/>
+          </a:effectRef>
+          <a:fontRef idx="minor">
+            <a:schemeClr val="lt1"/>
+          </a:fontRef>
+        </p:style>
+        <p:txBody>
+          <a:bodyPr rtlCol="0" anchor="ctr"/>
+          <a:lstStyle/>
+          <a:p>
+            <a:pPr lvl="0" algn="ctr"/>
+            <a:r>
+              <a:rPr lang="ko-KR" altLang="ko-KR" sz="900" dirty="0" err="1">
+                <a:solidFill>
+                  <a:schemeClr val="bg1"/>
+                </a:solidFill>
+                <a:latin typeface="D2Coding" panose="020B0609020101020101" pitchFamily="49" charset="-127"/>
+                <a:ea typeface="D2Coding" panose="020B0609020101020101" pitchFamily="49" charset="-127"/>
+              </a:rPr>
+              <a:t>SetInputValue</a:t>
+            </a:r>
+            <a:r>
+              <a:rPr lang="ko-KR" altLang="ko-KR" sz="900" dirty="0">
+                <a:solidFill>
+                  <a:schemeClr val="bg1"/>
+                </a:solidFill>
+                <a:latin typeface="D2Coding" panose="020B0609020101020101" pitchFamily="49" charset="-127"/>
+                <a:ea typeface="D2Coding" panose="020B0609020101020101" pitchFamily="49" charset="-127"/>
+              </a:rPr>
+              <a:t>(</a:t>
+            </a:r>
+            <a:r>
+              <a:rPr lang="ko-KR" altLang="ko-KR" sz="900" dirty="0" err="1">
+                <a:solidFill>
+                  <a:schemeClr val="bg1"/>
+                </a:solidFill>
+                <a:latin typeface="D2Coding" panose="020B0609020101020101" pitchFamily="49" charset="-127"/>
+                <a:ea typeface="D2Coding" panose="020B0609020101020101" pitchFamily="49" charset="-127"/>
+              </a:rPr>
+              <a:t>QString</a:t>
+            </a:r>
+            <a:r>
+              <a:rPr lang="ko-KR" altLang="ko-KR" sz="900" dirty="0">
+                <a:solidFill>
+                  <a:schemeClr val="bg1"/>
+                </a:solidFill>
+                <a:latin typeface="D2Coding" panose="020B0609020101020101" pitchFamily="49" charset="-127"/>
+                <a:ea typeface="D2Coding" panose="020B0609020101020101" pitchFamily="49" charset="-127"/>
+              </a:rPr>
+              <a:t>, </a:t>
+            </a:r>
+            <a:r>
+              <a:rPr lang="ko-KR" altLang="ko-KR" sz="900" dirty="0" err="1">
+                <a:solidFill>
+                  <a:schemeClr val="bg1"/>
+                </a:solidFill>
+                <a:latin typeface="D2Coding" panose="020B0609020101020101" pitchFamily="49" charset="-127"/>
+                <a:ea typeface="D2Coding" panose="020B0609020101020101" pitchFamily="49" charset="-127"/>
+              </a:rPr>
+              <a:t>QString</a:t>
+            </a:r>
+            <a:r>
+              <a:rPr lang="ko-KR" altLang="ko-KR" sz="900" dirty="0">
+                <a:solidFill>
+                  <a:schemeClr val="bg1"/>
+                </a:solidFill>
+                <a:latin typeface="D2Coding" panose="020B0609020101020101" pitchFamily="49" charset="-127"/>
+                <a:ea typeface="D2Coding" panose="020B0609020101020101" pitchFamily="49" charset="-127"/>
+              </a:rPr>
+              <a:t>)", </a:t>
+            </a:r>
+            <a:r>
+              <a:rPr lang="ko-KR" altLang="ko-KR" sz="900" dirty="0" err="1">
+                <a:solidFill>
+                  <a:schemeClr val="bg1"/>
+                </a:solidFill>
+                <a:latin typeface="D2Coding" panose="020B0609020101020101" pitchFamily="49" charset="-127"/>
+                <a:ea typeface="D2Coding" panose="020B0609020101020101" pitchFamily="49" charset="-127"/>
+              </a:rPr>
+              <a:t>id</a:t>
+            </a:r>
+            <a:r>
+              <a:rPr lang="ko-KR" altLang="ko-KR" sz="900" dirty="0">
+                <a:solidFill>
+                  <a:schemeClr val="bg1"/>
+                </a:solidFill>
+                <a:latin typeface="D2Coding" panose="020B0609020101020101" pitchFamily="49" charset="-127"/>
+                <a:ea typeface="D2Coding" panose="020B0609020101020101" pitchFamily="49" charset="-127"/>
+              </a:rPr>
+              <a:t>, </a:t>
+            </a:r>
+            <a:r>
+              <a:rPr lang="ko-KR" altLang="ko-KR" sz="900" dirty="0" err="1">
+                <a:solidFill>
+                  <a:schemeClr val="bg1"/>
+                </a:solidFill>
+                <a:latin typeface="D2Coding" panose="020B0609020101020101" pitchFamily="49" charset="-127"/>
+                <a:ea typeface="D2Coding" panose="020B0609020101020101" pitchFamily="49" charset="-127"/>
+              </a:rPr>
+              <a:t>value</a:t>
+            </a:r>
+            <a:endParaRPr lang="ko-KR" altLang="ko-KR" sz="900" dirty="0">
+              <a:solidFill>
+                <a:schemeClr val="bg1"/>
+              </a:solidFill>
+              <a:latin typeface="Arial" panose="020B0604020202020204" pitchFamily="34" charset="0"/>
+            </a:endParaRPr>
+          </a:p>
+        </p:txBody>
+      </p:sp>
+      <p:sp>
+        <p:nvSpPr>
+          <p:cNvPr id="46" name="직사각형 45"/>
+          <p:cNvSpPr/>
+          <p:nvPr/>
+        </p:nvSpPr>
+        <p:spPr>
+          <a:xfrm>
+            <a:off x="2721427" y="2520008"/>
+            <a:ext cx="5128531" cy="310242"/>
+          </a:xfrm>
+          <a:prstGeom prst="rect">
+            <a:avLst/>
+          </a:prstGeom>
+        </p:spPr>
+        <p:style>
+          <a:lnRef idx="2">
+            <a:schemeClr val="accent6">
+              <a:shade val="50000"/>
+            </a:schemeClr>
+          </a:lnRef>
+          <a:fillRef idx="1">
+            <a:schemeClr val="accent6"/>
+          </a:fillRef>
+          <a:effectRef idx="0">
+            <a:schemeClr val="accent6"/>
+          </a:effectRef>
+          <a:fontRef idx="minor">
+            <a:schemeClr val="lt1"/>
+          </a:fontRef>
+        </p:style>
+        <p:txBody>
+          <a:bodyPr rtlCol="0" anchor="ctr"/>
+          <a:lstStyle/>
+          <a:p>
+            <a:pPr lvl="0" eaLnBrk="0" fontAlgn="base" latinLnBrk="0" hangingPunct="0">
+              <a:spcBef>
+                <a:spcPct val="0"/>
+              </a:spcBef>
+              <a:spcAft>
+                <a:spcPct val="0"/>
+              </a:spcAft>
+            </a:pPr>
+            <a:r>
+              <a:rPr lang="ko-KR" altLang="ko-KR" sz="900" dirty="0" err="1" smtClean="0">
+                <a:solidFill>
+                  <a:schemeClr val="bg1"/>
+                </a:solidFill>
+                <a:latin typeface="D2Coding" panose="020B0609020101020101" pitchFamily="49" charset="-127"/>
+                <a:ea typeface="D2Coding" panose="020B0609020101020101" pitchFamily="49" charset="-127"/>
+              </a:rPr>
+              <a:t>CommRqData</a:t>
+            </a:r>
+            <a:r>
+              <a:rPr lang="ko-KR" altLang="ko-KR" sz="900" dirty="0" smtClean="0">
+                <a:solidFill>
+                  <a:schemeClr val="bg1"/>
+                </a:solidFill>
+                <a:latin typeface="D2Coding" panose="020B0609020101020101" pitchFamily="49" charset="-127"/>
+                <a:ea typeface="D2Coding" panose="020B0609020101020101" pitchFamily="49" charset="-127"/>
+              </a:rPr>
+              <a:t>(</a:t>
+            </a:r>
+            <a:r>
+              <a:rPr lang="ko-KR" altLang="ko-KR" sz="900" dirty="0" err="1" smtClean="0">
+                <a:solidFill>
+                  <a:schemeClr val="bg1"/>
+                </a:solidFill>
+                <a:latin typeface="D2Coding" panose="020B0609020101020101" pitchFamily="49" charset="-127"/>
+                <a:ea typeface="D2Coding" panose="020B0609020101020101" pitchFamily="49" charset="-127"/>
+              </a:rPr>
+              <a:t>QString</a:t>
+            </a:r>
+            <a:r>
+              <a:rPr lang="ko-KR" altLang="ko-KR" sz="900" dirty="0">
+                <a:solidFill>
+                  <a:schemeClr val="bg1"/>
+                </a:solidFill>
+                <a:latin typeface="D2Coding" panose="020B0609020101020101" pitchFamily="49" charset="-127"/>
+                <a:ea typeface="D2Coding" panose="020B0609020101020101" pitchFamily="49" charset="-127"/>
+              </a:rPr>
+              <a:t>, </a:t>
+            </a:r>
+            <a:r>
+              <a:rPr lang="ko-KR" altLang="ko-KR" sz="900" dirty="0" err="1">
+                <a:solidFill>
+                  <a:schemeClr val="bg1"/>
+                </a:solidFill>
+                <a:latin typeface="D2Coding" panose="020B0609020101020101" pitchFamily="49" charset="-127"/>
+                <a:ea typeface="D2Coding" panose="020B0609020101020101" pitchFamily="49" charset="-127"/>
+              </a:rPr>
+              <a:t>QString</a:t>
+            </a:r>
+            <a:r>
+              <a:rPr lang="ko-KR" altLang="ko-KR" sz="900" dirty="0">
+                <a:solidFill>
+                  <a:schemeClr val="bg1"/>
+                </a:solidFill>
+                <a:latin typeface="D2Coding" panose="020B0609020101020101" pitchFamily="49" charset="-127"/>
+                <a:ea typeface="D2Coding" panose="020B0609020101020101" pitchFamily="49" charset="-127"/>
+              </a:rPr>
+              <a:t>, </a:t>
+            </a:r>
+            <a:r>
+              <a:rPr lang="ko-KR" altLang="ko-KR" sz="900" dirty="0" err="1">
+                <a:solidFill>
+                  <a:schemeClr val="bg1"/>
+                </a:solidFill>
+                <a:latin typeface="D2Coding" panose="020B0609020101020101" pitchFamily="49" charset="-127"/>
+                <a:ea typeface="D2Coding" panose="020B0609020101020101" pitchFamily="49" charset="-127"/>
+              </a:rPr>
+              <a:t>int</a:t>
+            </a:r>
+            <a:r>
+              <a:rPr lang="ko-KR" altLang="ko-KR" sz="900" dirty="0">
+                <a:solidFill>
+                  <a:schemeClr val="bg1"/>
+                </a:solidFill>
+                <a:latin typeface="D2Coding" panose="020B0609020101020101" pitchFamily="49" charset="-127"/>
+                <a:ea typeface="D2Coding" panose="020B0609020101020101" pitchFamily="49" charset="-127"/>
+              </a:rPr>
+              <a:t>, </a:t>
+            </a:r>
+            <a:r>
+              <a:rPr lang="ko-KR" altLang="ko-KR" sz="900" dirty="0" err="1">
+                <a:solidFill>
+                  <a:schemeClr val="bg1"/>
+                </a:solidFill>
+                <a:latin typeface="D2Coding" panose="020B0609020101020101" pitchFamily="49" charset="-127"/>
+                <a:ea typeface="D2Coding" panose="020B0609020101020101" pitchFamily="49" charset="-127"/>
+              </a:rPr>
+              <a:t>QString</a:t>
+            </a:r>
+            <a:r>
+              <a:rPr lang="ko-KR" altLang="ko-KR" sz="900" dirty="0">
+                <a:solidFill>
+                  <a:schemeClr val="bg1"/>
+                </a:solidFill>
+                <a:latin typeface="D2Coding" panose="020B0609020101020101" pitchFamily="49" charset="-127"/>
+                <a:ea typeface="D2Coding" panose="020B0609020101020101" pitchFamily="49" charset="-127"/>
+              </a:rPr>
+              <a:t>)", </a:t>
+            </a:r>
+            <a:r>
+              <a:rPr lang="ko-KR" altLang="ko-KR" sz="900" dirty="0" err="1">
+                <a:solidFill>
+                  <a:schemeClr val="bg1"/>
+                </a:solidFill>
+                <a:latin typeface="D2Coding" panose="020B0609020101020101" pitchFamily="49" charset="-127"/>
+                <a:ea typeface="D2Coding" panose="020B0609020101020101" pitchFamily="49" charset="-127"/>
+              </a:rPr>
+              <a:t>rqname</a:t>
+            </a:r>
+            <a:r>
+              <a:rPr lang="ko-KR" altLang="ko-KR" sz="900" dirty="0">
+                <a:solidFill>
+                  <a:schemeClr val="bg1"/>
+                </a:solidFill>
+                <a:latin typeface="D2Coding" panose="020B0609020101020101" pitchFamily="49" charset="-127"/>
+                <a:ea typeface="D2Coding" panose="020B0609020101020101" pitchFamily="49" charset="-127"/>
+              </a:rPr>
+              <a:t>, </a:t>
+            </a:r>
+            <a:r>
+              <a:rPr lang="ko-KR" altLang="ko-KR" sz="900" dirty="0" err="1">
+                <a:solidFill>
+                  <a:schemeClr val="bg1"/>
+                </a:solidFill>
+                <a:latin typeface="D2Coding" panose="020B0609020101020101" pitchFamily="49" charset="-127"/>
+                <a:ea typeface="D2Coding" panose="020B0609020101020101" pitchFamily="49" charset="-127"/>
+              </a:rPr>
+              <a:t>trcode</a:t>
+            </a:r>
+            <a:r>
+              <a:rPr lang="ko-KR" altLang="ko-KR" sz="900" dirty="0">
+                <a:solidFill>
+                  <a:schemeClr val="bg1"/>
+                </a:solidFill>
+                <a:latin typeface="D2Coding" panose="020B0609020101020101" pitchFamily="49" charset="-127"/>
+                <a:ea typeface="D2Coding" panose="020B0609020101020101" pitchFamily="49" charset="-127"/>
+              </a:rPr>
+              <a:t>, </a:t>
+            </a:r>
+            <a:r>
+              <a:rPr lang="ko-KR" altLang="ko-KR" sz="900" dirty="0" err="1">
+                <a:solidFill>
+                  <a:schemeClr val="bg1"/>
+                </a:solidFill>
+                <a:latin typeface="D2Coding" panose="020B0609020101020101" pitchFamily="49" charset="-127"/>
+                <a:ea typeface="D2Coding" panose="020B0609020101020101" pitchFamily="49" charset="-127"/>
+              </a:rPr>
+              <a:t>int</a:t>
+            </a:r>
+            <a:r>
+              <a:rPr lang="ko-KR" altLang="ko-KR" sz="900" dirty="0">
+                <a:solidFill>
+                  <a:schemeClr val="bg1"/>
+                </a:solidFill>
+                <a:latin typeface="D2Coding" panose="020B0609020101020101" pitchFamily="49" charset="-127"/>
+                <a:ea typeface="D2Coding" panose="020B0609020101020101" pitchFamily="49" charset="-127"/>
+              </a:rPr>
+              <a:t>(</a:t>
+            </a:r>
+            <a:r>
+              <a:rPr lang="ko-KR" altLang="ko-KR" sz="900" dirty="0" err="1">
+                <a:solidFill>
+                  <a:schemeClr val="bg1"/>
+                </a:solidFill>
+                <a:latin typeface="D2Coding" panose="020B0609020101020101" pitchFamily="49" charset="-127"/>
+                <a:ea typeface="D2Coding" panose="020B0609020101020101" pitchFamily="49" charset="-127"/>
+              </a:rPr>
+              <a:t>next</a:t>
+            </a:r>
+            <a:r>
+              <a:rPr lang="ko-KR" altLang="ko-KR" sz="900" dirty="0">
+                <a:solidFill>
+                  <a:schemeClr val="bg1"/>
+                </a:solidFill>
+                <a:latin typeface="D2Coding" panose="020B0609020101020101" pitchFamily="49" charset="-127"/>
+                <a:ea typeface="D2Coding" panose="020B0609020101020101" pitchFamily="49" charset="-127"/>
+              </a:rPr>
+              <a:t>), </a:t>
+            </a:r>
+            <a:r>
+              <a:rPr lang="ko-KR" altLang="ko-KR" sz="900" dirty="0" err="1" smtClean="0">
+                <a:solidFill>
+                  <a:schemeClr val="bg1"/>
+                </a:solidFill>
+                <a:latin typeface="D2Coding" panose="020B0609020101020101" pitchFamily="49" charset="-127"/>
+                <a:ea typeface="D2Coding" panose="020B0609020101020101" pitchFamily="49" charset="-127"/>
+              </a:rPr>
+              <a:t>screen_no</a:t>
+            </a:r>
+            <a:endParaRPr lang="ko-KR" altLang="ko-KR" dirty="0">
+              <a:solidFill>
+                <a:schemeClr val="bg1"/>
+              </a:solidFill>
+              <a:latin typeface="Arial" panose="020B0604020202020204" pitchFamily="34" charset="0"/>
+            </a:endParaRPr>
+          </a:p>
+        </p:txBody>
+      </p:sp>
+      <p:sp>
+        <p:nvSpPr>
+          <p:cNvPr id="13" name="모서리가 둥근 직사각형 12"/>
+          <p:cNvSpPr/>
+          <p:nvPr/>
+        </p:nvSpPr>
+        <p:spPr>
+          <a:xfrm>
+            <a:off x="7707366" y="2638425"/>
+            <a:ext cx="1093734" cy="191825"/>
+          </a:xfrm>
+          <a:prstGeom prst="roundRect">
+            <a:avLst/>
+          </a:prstGeom>
+        </p:spPr>
+        <p:style>
+          <a:lnRef idx="2">
+            <a:schemeClr val="accent2">
+              <a:shade val="50000"/>
+            </a:schemeClr>
+          </a:lnRef>
+          <a:fillRef idx="1">
+            <a:schemeClr val="accent2"/>
+          </a:fillRef>
+          <a:effectRef idx="0">
+            <a:schemeClr val="accent2"/>
+          </a:effectRef>
+          <a:fontRef idx="minor">
+            <a:schemeClr val="lt1"/>
+          </a:fontRef>
+        </p:style>
+        <p:txBody>
+          <a:bodyPr rtlCol="0" anchor="ctr"/>
+          <a:lstStyle/>
+          <a:p>
+            <a:pPr algn="ctr"/>
+            <a:r>
+              <a:rPr lang="en-US" altLang="ko-KR" sz="1100" dirty="0" smtClean="0"/>
+              <a:t>TR </a:t>
+            </a:r>
+            <a:r>
+              <a:rPr lang="ko-KR" altLang="en-US" sz="1100" dirty="0" smtClean="0"/>
+              <a:t>수신 대기</a:t>
+            </a:r>
+            <a:endParaRPr lang="ko-KR" altLang="en-US" sz="1100" dirty="0"/>
+          </a:p>
+        </p:txBody>
+      </p:sp>
+      <p:sp>
+        <p:nvSpPr>
+          <p:cNvPr id="51" name="모서리가 둥근 직사각형 50"/>
+          <p:cNvSpPr/>
+          <p:nvPr/>
+        </p:nvSpPr>
+        <p:spPr>
+          <a:xfrm>
+            <a:off x="3819829" y="4083162"/>
+            <a:ext cx="1656743" cy="213557"/>
+          </a:xfrm>
+          <a:prstGeom prst="roundRect">
+            <a:avLst/>
+          </a:prstGeom>
+        </p:spPr>
+        <p:style>
+          <a:lnRef idx="2">
+            <a:schemeClr val="accent2">
+              <a:shade val="50000"/>
+            </a:schemeClr>
+          </a:lnRef>
+          <a:fillRef idx="1">
+            <a:schemeClr val="accent2"/>
+          </a:fillRef>
+          <a:effectRef idx="0">
+            <a:schemeClr val="accent2"/>
+          </a:effectRef>
+          <a:fontRef idx="minor">
+            <a:schemeClr val="lt1"/>
+          </a:fontRef>
+        </p:style>
+        <p:txBody>
+          <a:bodyPr rtlCol="0" anchor="ctr"/>
+          <a:lstStyle/>
+          <a:p>
+            <a:pPr lvl="0" algn="ctr" fontAlgn="base">
+              <a:spcBef>
+                <a:spcPct val="0"/>
+              </a:spcBef>
+              <a:spcAft>
+                <a:spcPct val="0"/>
+              </a:spcAft>
+            </a:pPr>
+            <a:r>
+              <a:rPr lang="ko-KR" altLang="ko-KR" sz="1100" dirty="0" err="1"/>
+              <a:t>OnReceiveTrData</a:t>
+            </a:r>
+            <a:r>
+              <a:rPr lang="en-US" altLang="ko-KR" sz="1100" dirty="0"/>
+              <a:t> </a:t>
+            </a:r>
+            <a:r>
+              <a:rPr lang="ko-KR" altLang="en-US" sz="1100" dirty="0"/>
+              <a:t>수신</a:t>
+            </a:r>
+            <a:endParaRPr lang="ko-KR" altLang="ko-KR" sz="1100" dirty="0"/>
+          </a:p>
+        </p:txBody>
+      </p:sp>
+      <p:cxnSp>
+        <p:nvCxnSpPr>
+          <p:cNvPr id="68" name="직선 화살표 연결선 67"/>
+          <p:cNvCxnSpPr/>
+          <p:nvPr/>
+        </p:nvCxnSpPr>
+        <p:spPr>
+          <a:xfrm flipH="1" flipV="1">
+            <a:off x="1252005" y="1048164"/>
+            <a:ext cx="1277564" cy="1938730"/>
+          </a:xfrm>
+          <a:prstGeom prst="straightConnector1">
+            <a:avLst/>
+          </a:prstGeom>
+          <a:ln w="25400">
+            <a:solidFill>
+              <a:schemeClr val="tx1"/>
+            </a:solidFill>
+            <a:headEnd w="lg" len="lg"/>
+            <a:tailEnd type="stealth"/>
+          </a:ln>
+        </p:spPr>
+        <p:style>
+          <a:lnRef idx="1">
+            <a:schemeClr val="accent1"/>
+          </a:lnRef>
+          <a:fillRef idx="0">
+            <a:schemeClr val="accent1"/>
+          </a:fillRef>
+          <a:effectRef idx="0">
+            <a:schemeClr val="accent1"/>
+          </a:effectRef>
+          <a:fontRef idx="minor">
+            <a:schemeClr val="tx1"/>
+          </a:fontRef>
+        </p:style>
+      </p:cxnSp>
+      <p:cxnSp>
+        <p:nvCxnSpPr>
+          <p:cNvPr id="36" name="꺾인 연결선 35"/>
+          <p:cNvCxnSpPr>
+            <a:stCxn id="13" idx="2"/>
+            <a:endCxn id="51" idx="0"/>
+          </p:cNvCxnSpPr>
+          <p:nvPr/>
+        </p:nvCxnSpPr>
+        <p:spPr>
+          <a:xfrm rot="5400000">
+            <a:off x="5824761" y="1653690"/>
+            <a:ext cx="1252912" cy="3606032"/>
+          </a:xfrm>
+          <a:prstGeom prst="bentConnector3">
+            <a:avLst/>
+          </a:prstGeom>
+          <a:ln w="25400">
+            <a:solidFill>
+              <a:schemeClr val="tx1"/>
+            </a:solidFill>
+            <a:headEnd w="lg" len="lg"/>
+            <a:tailEnd type="stealth"/>
+          </a:ln>
+        </p:spPr>
+        <p:style>
+          <a:lnRef idx="1">
+            <a:schemeClr val="accent1"/>
+          </a:lnRef>
+          <a:fillRef idx="0">
+            <a:schemeClr val="accent1"/>
+          </a:fillRef>
+          <a:effectRef idx="0">
+            <a:schemeClr val="accent1"/>
+          </a:effectRef>
+          <a:fontRef idx="minor">
+            <a:schemeClr val="tx1"/>
+          </a:fontRef>
+        </p:style>
+      </p:cxnSp>
+      <p:sp>
+        <p:nvSpPr>
+          <p:cNvPr id="38" name="TextBox 37"/>
+          <p:cNvSpPr txBox="1"/>
+          <p:nvPr/>
+        </p:nvSpPr>
+        <p:spPr>
+          <a:xfrm>
+            <a:off x="7086600" y="4354894"/>
+            <a:ext cx="3199915" cy="369332"/>
+          </a:xfrm>
+          <a:prstGeom prst="rect">
+            <a:avLst/>
+          </a:prstGeom>
+          <a:noFill/>
+        </p:spPr>
+        <p:txBody>
+          <a:bodyPr wrap="none" rtlCol="0">
+            <a:spAutoFit/>
+          </a:bodyPr>
+          <a:lstStyle/>
+          <a:p>
+            <a:r>
+              <a:rPr lang="ko-KR" altLang="en-US" smtClean="0"/>
+              <a:t>사용자 요청 데이터를 </a:t>
+            </a:r>
+            <a:r>
+              <a:rPr lang="ko-KR" altLang="en-US" dirty="0" err="1" smtClean="0"/>
+              <a:t>받아옴</a:t>
+            </a:r>
+            <a:endParaRPr lang="ko-KR" altLang="en-US" dirty="0"/>
+          </a:p>
+        </p:txBody>
+      </p:sp>
+    </p:spTree>
+    <p:extLst>
+      <p:ext uri="{BB962C8B-B14F-4D97-AF65-F5344CB8AC3E}">
+        <p14:creationId xmlns:p14="http://schemas.microsoft.com/office/powerpoint/2010/main" val="2966190672"/>
       </p:ext>
     </p:extLst>
   </p:cSld>

--- a/doc/TopTrader.pptx
+++ b/doc/TopTrader.pptx
@@ -8,6 +8,10 @@
     <p:sldId id="256" r:id="rId2"/>
     <p:sldId id="258" r:id="rId3"/>
     <p:sldId id="259" r:id="rId4"/>
+    <p:sldId id="260" r:id="rId5"/>
+    <p:sldId id="261" r:id="rId6"/>
+    <p:sldId id="262" r:id="rId7"/>
+    <p:sldId id="263" r:id="rId8"/>
   </p:sldIdLst>
   <p:sldSz cx="12192000" cy="6858000"/>
   <p:notesSz cx="6858000" cy="9144000"/>
@@ -245,7 +249,7 @@
           <a:p>
             <a:fld id="{6CA172D4-DF79-4B9B-8BC5-98EF4E94601A}" type="datetimeFigureOut">
               <a:rPr lang="ko-KR" altLang="en-US" smtClean="0"/>
-              <a:t>2018-06-12</a:t>
+              <a:t>2018-06-25</a:t>
             </a:fld>
             <a:endParaRPr lang="ko-KR" altLang="en-US"/>
           </a:p>
@@ -415,7 +419,7 @@
           <a:p>
             <a:fld id="{6CA172D4-DF79-4B9B-8BC5-98EF4E94601A}" type="datetimeFigureOut">
               <a:rPr lang="ko-KR" altLang="en-US" smtClean="0"/>
-              <a:t>2018-06-12</a:t>
+              <a:t>2018-06-25</a:t>
             </a:fld>
             <a:endParaRPr lang="ko-KR" altLang="en-US"/>
           </a:p>
@@ -595,7 +599,7 @@
           <a:p>
             <a:fld id="{6CA172D4-DF79-4B9B-8BC5-98EF4E94601A}" type="datetimeFigureOut">
               <a:rPr lang="ko-KR" altLang="en-US" smtClean="0"/>
-              <a:t>2018-06-12</a:t>
+              <a:t>2018-06-25</a:t>
             </a:fld>
             <a:endParaRPr lang="ko-KR" altLang="en-US"/>
           </a:p>
@@ -765,7 +769,7 @@
           <a:p>
             <a:fld id="{6CA172D4-DF79-4B9B-8BC5-98EF4E94601A}" type="datetimeFigureOut">
               <a:rPr lang="ko-KR" altLang="en-US" smtClean="0"/>
-              <a:t>2018-06-12</a:t>
+              <a:t>2018-06-25</a:t>
             </a:fld>
             <a:endParaRPr lang="ko-KR" altLang="en-US"/>
           </a:p>
@@ -1011,7 +1015,7 @@
           <a:p>
             <a:fld id="{6CA172D4-DF79-4B9B-8BC5-98EF4E94601A}" type="datetimeFigureOut">
               <a:rPr lang="ko-KR" altLang="en-US" smtClean="0"/>
-              <a:t>2018-06-12</a:t>
+              <a:t>2018-06-25</a:t>
             </a:fld>
             <a:endParaRPr lang="ko-KR" altLang="en-US"/>
           </a:p>
@@ -1243,7 +1247,7 @@
           <a:p>
             <a:fld id="{6CA172D4-DF79-4B9B-8BC5-98EF4E94601A}" type="datetimeFigureOut">
               <a:rPr lang="ko-KR" altLang="en-US" smtClean="0"/>
-              <a:t>2018-06-12</a:t>
+              <a:t>2018-06-25</a:t>
             </a:fld>
             <a:endParaRPr lang="ko-KR" altLang="en-US"/>
           </a:p>
@@ -1610,7 +1614,7 @@
           <a:p>
             <a:fld id="{6CA172D4-DF79-4B9B-8BC5-98EF4E94601A}" type="datetimeFigureOut">
               <a:rPr lang="ko-KR" altLang="en-US" smtClean="0"/>
-              <a:t>2018-06-12</a:t>
+              <a:t>2018-06-25</a:t>
             </a:fld>
             <a:endParaRPr lang="ko-KR" altLang="en-US"/>
           </a:p>
@@ -1728,7 +1732,7 @@
           <a:p>
             <a:fld id="{6CA172D4-DF79-4B9B-8BC5-98EF4E94601A}" type="datetimeFigureOut">
               <a:rPr lang="ko-KR" altLang="en-US" smtClean="0"/>
-              <a:t>2018-06-12</a:t>
+              <a:t>2018-06-25</a:t>
             </a:fld>
             <a:endParaRPr lang="ko-KR" altLang="en-US"/>
           </a:p>
@@ -1823,7 +1827,7 @@
           <a:p>
             <a:fld id="{6CA172D4-DF79-4B9B-8BC5-98EF4E94601A}" type="datetimeFigureOut">
               <a:rPr lang="ko-KR" altLang="en-US" smtClean="0"/>
-              <a:t>2018-06-12</a:t>
+              <a:t>2018-06-25</a:t>
             </a:fld>
             <a:endParaRPr lang="ko-KR" altLang="en-US"/>
           </a:p>
@@ -2100,7 +2104,7 @@
           <a:p>
             <a:fld id="{6CA172D4-DF79-4B9B-8BC5-98EF4E94601A}" type="datetimeFigureOut">
               <a:rPr lang="ko-KR" altLang="en-US" smtClean="0"/>
-              <a:t>2018-06-12</a:t>
+              <a:t>2018-06-25</a:t>
             </a:fld>
             <a:endParaRPr lang="ko-KR" altLang="en-US"/>
           </a:p>
@@ -2353,7 +2357,7 @@
           <a:p>
             <a:fld id="{6CA172D4-DF79-4B9B-8BC5-98EF4E94601A}" type="datetimeFigureOut">
               <a:rPr lang="ko-KR" altLang="en-US" smtClean="0"/>
-              <a:t>2018-06-12</a:t>
+              <a:t>2018-06-25</a:t>
             </a:fld>
             <a:endParaRPr lang="ko-KR" altLang="en-US"/>
           </a:p>
@@ -2566,7 +2570,7 @@
           <a:p>
             <a:fld id="{6CA172D4-DF79-4B9B-8BC5-98EF4E94601A}" type="datetimeFigureOut">
               <a:rPr lang="ko-KR" altLang="en-US" smtClean="0"/>
-              <a:t>2018-06-12</a:t>
+              <a:t>2018-06-25</a:t>
             </a:fld>
             <a:endParaRPr lang="ko-KR" altLang="en-US"/>
           </a:p>
@@ -7454,7 +7458,7 @@
         <p:spPr>
           <a:xfrm>
             <a:off x="93305" y="102636"/>
-            <a:ext cx="2751972" cy="369332"/>
+            <a:ext cx="2921890" cy="369332"/>
           </a:xfrm>
           <a:prstGeom prst="rect">
             <a:avLst/>
@@ -7472,7 +7476,7 @@
                 <a:latin typeface="나눔바른고딕" panose="020B0603020101020101" pitchFamily="50" charset="-127"/>
                 <a:ea typeface="나눔바른고딕" panose="020B0603020101020101" pitchFamily="50" charset="-127"/>
               </a:rPr>
-              <a:t>Understanding Transition</a:t>
+              <a:t>Understanding Transaction</a:t>
             </a:r>
             <a:endParaRPr lang="ko-KR" altLang="en-US" dirty="0">
               <a:latin typeface="나눔바른고딕" panose="020B0603020101020101" pitchFamily="50" charset="-127"/>
@@ -9146,6 +9150,1593 @@
     <p:extLst>
       <p:ext uri="{BB962C8B-B14F-4D97-AF65-F5344CB8AC3E}">
         <p14:creationId xmlns:p14="http://schemas.microsoft.com/office/powerpoint/2010/main" val="2966190672"/>
+      </p:ext>
+    </p:extLst>
+  </p:cSld>
+  <p:clrMapOvr>
+    <a:masterClrMapping/>
+  </p:clrMapOvr>
+  <p:timing>
+    <p:tnLst>
+      <p:par>
+        <p:cTn id="1" dur="indefinite" restart="never" nodeType="tmRoot"/>
+      </p:par>
+    </p:tnLst>
+  </p:timing>
+</p:sld>
+</file>
+
+<file path=ppt/slides/slide4.xml><?xml version="1.0" encoding="utf-8"?>
+<p:sld xmlns:a="http://schemas.openxmlformats.org/drawingml/2006/main" xmlns:r="http://schemas.openxmlformats.org/officeDocument/2006/relationships" xmlns:p="http://schemas.openxmlformats.org/presentationml/2006/main">
+  <p:cSld>
+    <p:spTree>
+      <p:nvGrpSpPr>
+        <p:cNvPr id="1" name=""/>
+        <p:cNvGrpSpPr/>
+        <p:nvPr/>
+      </p:nvGrpSpPr>
+      <p:grpSpPr>
+        <a:xfrm>
+          <a:off x="0" y="0"/>
+          <a:ext cx="0" cy="0"/>
+          <a:chOff x="0" y="0"/>
+          <a:chExt cx="0" cy="0"/>
+        </a:xfrm>
+      </p:grpSpPr>
+      <p:sp>
+        <p:nvSpPr>
+          <p:cNvPr id="3" name="TextBox 2"/>
+          <p:cNvSpPr txBox="1"/>
+          <p:nvPr/>
+        </p:nvSpPr>
+        <p:spPr>
+          <a:xfrm>
+            <a:off x="261257" y="677636"/>
+            <a:ext cx="7931915" cy="6463308"/>
+          </a:xfrm>
+          <a:prstGeom prst="rect">
+            <a:avLst/>
+          </a:prstGeom>
+          <a:noFill/>
+        </p:spPr>
+        <p:txBody>
+          <a:bodyPr wrap="none" rtlCol="0">
+            <a:spAutoFit/>
+          </a:bodyPr>
+          <a:lstStyle/>
+          <a:p>
+            <a:r>
+              <a:rPr lang="ko-KR" altLang="en-US" dirty="0" smtClean="0"/>
+              <a:t>저장할 데이터의 종류들</a:t>
+            </a:r>
+            <a:endParaRPr lang="en-US" altLang="ko-KR" dirty="0" smtClean="0"/>
+          </a:p>
+          <a:p>
+            <a:endParaRPr lang="en-US" altLang="ko-KR" dirty="0"/>
+          </a:p>
+          <a:p>
+            <a:r>
+              <a:rPr lang="ko-KR" altLang="en-US" dirty="0" smtClean="0"/>
+              <a:t>분봉</a:t>
+            </a:r>
+            <a:r>
+              <a:rPr lang="en-US" altLang="ko-KR" dirty="0" smtClean="0"/>
+              <a:t>, </a:t>
+            </a:r>
+            <a:r>
+              <a:rPr lang="ko-KR" altLang="en-US" dirty="0" err="1" smtClean="0"/>
+              <a:t>일봉</a:t>
+            </a:r>
+            <a:r>
+              <a:rPr lang="en-US" altLang="ko-KR" dirty="0" smtClean="0"/>
+              <a:t>, </a:t>
+            </a:r>
+            <a:r>
+              <a:rPr lang="ko-KR" altLang="en-US" dirty="0" smtClean="0"/>
+              <a:t>주봉</a:t>
+            </a:r>
+            <a:r>
+              <a:rPr lang="en-US" altLang="ko-KR" dirty="0" smtClean="0"/>
+              <a:t>, </a:t>
+            </a:r>
+            <a:r>
+              <a:rPr lang="ko-KR" altLang="en-US" dirty="0" smtClean="0"/>
+              <a:t>월봉</a:t>
+            </a:r>
+            <a:r>
+              <a:rPr lang="en-US" altLang="ko-KR" dirty="0" smtClean="0"/>
+              <a:t>, </a:t>
+            </a:r>
+            <a:r>
+              <a:rPr lang="ko-KR" altLang="en-US" dirty="0" err="1" smtClean="0"/>
+              <a:t>년봉</a:t>
+            </a:r>
+            <a:endParaRPr lang="en-US" altLang="ko-KR" dirty="0" smtClean="0"/>
+          </a:p>
+          <a:p>
+            <a:r>
+              <a:rPr lang="en-US" altLang="ko-KR" sz="1200" dirty="0" smtClean="0">
+                <a:latin typeface="D2Coding" panose="020B0609020101020101" pitchFamily="49" charset="-127"/>
+                <a:ea typeface="D2Coding" panose="020B0609020101020101" pitchFamily="49" charset="-127"/>
+              </a:rPr>
+              <a:t>time_series_min1</a:t>
+            </a:r>
+          </a:p>
+          <a:p>
+            <a:r>
+              <a:rPr lang="en-US" altLang="ko-KR" sz="1200" dirty="0" err="1" smtClean="0">
+                <a:latin typeface="D2Coding" panose="020B0609020101020101" pitchFamily="49" charset="-127"/>
+                <a:ea typeface="D2Coding" panose="020B0609020101020101" pitchFamily="49" charset="-127"/>
+              </a:rPr>
+              <a:t>time_series_day</a:t>
+            </a:r>
+            <a:endParaRPr lang="en-US" altLang="ko-KR" sz="1200" dirty="0" smtClean="0">
+              <a:latin typeface="D2Coding" panose="020B0609020101020101" pitchFamily="49" charset="-127"/>
+              <a:ea typeface="D2Coding" panose="020B0609020101020101" pitchFamily="49" charset="-127"/>
+            </a:endParaRPr>
+          </a:p>
+          <a:p>
+            <a:r>
+              <a:rPr lang="en-US" altLang="ko-KR" sz="1200" dirty="0" err="1">
+                <a:latin typeface="D2Coding" panose="020B0609020101020101" pitchFamily="49" charset="-127"/>
+                <a:ea typeface="D2Coding" panose="020B0609020101020101" pitchFamily="49" charset="-127"/>
+              </a:rPr>
+              <a:t>time_series_</a:t>
+            </a:r>
+            <a:r>
+              <a:rPr lang="en-US" altLang="ko-KR" sz="1200" dirty="0" err="1" smtClean="0">
+                <a:latin typeface="D2Coding" panose="020B0609020101020101" pitchFamily="49" charset="-127"/>
+                <a:ea typeface="D2Coding" panose="020B0609020101020101" pitchFamily="49" charset="-127"/>
+              </a:rPr>
+              <a:t>week</a:t>
+            </a:r>
+            <a:endParaRPr lang="en-US" altLang="ko-KR" sz="1200" dirty="0" smtClean="0">
+              <a:latin typeface="D2Coding" panose="020B0609020101020101" pitchFamily="49" charset="-127"/>
+              <a:ea typeface="D2Coding" panose="020B0609020101020101" pitchFamily="49" charset="-127"/>
+            </a:endParaRPr>
+          </a:p>
+          <a:p>
+            <a:r>
+              <a:rPr lang="en-US" altLang="ko-KR" sz="1200" dirty="0" err="1">
+                <a:latin typeface="D2Coding" panose="020B0609020101020101" pitchFamily="49" charset="-127"/>
+                <a:ea typeface="D2Coding" panose="020B0609020101020101" pitchFamily="49" charset="-127"/>
+              </a:rPr>
+              <a:t>time_series_</a:t>
+            </a:r>
+            <a:r>
+              <a:rPr lang="en-US" altLang="ko-KR" sz="1200" dirty="0" err="1" smtClean="0">
+                <a:latin typeface="D2Coding" panose="020B0609020101020101" pitchFamily="49" charset="-127"/>
+                <a:ea typeface="D2Coding" panose="020B0609020101020101" pitchFamily="49" charset="-127"/>
+              </a:rPr>
+              <a:t>month</a:t>
+            </a:r>
+            <a:endParaRPr lang="en-US" altLang="ko-KR" sz="1200" dirty="0" smtClean="0">
+              <a:latin typeface="D2Coding" panose="020B0609020101020101" pitchFamily="49" charset="-127"/>
+              <a:ea typeface="D2Coding" panose="020B0609020101020101" pitchFamily="49" charset="-127"/>
+            </a:endParaRPr>
+          </a:p>
+          <a:p>
+            <a:r>
+              <a:rPr lang="en-US" altLang="ko-KR" sz="1200" dirty="0" err="1">
+                <a:latin typeface="D2Coding" panose="020B0609020101020101" pitchFamily="49" charset="-127"/>
+                <a:ea typeface="D2Coding" panose="020B0609020101020101" pitchFamily="49" charset="-127"/>
+              </a:rPr>
+              <a:t>time_series_</a:t>
+            </a:r>
+            <a:r>
+              <a:rPr lang="en-US" altLang="ko-KR" sz="1200" dirty="0" err="1" smtClean="0">
+                <a:latin typeface="D2Coding" panose="020B0609020101020101" pitchFamily="49" charset="-127"/>
+                <a:ea typeface="D2Coding" panose="020B0609020101020101" pitchFamily="49" charset="-127"/>
+              </a:rPr>
+              <a:t>year</a:t>
+            </a:r>
+            <a:endParaRPr lang="en-US" altLang="ko-KR" dirty="0" smtClean="0">
+              <a:latin typeface="D2Coding" panose="020B0609020101020101" pitchFamily="49" charset="-127"/>
+              <a:ea typeface="D2Coding" panose="020B0609020101020101" pitchFamily="49" charset="-127"/>
+            </a:endParaRPr>
+          </a:p>
+          <a:p>
+            <a:r>
+              <a:rPr lang="en-US" altLang="ko-KR" sz="1200" dirty="0" smtClean="0"/>
+              <a:t>field: code, market, open, high, low, close, volume, ma5/10/20/60(</a:t>
+            </a:r>
+            <a:r>
+              <a:rPr lang="ko-KR" altLang="en-US" sz="1200" dirty="0" err="1" smtClean="0"/>
+              <a:t>이평</a:t>
+            </a:r>
+            <a:r>
+              <a:rPr lang="en-US" altLang="ko-KR" sz="1200" dirty="0" smtClean="0"/>
+              <a:t>), </a:t>
+            </a:r>
+            <a:r>
+              <a:rPr lang="en-US" altLang="ko-KR" sz="1200" dirty="0" err="1" smtClean="0"/>
+              <a:t>rsi</a:t>
+            </a:r>
+            <a:r>
+              <a:rPr lang="en-US" altLang="ko-KR" sz="1200" dirty="0" smtClean="0"/>
+              <a:t>, </a:t>
+            </a:r>
+            <a:r>
+              <a:rPr lang="ko-KR" altLang="en-US" sz="1200" dirty="0" smtClean="0"/>
+              <a:t>등등</a:t>
+            </a:r>
+            <a:endParaRPr lang="en-US" altLang="ko-KR" sz="1200" dirty="0" smtClean="0"/>
+          </a:p>
+          <a:p>
+            <a:r>
+              <a:rPr lang="en-US" altLang="ko-KR" sz="1200" dirty="0" smtClean="0"/>
+              <a:t>-&gt; kw open </a:t>
+            </a:r>
+            <a:r>
+              <a:rPr lang="en-US" altLang="ko-KR" sz="1200" dirty="0" err="1" smtClean="0"/>
+              <a:t>api</a:t>
+            </a:r>
+            <a:r>
+              <a:rPr lang="ko-KR" altLang="en-US" sz="1200" dirty="0" smtClean="0"/>
+              <a:t>이용해서 </a:t>
+            </a:r>
+            <a:r>
+              <a:rPr lang="en-US" altLang="ko-KR" sz="1200" dirty="0" smtClean="0"/>
+              <a:t>data</a:t>
+            </a:r>
+            <a:r>
+              <a:rPr lang="ko-KR" altLang="en-US" sz="1200" dirty="0" smtClean="0"/>
+              <a:t>쌓고</a:t>
+            </a:r>
+            <a:r>
+              <a:rPr lang="en-US" altLang="ko-KR" sz="1200" dirty="0" smtClean="0"/>
+              <a:t>, 2</a:t>
+            </a:r>
+            <a:r>
+              <a:rPr lang="ko-KR" altLang="en-US" sz="1200" dirty="0" err="1" smtClean="0"/>
+              <a:t>차데이터는</a:t>
+            </a:r>
+            <a:r>
+              <a:rPr lang="ko-KR" altLang="en-US" sz="1200" dirty="0" smtClean="0"/>
+              <a:t> 별도로 </a:t>
+            </a:r>
+            <a:r>
+              <a:rPr lang="en-US" altLang="ko-KR" sz="1200" dirty="0" err="1" smtClean="0"/>
+              <a:t>py</a:t>
+            </a:r>
+            <a:r>
+              <a:rPr lang="en-US" altLang="ko-KR" sz="1200" dirty="0" smtClean="0"/>
+              <a:t>(ta-lib) </a:t>
+            </a:r>
+            <a:r>
+              <a:rPr lang="ko-KR" altLang="en-US" sz="1200" dirty="0" smtClean="0"/>
+              <a:t>만들어서 저장해야 함</a:t>
+            </a:r>
+            <a:endParaRPr lang="en-US" altLang="ko-KR" sz="1200" dirty="0" smtClean="0"/>
+          </a:p>
+          <a:p>
+            <a:endParaRPr lang="en-US" altLang="ko-KR" dirty="0" smtClean="0"/>
+          </a:p>
+          <a:p>
+            <a:r>
+              <a:rPr lang="ko-KR" altLang="en-US" dirty="0" smtClean="0"/>
+              <a:t>업종별 </a:t>
+            </a:r>
+            <a:r>
+              <a:rPr lang="en-US" altLang="ko-KR" dirty="0" smtClean="0"/>
+              <a:t>time series, theme</a:t>
+            </a:r>
+            <a:r>
+              <a:rPr lang="ko-KR" altLang="en-US" dirty="0" smtClean="0"/>
+              <a:t>별 </a:t>
+            </a:r>
+            <a:r>
+              <a:rPr lang="en-US" altLang="ko-KR" dirty="0" smtClean="0"/>
+              <a:t>time series </a:t>
+            </a:r>
+            <a:r>
+              <a:rPr lang="ko-KR" altLang="en-US" dirty="0" smtClean="0"/>
+              <a:t>정보</a:t>
+            </a:r>
+            <a:endParaRPr lang="en-US" altLang="ko-KR" dirty="0" smtClean="0"/>
+          </a:p>
+          <a:p>
+            <a:r>
+              <a:rPr lang="ko-KR" altLang="en-US" sz="1200" dirty="0" smtClean="0"/>
+              <a:t>업종 평균 변동률</a:t>
+            </a:r>
+            <a:r>
+              <a:rPr lang="en-US" altLang="ko-KR" sz="1200" dirty="0" smtClean="0"/>
+              <a:t>, Theme </a:t>
+            </a:r>
+            <a:r>
+              <a:rPr lang="ko-KR" altLang="en-US" sz="1200" dirty="0" smtClean="0"/>
+              <a:t>평균 변동률</a:t>
+            </a:r>
+            <a:endParaRPr lang="en-US" altLang="ko-KR" sz="1200" dirty="0"/>
+          </a:p>
+          <a:p>
+            <a:endParaRPr lang="en-US" altLang="ko-KR" dirty="0" smtClean="0"/>
+          </a:p>
+          <a:p>
+            <a:r>
+              <a:rPr lang="ko-KR" altLang="en-US" dirty="0" smtClean="0"/>
+              <a:t>실시간 매매 데이터를 위한 </a:t>
+            </a:r>
+            <a:r>
+              <a:rPr lang="en-US" altLang="ko-KR" dirty="0" smtClean="0"/>
+              <a:t>collection</a:t>
+            </a:r>
+          </a:p>
+          <a:p>
+            <a:r>
+              <a:rPr lang="en-US" altLang="ko-KR" sz="1200" dirty="0" smtClean="0"/>
+              <a:t>field: </a:t>
+            </a:r>
+            <a:r>
+              <a:rPr lang="ko-KR" altLang="en-US" sz="1200" dirty="0" err="1" smtClean="0"/>
+              <a:t>체결강도</a:t>
+            </a:r>
+            <a:r>
+              <a:rPr lang="en-US" altLang="ko-KR" sz="1200" dirty="0" smtClean="0"/>
+              <a:t>, </a:t>
+            </a:r>
+            <a:r>
+              <a:rPr lang="ko-KR" altLang="en-US" sz="1200" dirty="0" smtClean="0"/>
+              <a:t>호가</a:t>
+            </a:r>
+            <a:r>
+              <a:rPr lang="en-US" altLang="ko-KR" sz="1200" dirty="0" smtClean="0"/>
+              <a:t>(1~10)</a:t>
+            </a:r>
+            <a:r>
+              <a:rPr lang="ko-KR" altLang="en-US" sz="1200" dirty="0" smtClean="0"/>
+              <a:t>별 </a:t>
+            </a:r>
+            <a:r>
+              <a:rPr lang="ko-KR" altLang="en-US" sz="1200" dirty="0" err="1" smtClean="0"/>
+              <a:t>매물량</a:t>
+            </a:r>
+            <a:r>
+              <a:rPr lang="en-US" altLang="ko-KR" sz="1200" dirty="0" smtClean="0"/>
+              <a:t>, </a:t>
+            </a:r>
+            <a:r>
+              <a:rPr lang="ko-KR" altLang="en-US" sz="1200" dirty="0" smtClean="0"/>
+              <a:t>등등</a:t>
+            </a:r>
+            <a:endParaRPr lang="en-US" altLang="ko-KR" sz="1200" dirty="0" smtClean="0"/>
+          </a:p>
+          <a:p>
+            <a:endParaRPr lang="en-US" altLang="ko-KR" dirty="0"/>
+          </a:p>
+          <a:p>
+            <a:r>
+              <a:rPr lang="ko-KR" altLang="en-US" dirty="0" err="1" smtClean="0"/>
+              <a:t>조건검색식</a:t>
+            </a:r>
+            <a:r>
+              <a:rPr lang="ko-KR" altLang="en-US" dirty="0" smtClean="0"/>
+              <a:t> </a:t>
+            </a:r>
+            <a:r>
+              <a:rPr lang="en-US" altLang="ko-KR" dirty="0" smtClean="0"/>
+              <a:t>history </a:t>
+            </a:r>
+            <a:r>
+              <a:rPr lang="ko-KR" altLang="en-US" dirty="0" smtClean="0"/>
+              <a:t>저장용 </a:t>
+            </a:r>
+            <a:r>
+              <a:rPr lang="en-US" altLang="ko-KR" dirty="0" smtClean="0"/>
+              <a:t>collection</a:t>
+            </a:r>
+          </a:p>
+          <a:p>
+            <a:r>
+              <a:rPr lang="en-US" altLang="ko-KR" sz="1200" dirty="0" smtClean="0"/>
+              <a:t>field: date, </a:t>
+            </a:r>
+            <a:r>
+              <a:rPr lang="ko-KR" altLang="en-US" sz="1200" dirty="0" smtClean="0"/>
+              <a:t>편입</a:t>
+            </a:r>
+            <a:r>
+              <a:rPr lang="en-US" altLang="ko-KR" sz="1200" dirty="0" smtClean="0"/>
+              <a:t>/</a:t>
+            </a:r>
+            <a:r>
+              <a:rPr lang="ko-KR" altLang="en-US" sz="1200" dirty="0" smtClean="0"/>
+              <a:t>방출</a:t>
+            </a:r>
+            <a:r>
+              <a:rPr lang="en-US" altLang="ko-KR" sz="1200" dirty="0" smtClean="0"/>
+              <a:t>, code, price, volume, + </a:t>
+            </a:r>
+            <a:r>
+              <a:rPr lang="ko-KR" altLang="en-US" sz="1200" dirty="0" smtClean="0"/>
+              <a:t>각종 지표 데이터</a:t>
+            </a:r>
+            <a:endParaRPr lang="en-US" altLang="ko-KR" sz="1200" dirty="0" smtClean="0"/>
+          </a:p>
+          <a:p>
+            <a:endParaRPr lang="en-US" altLang="ko-KR" dirty="0" smtClean="0"/>
+          </a:p>
+          <a:p>
+            <a:r>
+              <a:rPr lang="ko-KR" altLang="en-US" dirty="0" smtClean="0"/>
+              <a:t>계좌정보 </a:t>
+            </a:r>
+            <a:r>
+              <a:rPr lang="en-US" altLang="ko-KR" dirty="0" smtClean="0"/>
+              <a:t>collection</a:t>
+            </a:r>
+          </a:p>
+          <a:p>
+            <a:r>
+              <a:rPr lang="en-US" altLang="ko-KR" sz="1200" dirty="0" smtClean="0"/>
+              <a:t>field: </a:t>
+            </a:r>
+            <a:r>
+              <a:rPr lang="ko-KR" altLang="en-US" sz="1200" dirty="0" smtClean="0"/>
+              <a:t>계좌번호</a:t>
+            </a:r>
+            <a:r>
+              <a:rPr lang="en-US" altLang="ko-KR" sz="1200" dirty="0" smtClean="0"/>
+              <a:t>, </a:t>
+            </a:r>
+            <a:r>
+              <a:rPr lang="ko-KR" altLang="en-US" sz="1200" dirty="0" smtClean="0"/>
+              <a:t>비번</a:t>
+            </a:r>
+            <a:r>
+              <a:rPr lang="en-US" altLang="ko-KR" sz="1200" dirty="0" smtClean="0"/>
+              <a:t>, </a:t>
+            </a:r>
+            <a:r>
+              <a:rPr lang="ko-KR" altLang="en-US" sz="1200" dirty="0" err="1" smtClean="0"/>
+              <a:t>체결이력</a:t>
+            </a:r>
+            <a:r>
+              <a:rPr lang="en-US" altLang="ko-KR" sz="1200" dirty="0" smtClean="0"/>
+              <a:t>(</a:t>
+            </a:r>
+            <a:r>
+              <a:rPr lang="ko-KR" altLang="en-US" sz="1200" dirty="0" smtClean="0"/>
+              <a:t>시간</a:t>
+            </a:r>
+            <a:r>
+              <a:rPr lang="en-US" altLang="ko-KR" sz="1200" dirty="0" smtClean="0"/>
+              <a:t>, </a:t>
+            </a:r>
+            <a:r>
+              <a:rPr lang="ko-KR" altLang="en-US" sz="1200" dirty="0" smtClean="0"/>
+              <a:t>종목</a:t>
+            </a:r>
+            <a:r>
+              <a:rPr lang="en-US" altLang="ko-KR" sz="1200" dirty="0" smtClean="0"/>
+              <a:t>, </a:t>
+            </a:r>
+            <a:r>
+              <a:rPr lang="ko-KR" altLang="en-US" sz="1200" dirty="0" smtClean="0"/>
+              <a:t>매수</a:t>
+            </a:r>
+            <a:r>
+              <a:rPr lang="en-US" altLang="ko-KR" sz="1200" dirty="0" smtClean="0"/>
+              <a:t>, </a:t>
+            </a:r>
+            <a:r>
+              <a:rPr lang="ko-KR" altLang="en-US" sz="1200" dirty="0" smtClean="0"/>
+              <a:t>비용</a:t>
+            </a:r>
+            <a:r>
+              <a:rPr lang="en-US" altLang="ko-KR" sz="1200" dirty="0" smtClean="0"/>
+              <a:t>), </a:t>
+            </a:r>
+            <a:r>
+              <a:rPr lang="ko-KR" altLang="en-US" sz="1200" dirty="0" err="1" smtClean="0"/>
+              <a:t>최종잔고</a:t>
+            </a:r>
+            <a:endParaRPr lang="en-US" altLang="ko-KR" sz="1200" dirty="0" smtClean="0"/>
+          </a:p>
+          <a:p>
+            <a:endParaRPr lang="en-US" altLang="ko-KR" dirty="0" smtClean="0"/>
+          </a:p>
+          <a:p>
+            <a:r>
+              <a:rPr lang="ko-KR" altLang="en-US" dirty="0" smtClean="0"/>
+              <a:t>매매</a:t>
+            </a:r>
+            <a:r>
+              <a:rPr lang="en-US" altLang="ko-KR" dirty="0" smtClean="0"/>
+              <a:t> history </a:t>
+            </a:r>
+            <a:r>
+              <a:rPr lang="ko-KR" altLang="en-US" dirty="0" smtClean="0"/>
+              <a:t>저장용 </a:t>
+            </a:r>
+            <a:r>
+              <a:rPr lang="en-US" altLang="ko-KR" dirty="0" smtClean="0"/>
+              <a:t>collection</a:t>
+            </a:r>
+            <a:endParaRPr lang="en-US" altLang="ko-KR" dirty="0"/>
+          </a:p>
+          <a:p>
+            <a:endParaRPr lang="en-US" altLang="ko-KR" dirty="0"/>
+          </a:p>
+          <a:p>
+            <a:r>
+              <a:rPr lang="ko-KR" altLang="en-US" dirty="0" smtClean="0"/>
+              <a:t>종목 분류를 위한 정적 데이터 </a:t>
+            </a:r>
+            <a:r>
+              <a:rPr lang="en-US" altLang="ko-KR" dirty="0" smtClean="0"/>
+              <a:t>-&gt; </a:t>
+            </a:r>
+            <a:r>
+              <a:rPr lang="en-US" altLang="ko-KR" dirty="0" err="1" smtClean="0">
+                <a:solidFill>
+                  <a:srgbClr val="FF0000"/>
+                </a:solidFill>
+              </a:rPr>
+              <a:t>stock_info</a:t>
+            </a:r>
+            <a:endParaRPr lang="en-US" altLang="ko-KR" dirty="0" smtClean="0">
+              <a:solidFill>
+                <a:srgbClr val="FF0000"/>
+              </a:solidFill>
+            </a:endParaRPr>
+          </a:p>
+          <a:p>
+            <a:r>
+              <a:rPr lang="en-US" altLang="ko-KR" sz="1200" dirty="0" err="1" smtClean="0"/>
+              <a:t>stock_info</a:t>
+            </a:r>
+            <a:r>
+              <a:rPr lang="en-US" altLang="ko-KR" sz="1200" dirty="0" smtClean="0"/>
+              <a:t> : code, name, theme, </a:t>
+            </a:r>
+            <a:r>
+              <a:rPr lang="en-US" altLang="ko-KR" sz="1200" dirty="0" err="1" smtClean="0"/>
+              <a:t>work_category</a:t>
+            </a:r>
+            <a:r>
+              <a:rPr lang="en-US" altLang="ko-KR" sz="1200" dirty="0" smtClean="0"/>
+              <a:t>, </a:t>
+            </a:r>
+            <a:r>
+              <a:rPr lang="en-US" altLang="ko-KR" sz="1200" dirty="0" smtClean="0"/>
+              <a:t>size, </a:t>
+            </a:r>
+            <a:r>
+              <a:rPr lang="en-US" altLang="ko-KR" sz="1200" dirty="0" smtClean="0"/>
+              <a:t>(</a:t>
+            </a:r>
+            <a:r>
+              <a:rPr lang="en-US" altLang="ko-KR" sz="1200" dirty="0" err="1" smtClean="0"/>
+              <a:t>kospi</a:t>
+            </a:r>
+            <a:r>
+              <a:rPr lang="en-US" altLang="ko-KR" sz="1200" dirty="0" smtClean="0"/>
+              <a:t>/</a:t>
+            </a:r>
+            <a:r>
+              <a:rPr lang="en-US" altLang="ko-KR" sz="1200" dirty="0" err="1" smtClean="0"/>
+              <a:t>kosdaq</a:t>
+            </a:r>
+            <a:r>
+              <a:rPr lang="en-US" altLang="ko-KR" sz="1200" dirty="0" smtClean="0"/>
+              <a:t>), </a:t>
+            </a:r>
+            <a:r>
+              <a:rPr lang="en-US" altLang="ko-KR" sz="1200" dirty="0" smtClean="0"/>
+              <a:t> </a:t>
+            </a:r>
+            <a:r>
+              <a:rPr lang="en-US" altLang="ko-KR" sz="1200" dirty="0" smtClean="0"/>
+              <a:t>(</a:t>
+            </a:r>
+            <a:r>
+              <a:rPr lang="ko-KR" altLang="en-US" sz="1200" dirty="0" smtClean="0"/>
+              <a:t>실시간으로 변하지 않는 </a:t>
+            </a:r>
+            <a:r>
+              <a:rPr lang="en-US" altLang="ko-KR" sz="1200" dirty="0" smtClean="0"/>
+              <a:t>data</a:t>
+            </a:r>
+            <a:r>
+              <a:rPr lang="ko-KR" altLang="en-US" sz="1200" dirty="0" smtClean="0"/>
+              <a:t>를 저장한다</a:t>
+            </a:r>
+            <a:r>
+              <a:rPr lang="en-US" altLang="ko-KR" sz="1200" dirty="0" smtClean="0"/>
+              <a:t>)</a:t>
+            </a:r>
+          </a:p>
+        </p:txBody>
+      </p:sp>
+      <p:sp>
+        <p:nvSpPr>
+          <p:cNvPr id="4" name="TextBox 3"/>
+          <p:cNvSpPr txBox="1"/>
+          <p:nvPr/>
+        </p:nvSpPr>
+        <p:spPr>
+          <a:xfrm>
+            <a:off x="93305" y="102636"/>
+            <a:ext cx="1321196" cy="369332"/>
+          </a:xfrm>
+          <a:prstGeom prst="rect">
+            <a:avLst/>
+          </a:prstGeom>
+          <a:noFill/>
+        </p:spPr>
+        <p:txBody>
+          <a:bodyPr wrap="none" rtlCol="0">
+            <a:spAutoFit/>
+          </a:bodyPr>
+          <a:lstStyle/>
+          <a:p>
+            <a:r>
+              <a:rPr lang="en-US" altLang="ko-KR" dirty="0" smtClean="0">
+                <a:latin typeface="나눔바른고딕" panose="020B0603020101020101" pitchFamily="50" charset="-127"/>
+                <a:ea typeface="나눔바른고딕" panose="020B0603020101020101" pitchFamily="50" charset="-127"/>
+              </a:rPr>
+              <a:t>DB Scheme</a:t>
+            </a:r>
+            <a:endParaRPr lang="ko-KR" altLang="en-US" dirty="0">
+              <a:latin typeface="나눔바른고딕" panose="020B0603020101020101" pitchFamily="50" charset="-127"/>
+              <a:ea typeface="나눔바른고딕" panose="020B0603020101020101" pitchFamily="50" charset="-127"/>
+            </a:endParaRPr>
+          </a:p>
+        </p:txBody>
+      </p:sp>
+    </p:spTree>
+    <p:extLst>
+      <p:ext uri="{BB962C8B-B14F-4D97-AF65-F5344CB8AC3E}">
+        <p14:creationId xmlns:p14="http://schemas.microsoft.com/office/powerpoint/2010/main" val="4273972068"/>
+      </p:ext>
+    </p:extLst>
+  </p:cSld>
+  <p:clrMapOvr>
+    <a:masterClrMapping/>
+  </p:clrMapOvr>
+  <p:timing>
+    <p:tnLst>
+      <p:par>
+        <p:cTn id="1" dur="indefinite" restart="never" nodeType="tmRoot"/>
+      </p:par>
+    </p:tnLst>
+  </p:timing>
+</p:sld>
+</file>
+
+<file path=ppt/slides/slide5.xml><?xml version="1.0" encoding="utf-8"?>
+<p:sld xmlns:a="http://schemas.openxmlformats.org/drawingml/2006/main" xmlns:r="http://schemas.openxmlformats.org/officeDocument/2006/relationships" xmlns:p="http://schemas.openxmlformats.org/presentationml/2006/main">
+  <p:cSld>
+    <p:spTree>
+      <p:nvGrpSpPr>
+        <p:cNvPr id="1" name=""/>
+        <p:cNvGrpSpPr/>
+        <p:nvPr/>
+      </p:nvGrpSpPr>
+      <p:grpSpPr>
+        <a:xfrm>
+          <a:off x="0" y="0"/>
+          <a:ext cx="0" cy="0"/>
+          <a:chOff x="0" y="0"/>
+          <a:chExt cx="0" cy="0"/>
+        </a:xfrm>
+      </p:grpSpPr>
+      <p:sp>
+        <p:nvSpPr>
+          <p:cNvPr id="3" name="TextBox 2"/>
+          <p:cNvSpPr txBox="1"/>
+          <p:nvPr/>
+        </p:nvSpPr>
+        <p:spPr>
+          <a:xfrm>
+            <a:off x="261257" y="677636"/>
+            <a:ext cx="10165988" cy="2492990"/>
+          </a:xfrm>
+          <a:prstGeom prst="rect">
+            <a:avLst/>
+          </a:prstGeom>
+          <a:noFill/>
+        </p:spPr>
+        <p:txBody>
+          <a:bodyPr wrap="none" rtlCol="0">
+            <a:spAutoFit/>
+          </a:bodyPr>
+          <a:lstStyle/>
+          <a:p>
+            <a:r>
+              <a:rPr lang="ko-KR" altLang="en-US" sz="1200" dirty="0" smtClean="0"/>
+              <a:t>자동 매매를 위한 시나리오 구상</a:t>
+            </a:r>
+            <a:endParaRPr lang="en-US" altLang="ko-KR" sz="1200" dirty="0" smtClean="0"/>
+          </a:p>
+          <a:p>
+            <a:endParaRPr lang="en-US" altLang="ko-KR" sz="1200" dirty="0"/>
+          </a:p>
+          <a:p>
+            <a:r>
+              <a:rPr lang="en-US" altLang="ko-KR" sz="1200" dirty="0" smtClean="0"/>
+              <a:t>Theme </a:t>
+            </a:r>
+            <a:r>
+              <a:rPr lang="ko-KR" altLang="en-US" sz="1200" dirty="0" smtClean="0"/>
+              <a:t>별 변동률</a:t>
+            </a:r>
+            <a:r>
+              <a:rPr lang="en-US" altLang="ko-KR" sz="1200" dirty="0" smtClean="0"/>
+              <a:t>, </a:t>
+            </a:r>
+            <a:r>
+              <a:rPr lang="ko-KR" altLang="en-US" sz="1200" dirty="0" smtClean="0"/>
+              <a:t>업종별 변동률 실시간 모니터링</a:t>
+            </a:r>
+            <a:r>
+              <a:rPr lang="en-US" altLang="ko-KR" sz="1200" dirty="0" smtClean="0"/>
+              <a:t>….</a:t>
+            </a:r>
+          </a:p>
+          <a:p>
+            <a:r>
+              <a:rPr lang="ko-KR" altLang="en-US" sz="1200" dirty="0" err="1"/>
+              <a:t>조건검색식</a:t>
+            </a:r>
+            <a:r>
+              <a:rPr lang="ko-KR" altLang="en-US" sz="1200" dirty="0"/>
+              <a:t> 실시간 모니터링</a:t>
+            </a:r>
+            <a:r>
+              <a:rPr lang="en-US" altLang="ko-KR" sz="1200" dirty="0"/>
+              <a:t>….</a:t>
+            </a:r>
+          </a:p>
+          <a:p>
+            <a:endParaRPr lang="en-US" altLang="ko-KR" sz="1200" dirty="0" smtClean="0"/>
+          </a:p>
+          <a:p>
+            <a:r>
+              <a:rPr lang="en-US" altLang="ko-KR" sz="1200" dirty="0" smtClean="0"/>
+              <a:t>-&gt; </a:t>
+            </a:r>
+            <a:r>
+              <a:rPr lang="ko-KR" altLang="en-US" sz="1200" dirty="0" smtClean="0"/>
+              <a:t>특이사항 발견되면</a:t>
+            </a:r>
+            <a:r>
+              <a:rPr lang="en-US" altLang="ko-KR" sz="1200" dirty="0" smtClean="0"/>
+              <a:t>(manually) </a:t>
+            </a:r>
+            <a:r>
+              <a:rPr lang="ko-KR" altLang="en-US" sz="1200" dirty="0" err="1" smtClean="0"/>
+              <a:t>특정테마</a:t>
+            </a:r>
+            <a:r>
+              <a:rPr lang="en-US" altLang="ko-KR" sz="1200" dirty="0" smtClean="0"/>
+              <a:t>, </a:t>
+            </a:r>
+            <a:r>
+              <a:rPr lang="ko-KR" altLang="en-US" sz="1200" dirty="0" err="1" smtClean="0"/>
+              <a:t>특정업종에</a:t>
+            </a:r>
+            <a:r>
+              <a:rPr lang="ko-KR" altLang="en-US" sz="1200" dirty="0" smtClean="0"/>
+              <a:t> 속해있는 모든 종목 </a:t>
+            </a:r>
+            <a:r>
+              <a:rPr lang="en-US" altLang="ko-KR" sz="1200" dirty="0" err="1" smtClean="0"/>
+              <a:t>all_fetch</a:t>
+            </a:r>
+            <a:r>
+              <a:rPr lang="en-US" altLang="ko-KR" sz="1200" dirty="0" smtClean="0"/>
+              <a:t> + </a:t>
+            </a:r>
+            <a:r>
+              <a:rPr lang="en-US" altLang="ko-KR" sz="1200" dirty="0" err="1" smtClean="0"/>
+              <a:t>gen_stock_index</a:t>
+            </a:r>
+            <a:r>
+              <a:rPr lang="en-US" altLang="ko-KR" sz="1200" dirty="0" smtClean="0"/>
+              <a:t> </a:t>
+            </a:r>
+            <a:r>
+              <a:rPr lang="ko-KR" altLang="en-US" sz="1200" dirty="0" smtClean="0"/>
+              <a:t>돌려서</a:t>
+            </a:r>
+            <a:endParaRPr lang="en-US" altLang="ko-KR" sz="1200" dirty="0" smtClean="0"/>
+          </a:p>
+          <a:p>
+            <a:r>
+              <a:rPr lang="ko-KR" altLang="en-US" sz="1200" dirty="0" smtClean="0"/>
+              <a:t>의사결정에 필요한 모든 </a:t>
+            </a:r>
+            <a:r>
+              <a:rPr lang="en-US" altLang="ko-KR" sz="1200" dirty="0" smtClean="0"/>
+              <a:t>data </a:t>
+            </a:r>
+            <a:r>
+              <a:rPr lang="ko-KR" altLang="en-US" sz="1200" dirty="0" smtClean="0"/>
+              <a:t>를 생성해낸다</a:t>
+            </a:r>
+            <a:r>
+              <a:rPr lang="en-US" altLang="ko-KR" sz="1200" dirty="0" smtClean="0"/>
+              <a:t>.</a:t>
+            </a:r>
+          </a:p>
+          <a:p>
+            <a:endParaRPr lang="en-US" altLang="ko-KR" sz="1200" dirty="0" smtClean="0"/>
+          </a:p>
+          <a:p>
+            <a:r>
+              <a:rPr lang="en-US" altLang="ko-KR" sz="1200" dirty="0" smtClean="0"/>
+              <a:t>* </a:t>
+            </a:r>
+            <a:r>
+              <a:rPr lang="en-US" altLang="ko-KR" sz="1200" dirty="0" err="1" smtClean="0"/>
+              <a:t>all_fetch</a:t>
+            </a:r>
+            <a:r>
+              <a:rPr lang="en-US" altLang="ko-KR" sz="1200" dirty="0" smtClean="0"/>
+              <a:t> : open </a:t>
+            </a:r>
+            <a:r>
+              <a:rPr lang="en-US" altLang="ko-KR" sz="1200" dirty="0" err="1" smtClean="0"/>
+              <a:t>api</a:t>
+            </a:r>
+            <a:r>
+              <a:rPr lang="en-US" altLang="ko-KR" sz="1200" dirty="0" smtClean="0"/>
+              <a:t> </a:t>
+            </a:r>
+            <a:r>
+              <a:rPr lang="ko-KR" altLang="en-US" sz="1200" dirty="0" smtClean="0"/>
+              <a:t>이용하여 기본적인 정보를 긁어온다</a:t>
+            </a:r>
+            <a:r>
+              <a:rPr lang="en-US" altLang="ko-KR" sz="1200" dirty="0" smtClean="0"/>
+              <a:t>.</a:t>
+            </a:r>
+          </a:p>
+          <a:p>
+            <a:r>
+              <a:rPr lang="en-US" altLang="ko-KR" sz="1200" dirty="0" smtClean="0"/>
+              <a:t>* </a:t>
+            </a:r>
+            <a:r>
+              <a:rPr lang="en-US" altLang="ko-KR" sz="1200" dirty="0" err="1" smtClean="0"/>
+              <a:t>gen_stock_index</a:t>
+            </a:r>
+            <a:r>
+              <a:rPr lang="en-US" altLang="ko-KR" sz="1200" dirty="0" smtClean="0"/>
+              <a:t> : </a:t>
+            </a:r>
+            <a:r>
+              <a:rPr lang="ko-KR" altLang="en-US" sz="1200" dirty="0" smtClean="0"/>
+              <a:t>기본정보를 바탕으로 </a:t>
+            </a:r>
+            <a:r>
+              <a:rPr lang="en-US" altLang="ko-KR" sz="1200" dirty="0" smtClean="0"/>
+              <a:t>2</a:t>
+            </a:r>
+            <a:r>
+              <a:rPr lang="ko-KR" altLang="en-US" sz="1200" dirty="0" smtClean="0"/>
+              <a:t>차 </a:t>
+            </a:r>
+            <a:r>
+              <a:rPr lang="en-US" altLang="ko-KR" sz="1200" dirty="0" smtClean="0"/>
+              <a:t>index</a:t>
+            </a:r>
+            <a:r>
+              <a:rPr lang="ko-KR" altLang="en-US" sz="1200" dirty="0" smtClean="0"/>
+              <a:t>정보를 생성해낸다</a:t>
+            </a:r>
+            <a:endParaRPr lang="en-US" altLang="ko-KR" sz="1200" dirty="0" smtClean="0"/>
+          </a:p>
+          <a:p>
+            <a:r>
+              <a:rPr lang="en-US" altLang="ko-KR" sz="1200" dirty="0" smtClean="0"/>
+              <a:t>* 1, 2</a:t>
+            </a:r>
+            <a:r>
+              <a:rPr lang="ko-KR" altLang="en-US" sz="1200" dirty="0" smtClean="0"/>
+              <a:t>차 정보를 바탕으로 시각화 한다</a:t>
+            </a:r>
+            <a:r>
+              <a:rPr lang="en-US" altLang="ko-KR" sz="1200" dirty="0" smtClean="0"/>
+              <a:t>. (</a:t>
+            </a:r>
+            <a:r>
+              <a:rPr lang="ko-KR" altLang="en-US" sz="1200" dirty="0" smtClean="0"/>
+              <a:t>차트를 보여주든</a:t>
+            </a:r>
+            <a:r>
+              <a:rPr lang="en-US" altLang="ko-KR" sz="1200" dirty="0" smtClean="0"/>
+              <a:t>, </a:t>
+            </a:r>
+            <a:r>
+              <a:rPr lang="ko-KR" altLang="en-US" sz="1200" dirty="0" smtClean="0"/>
+              <a:t>숫자를 보여주든</a:t>
+            </a:r>
+            <a:r>
+              <a:rPr lang="en-US" altLang="ko-KR" sz="1200" dirty="0" smtClean="0"/>
+              <a:t>..)</a:t>
+            </a:r>
+          </a:p>
+          <a:p>
+            <a:r>
+              <a:rPr lang="en-US" altLang="ko-KR" sz="1200" dirty="0" smtClean="0"/>
+              <a:t>* </a:t>
+            </a:r>
+            <a:r>
+              <a:rPr lang="ko-KR" altLang="en-US" sz="1200" dirty="0" smtClean="0"/>
+              <a:t>매수</a:t>
+            </a:r>
+            <a:r>
+              <a:rPr lang="en-US" altLang="ko-KR" sz="1200" dirty="0" smtClean="0"/>
+              <a:t>/</a:t>
+            </a:r>
+            <a:r>
+              <a:rPr lang="ko-KR" altLang="en-US" sz="1200" dirty="0" smtClean="0"/>
+              <a:t>매도할 종목을 선정한다</a:t>
+            </a:r>
+            <a:r>
+              <a:rPr lang="en-US" altLang="ko-KR" sz="1200" dirty="0" smtClean="0"/>
+              <a:t>. (</a:t>
+            </a:r>
+            <a:r>
+              <a:rPr lang="ko-KR" altLang="en-US" sz="1200" dirty="0" smtClean="0"/>
+              <a:t>이때 </a:t>
+            </a:r>
+            <a:r>
+              <a:rPr lang="en-US" altLang="ko-KR" sz="1200" dirty="0" smtClean="0"/>
+              <a:t>base </a:t>
+            </a:r>
+            <a:r>
+              <a:rPr lang="ko-KR" altLang="en-US" sz="1200" dirty="0" smtClean="0"/>
+              <a:t>정보를 바탕으로 기본적으로 걸러야 할 종목을 걸러낸다</a:t>
+            </a:r>
+            <a:r>
+              <a:rPr lang="en-US" altLang="ko-KR" sz="1200" dirty="0" smtClean="0"/>
+              <a:t>. </a:t>
+            </a:r>
+            <a:r>
+              <a:rPr lang="ko-KR" altLang="en-US" sz="1200" dirty="0" err="1" smtClean="0"/>
+              <a:t>감리종목이라든지</a:t>
+            </a:r>
+            <a:r>
+              <a:rPr lang="en-US" altLang="ko-KR" sz="1200" dirty="0" smtClean="0"/>
+              <a:t>, </a:t>
+            </a:r>
+            <a:r>
+              <a:rPr lang="ko-KR" altLang="en-US" sz="1200" dirty="0" err="1" smtClean="0"/>
+              <a:t>상폐예상종목이라든지</a:t>
+            </a:r>
+            <a:r>
+              <a:rPr lang="en-US" altLang="ko-KR" sz="1200" dirty="0" smtClean="0"/>
+              <a:t>…)</a:t>
+            </a:r>
+          </a:p>
+          <a:p>
+            <a:r>
+              <a:rPr lang="en-US" altLang="ko-KR" sz="1200" dirty="0" smtClean="0"/>
+              <a:t>* </a:t>
+            </a:r>
+            <a:r>
+              <a:rPr lang="ko-KR" altLang="en-US" sz="1200" dirty="0" smtClean="0"/>
+              <a:t>매수</a:t>
+            </a:r>
+            <a:r>
+              <a:rPr lang="en-US" altLang="ko-KR" sz="1200" dirty="0" smtClean="0"/>
+              <a:t>/</a:t>
+            </a:r>
+            <a:r>
+              <a:rPr lang="ko-KR" altLang="en-US" sz="1200" dirty="0" smtClean="0"/>
+              <a:t>매도를 수행한다</a:t>
+            </a:r>
+            <a:r>
+              <a:rPr lang="en-US" altLang="ko-KR" sz="1200" smtClean="0"/>
+              <a:t>.</a:t>
+            </a:r>
+            <a:endParaRPr lang="en-US" altLang="ko-KR" sz="1200" dirty="0" smtClean="0"/>
+          </a:p>
+        </p:txBody>
+      </p:sp>
+      <p:sp>
+        <p:nvSpPr>
+          <p:cNvPr id="4" name="TextBox 3"/>
+          <p:cNvSpPr txBox="1"/>
+          <p:nvPr/>
+        </p:nvSpPr>
+        <p:spPr>
+          <a:xfrm>
+            <a:off x="93305" y="102636"/>
+            <a:ext cx="2431371" cy="369332"/>
+          </a:xfrm>
+          <a:prstGeom prst="rect">
+            <a:avLst/>
+          </a:prstGeom>
+          <a:noFill/>
+        </p:spPr>
+        <p:txBody>
+          <a:bodyPr wrap="none" rtlCol="0">
+            <a:spAutoFit/>
+          </a:bodyPr>
+          <a:lstStyle/>
+          <a:p>
+            <a:r>
+              <a:rPr lang="en-US" altLang="ko-KR" dirty="0" smtClean="0">
+                <a:latin typeface="나눔바른고딕" panose="020B0603020101020101" pitchFamily="50" charset="-127"/>
+                <a:ea typeface="나눔바른고딕" panose="020B0603020101020101" pitchFamily="50" charset="-127"/>
+              </a:rPr>
+              <a:t>Auto Trading Scenario</a:t>
+            </a:r>
+            <a:endParaRPr lang="ko-KR" altLang="en-US" dirty="0">
+              <a:latin typeface="나눔바른고딕" panose="020B0603020101020101" pitchFamily="50" charset="-127"/>
+              <a:ea typeface="나눔바른고딕" panose="020B0603020101020101" pitchFamily="50" charset="-127"/>
+            </a:endParaRPr>
+          </a:p>
+        </p:txBody>
+      </p:sp>
+    </p:spTree>
+    <p:extLst>
+      <p:ext uri="{BB962C8B-B14F-4D97-AF65-F5344CB8AC3E}">
+        <p14:creationId xmlns:p14="http://schemas.microsoft.com/office/powerpoint/2010/main" val="3196296626"/>
+      </p:ext>
+    </p:extLst>
+  </p:cSld>
+  <p:clrMapOvr>
+    <a:masterClrMapping/>
+  </p:clrMapOvr>
+  <p:timing>
+    <p:tnLst>
+      <p:par>
+        <p:cTn id="1" dur="indefinite" restart="never" nodeType="tmRoot"/>
+      </p:par>
+    </p:tnLst>
+  </p:timing>
+</p:sld>
+</file>
+
+<file path=ppt/slides/slide6.xml><?xml version="1.0" encoding="utf-8"?>
+<p:sld xmlns:a="http://schemas.openxmlformats.org/drawingml/2006/main" xmlns:r="http://schemas.openxmlformats.org/officeDocument/2006/relationships" xmlns:p="http://schemas.openxmlformats.org/presentationml/2006/main">
+  <p:cSld>
+    <p:spTree>
+      <p:nvGrpSpPr>
+        <p:cNvPr id="1" name=""/>
+        <p:cNvGrpSpPr/>
+        <p:nvPr/>
+      </p:nvGrpSpPr>
+      <p:grpSpPr>
+        <a:xfrm>
+          <a:off x="0" y="0"/>
+          <a:ext cx="0" cy="0"/>
+          <a:chOff x="0" y="0"/>
+          <a:chExt cx="0" cy="0"/>
+        </a:xfrm>
+      </p:grpSpPr>
+      <p:sp>
+        <p:nvSpPr>
+          <p:cNvPr id="3" name="TextBox 2"/>
+          <p:cNvSpPr txBox="1"/>
+          <p:nvPr/>
+        </p:nvSpPr>
+        <p:spPr>
+          <a:xfrm>
+            <a:off x="261257" y="677636"/>
+            <a:ext cx="5216493" cy="1200329"/>
+          </a:xfrm>
+          <a:prstGeom prst="rect">
+            <a:avLst/>
+          </a:prstGeom>
+          <a:noFill/>
+        </p:spPr>
+        <p:txBody>
+          <a:bodyPr wrap="none" rtlCol="0">
+            <a:spAutoFit/>
+          </a:bodyPr>
+          <a:lstStyle/>
+          <a:p>
+            <a:r>
+              <a:rPr lang="ko-KR" altLang="en-US" sz="1200" dirty="0" smtClean="0"/>
+              <a:t>어떤 데이터를 수집 할 것인가</a:t>
+            </a:r>
+            <a:r>
+              <a:rPr lang="en-US" altLang="ko-KR" sz="1200" dirty="0" smtClean="0"/>
+              <a:t>?</a:t>
+            </a:r>
+          </a:p>
+          <a:p>
+            <a:r>
+              <a:rPr lang="en-US" altLang="ko-KR" sz="1200" dirty="0" smtClean="0"/>
+              <a:t>open </a:t>
+            </a:r>
+            <a:r>
+              <a:rPr lang="en-US" altLang="ko-KR" sz="1200" dirty="0" err="1" smtClean="0"/>
+              <a:t>api</a:t>
+            </a:r>
+            <a:r>
+              <a:rPr lang="en-US" altLang="ko-KR" sz="1200" dirty="0" smtClean="0"/>
+              <a:t> </a:t>
+            </a:r>
+            <a:r>
+              <a:rPr lang="ko-KR" altLang="en-US" sz="1200" dirty="0" smtClean="0"/>
+              <a:t>로부터 수집한 정보에 추가할 정보는 무엇인가</a:t>
+            </a:r>
+            <a:r>
+              <a:rPr lang="en-US" altLang="ko-KR" sz="1200" dirty="0" smtClean="0"/>
+              <a:t>?</a:t>
+            </a:r>
+          </a:p>
+          <a:p>
+            <a:r>
+              <a:rPr lang="ko-KR" altLang="en-US" sz="1200" dirty="0" smtClean="0"/>
+              <a:t>데이터 정제는 어떻게 </a:t>
+            </a:r>
+            <a:r>
+              <a:rPr lang="ko-KR" altLang="en-US" sz="1200" dirty="0" err="1" smtClean="0"/>
+              <a:t>할것인가</a:t>
+            </a:r>
+            <a:r>
+              <a:rPr lang="en-US" altLang="ko-KR" sz="1200" dirty="0" smtClean="0"/>
+              <a:t>?</a:t>
+            </a:r>
+          </a:p>
+          <a:p>
+            <a:r>
+              <a:rPr lang="ko-KR" altLang="en-US" sz="1200" dirty="0" smtClean="0"/>
+              <a:t>데이터는 어떻게 분류</a:t>
+            </a:r>
+            <a:r>
+              <a:rPr lang="en-US" altLang="ko-KR" sz="1200" dirty="0" smtClean="0"/>
+              <a:t>(</a:t>
+            </a:r>
+            <a:r>
+              <a:rPr lang="ko-KR" altLang="en-US" sz="1200" dirty="0" smtClean="0"/>
+              <a:t>정리</a:t>
+            </a:r>
+            <a:r>
+              <a:rPr lang="en-US" altLang="ko-KR" sz="1200" dirty="0" smtClean="0"/>
+              <a:t>)</a:t>
+            </a:r>
+            <a:r>
+              <a:rPr lang="ko-KR" altLang="en-US" sz="1200" dirty="0" smtClean="0"/>
+              <a:t>하여 </a:t>
+            </a:r>
+            <a:r>
+              <a:rPr lang="en-US" altLang="ko-KR" sz="1200" dirty="0" smtClean="0"/>
+              <a:t>DB</a:t>
+            </a:r>
+            <a:r>
+              <a:rPr lang="ko-KR" altLang="en-US" sz="1200" dirty="0" smtClean="0"/>
+              <a:t>에 저장할 것인가</a:t>
+            </a:r>
+            <a:r>
+              <a:rPr lang="en-US" altLang="ko-KR" sz="1200" dirty="0" smtClean="0"/>
+              <a:t>?</a:t>
+            </a:r>
+          </a:p>
+          <a:p>
+            <a:r>
+              <a:rPr lang="en-US" altLang="ko-KR" sz="1200" dirty="0" smtClean="0"/>
+              <a:t>data</a:t>
+            </a:r>
+            <a:r>
+              <a:rPr lang="ko-KR" altLang="en-US" sz="1200" dirty="0" smtClean="0"/>
+              <a:t> </a:t>
+            </a:r>
+            <a:r>
+              <a:rPr lang="en-US" altLang="ko-KR" sz="1200" dirty="0" smtClean="0"/>
+              <a:t>update </a:t>
+            </a:r>
+            <a:r>
+              <a:rPr lang="ko-KR" altLang="en-US" sz="1200" dirty="0" smtClean="0"/>
+              <a:t>처리는 고려하였는가</a:t>
+            </a:r>
+            <a:r>
+              <a:rPr lang="en-US" altLang="ko-KR" sz="1200" dirty="0" smtClean="0"/>
+              <a:t>?</a:t>
+            </a:r>
+          </a:p>
+          <a:p>
+            <a:r>
+              <a:rPr lang="ko-KR" altLang="en-US" sz="1200" dirty="0" smtClean="0"/>
+              <a:t>키움 </a:t>
+            </a:r>
+            <a:r>
+              <a:rPr lang="en-US" altLang="ko-KR" sz="1200" dirty="0" smtClean="0"/>
+              <a:t>open </a:t>
+            </a:r>
+            <a:r>
+              <a:rPr lang="en-US" altLang="ko-KR" sz="1200" dirty="0" err="1" smtClean="0"/>
+              <a:t>api</a:t>
+            </a:r>
+            <a:r>
+              <a:rPr lang="en-US" altLang="ko-KR" sz="1200" dirty="0" smtClean="0"/>
+              <a:t> </a:t>
+            </a:r>
+            <a:r>
+              <a:rPr lang="ko-KR" altLang="en-US" sz="1200" dirty="0" smtClean="0"/>
+              <a:t>말고 다른 사이트에서 가져올 정보는 어떤 것들이 있는가</a:t>
+            </a:r>
+            <a:r>
+              <a:rPr lang="en-US" altLang="ko-KR" sz="1200" dirty="0" smtClean="0"/>
+              <a:t>?</a:t>
+            </a:r>
+          </a:p>
+        </p:txBody>
+      </p:sp>
+      <p:sp>
+        <p:nvSpPr>
+          <p:cNvPr id="4" name="TextBox 3"/>
+          <p:cNvSpPr txBox="1"/>
+          <p:nvPr/>
+        </p:nvSpPr>
+        <p:spPr>
+          <a:xfrm>
+            <a:off x="93305" y="102636"/>
+            <a:ext cx="1765227" cy="369332"/>
+          </a:xfrm>
+          <a:prstGeom prst="rect">
+            <a:avLst/>
+          </a:prstGeom>
+          <a:noFill/>
+        </p:spPr>
+        <p:txBody>
+          <a:bodyPr wrap="none" rtlCol="0">
+            <a:spAutoFit/>
+          </a:bodyPr>
+          <a:lstStyle/>
+          <a:p>
+            <a:r>
+              <a:rPr lang="en-US" altLang="ko-KR" dirty="0" smtClean="0">
+                <a:latin typeface="나눔바른고딕" panose="020B0603020101020101" pitchFamily="50" charset="-127"/>
+                <a:ea typeface="나눔바른고딕" panose="020B0603020101020101" pitchFamily="50" charset="-127"/>
+              </a:rPr>
+              <a:t>Collecting Data</a:t>
+            </a:r>
+            <a:endParaRPr lang="ko-KR" altLang="en-US" dirty="0">
+              <a:latin typeface="나눔바른고딕" panose="020B0603020101020101" pitchFamily="50" charset="-127"/>
+              <a:ea typeface="나눔바른고딕" panose="020B0603020101020101" pitchFamily="50" charset="-127"/>
+            </a:endParaRPr>
+          </a:p>
+        </p:txBody>
+      </p:sp>
+      <p:sp>
+        <p:nvSpPr>
+          <p:cNvPr id="5" name="TextBox 4"/>
+          <p:cNvSpPr txBox="1"/>
+          <p:nvPr/>
+        </p:nvSpPr>
+        <p:spPr>
+          <a:xfrm>
+            <a:off x="261257" y="2954111"/>
+            <a:ext cx="6035627" cy="1015663"/>
+          </a:xfrm>
+          <a:prstGeom prst="rect">
+            <a:avLst/>
+          </a:prstGeom>
+          <a:noFill/>
+        </p:spPr>
+        <p:txBody>
+          <a:bodyPr wrap="none" rtlCol="0">
+            <a:spAutoFit/>
+          </a:bodyPr>
+          <a:lstStyle/>
+          <a:p>
+            <a:r>
+              <a:rPr lang="ko-KR" altLang="en-US" sz="1200" dirty="0" smtClean="0"/>
+              <a:t>기본적으로 </a:t>
+            </a:r>
+            <a:r>
+              <a:rPr lang="ko-KR" altLang="en-US" sz="1200" b="1" dirty="0" smtClean="0"/>
+              <a:t>분봉</a:t>
+            </a:r>
+            <a:r>
+              <a:rPr lang="en-US" altLang="ko-KR" sz="1200" b="1" dirty="0" smtClean="0"/>
+              <a:t>/</a:t>
+            </a:r>
+            <a:r>
+              <a:rPr lang="ko-KR" altLang="en-US" sz="1200" b="1" dirty="0" err="1" smtClean="0"/>
+              <a:t>일봉</a:t>
+            </a:r>
+            <a:r>
+              <a:rPr lang="en-US" altLang="ko-KR" sz="1200" b="1" dirty="0" smtClean="0"/>
+              <a:t>/</a:t>
+            </a:r>
+            <a:r>
+              <a:rPr lang="ko-KR" altLang="en-US" sz="1200" b="1" dirty="0" smtClean="0"/>
+              <a:t>주봉</a:t>
+            </a:r>
+            <a:r>
+              <a:rPr lang="en-US" altLang="ko-KR" sz="1200" b="1" dirty="0" smtClean="0"/>
+              <a:t>/</a:t>
+            </a:r>
+            <a:r>
+              <a:rPr lang="ko-KR" altLang="en-US" sz="1200" b="1" dirty="0" smtClean="0"/>
+              <a:t>월봉 데이터</a:t>
+            </a:r>
+            <a:r>
+              <a:rPr lang="ko-KR" altLang="en-US" sz="1200" dirty="0" smtClean="0"/>
+              <a:t>를 수집한다</a:t>
+            </a:r>
+            <a:r>
+              <a:rPr lang="en-US" altLang="ko-KR" sz="1200" dirty="0" smtClean="0"/>
+              <a:t>. (</a:t>
+            </a:r>
+            <a:r>
+              <a:rPr lang="ko-KR" altLang="en-US" sz="1200" dirty="0" smtClean="0"/>
+              <a:t>일단 코스피만</a:t>
+            </a:r>
+            <a:r>
+              <a:rPr lang="en-US" altLang="ko-KR" sz="1200" dirty="0" smtClean="0"/>
+              <a:t>..)</a:t>
+            </a:r>
+          </a:p>
+          <a:p>
+            <a:r>
+              <a:rPr lang="en-US" altLang="ko-KR" sz="1200" dirty="0" err="1" smtClean="0"/>
+              <a:t>talib</a:t>
+            </a:r>
+            <a:r>
+              <a:rPr lang="ko-KR" altLang="en-US" sz="1200" dirty="0" smtClean="0"/>
+              <a:t>를 이용하여 </a:t>
+            </a:r>
+            <a:r>
+              <a:rPr lang="ko-KR" altLang="en-US" sz="1200" dirty="0" err="1" smtClean="0"/>
+              <a:t>이평선</a:t>
+            </a:r>
+            <a:r>
+              <a:rPr lang="en-US" altLang="ko-KR" sz="1200" dirty="0" smtClean="0"/>
+              <a:t>/MACD/RSI </a:t>
+            </a:r>
+            <a:r>
+              <a:rPr lang="ko-KR" altLang="en-US" sz="1200" dirty="0" err="1" smtClean="0"/>
+              <a:t>지표값을</a:t>
+            </a:r>
+            <a:r>
+              <a:rPr lang="ko-KR" altLang="en-US" sz="1200" dirty="0" smtClean="0"/>
+              <a:t> 추가한다</a:t>
+            </a:r>
+            <a:r>
+              <a:rPr lang="en-US" altLang="ko-KR" sz="1200" dirty="0" smtClean="0"/>
+              <a:t>.</a:t>
+            </a:r>
+          </a:p>
+          <a:p>
+            <a:r>
+              <a:rPr lang="ko-KR" altLang="en-US" sz="1200" dirty="0" smtClean="0"/>
+              <a:t>숫자는 모두 </a:t>
+            </a:r>
+            <a:r>
+              <a:rPr lang="en-US" altLang="ko-KR" sz="1200" dirty="0" smtClean="0"/>
+              <a:t>float </a:t>
+            </a:r>
+            <a:r>
+              <a:rPr lang="ko-KR" altLang="en-US" sz="1200" dirty="0" smtClean="0"/>
+              <a:t>으로 처리한다</a:t>
+            </a:r>
+            <a:r>
+              <a:rPr lang="en-US" altLang="ko-KR" sz="1200" dirty="0" smtClean="0"/>
+              <a:t>?</a:t>
+            </a:r>
+          </a:p>
+          <a:p>
+            <a:r>
+              <a:rPr lang="ko-KR" altLang="en-US" sz="1200" dirty="0" smtClean="0"/>
+              <a:t>단순 값은 모두 양수로 처리하고</a:t>
+            </a:r>
+            <a:r>
+              <a:rPr lang="en-US" altLang="ko-KR" sz="1200" dirty="0" smtClean="0"/>
+              <a:t>, </a:t>
+            </a:r>
+            <a:r>
+              <a:rPr lang="ko-KR" altLang="en-US" sz="1200" dirty="0" smtClean="0"/>
+              <a:t>상승</a:t>
+            </a:r>
+            <a:r>
+              <a:rPr lang="en-US" altLang="ko-KR" sz="1200" dirty="0" smtClean="0"/>
+              <a:t>/</a:t>
+            </a:r>
+            <a:r>
+              <a:rPr lang="ko-KR" altLang="en-US" sz="1200" dirty="0" smtClean="0"/>
+              <a:t>하락이 의미가 있는 경우에만 부등호를 붙인다</a:t>
+            </a:r>
+            <a:r>
+              <a:rPr lang="en-US" altLang="ko-KR" sz="1200" dirty="0" smtClean="0"/>
+              <a:t>.</a:t>
+            </a:r>
+          </a:p>
+          <a:p>
+            <a:endParaRPr lang="en-US" altLang="ko-KR" sz="1200" dirty="0" smtClean="0"/>
+          </a:p>
+        </p:txBody>
+      </p:sp>
+    </p:spTree>
+    <p:extLst>
+      <p:ext uri="{BB962C8B-B14F-4D97-AF65-F5344CB8AC3E}">
+        <p14:creationId xmlns:p14="http://schemas.microsoft.com/office/powerpoint/2010/main" val="3424538039"/>
+      </p:ext>
+    </p:extLst>
+  </p:cSld>
+  <p:clrMapOvr>
+    <a:masterClrMapping/>
+  </p:clrMapOvr>
+  <p:timing>
+    <p:tnLst>
+      <p:par>
+        <p:cTn id="1" dur="indefinite" restart="never" nodeType="tmRoot"/>
+      </p:par>
+    </p:tnLst>
+  </p:timing>
+</p:sld>
+</file>
+
+<file path=ppt/slides/slide7.xml><?xml version="1.0" encoding="utf-8"?>
+<p:sld xmlns:a="http://schemas.openxmlformats.org/drawingml/2006/main" xmlns:r="http://schemas.openxmlformats.org/officeDocument/2006/relationships" xmlns:p="http://schemas.openxmlformats.org/presentationml/2006/main">
+  <p:cSld>
+    <p:spTree>
+      <p:nvGrpSpPr>
+        <p:cNvPr id="1" name=""/>
+        <p:cNvGrpSpPr/>
+        <p:nvPr/>
+      </p:nvGrpSpPr>
+      <p:grpSpPr>
+        <a:xfrm>
+          <a:off x="0" y="0"/>
+          <a:ext cx="0" cy="0"/>
+          <a:chOff x="0" y="0"/>
+          <a:chExt cx="0" cy="0"/>
+        </a:xfrm>
+      </p:grpSpPr>
+      <p:sp>
+        <p:nvSpPr>
+          <p:cNvPr id="3" name="TextBox 2"/>
+          <p:cNvSpPr txBox="1"/>
+          <p:nvPr/>
+        </p:nvSpPr>
+        <p:spPr>
+          <a:xfrm>
+            <a:off x="261257" y="677636"/>
+            <a:ext cx="1825821" cy="1384995"/>
+          </a:xfrm>
+          <a:prstGeom prst="rect">
+            <a:avLst/>
+          </a:prstGeom>
+          <a:noFill/>
+        </p:spPr>
+        <p:txBody>
+          <a:bodyPr wrap="none" rtlCol="0">
+            <a:spAutoFit/>
+          </a:bodyPr>
+          <a:lstStyle/>
+          <a:p>
+            <a:r>
+              <a:rPr lang="en-US" altLang="ko-KR" sz="1200" dirty="0" err="1" smtClean="0"/>
+              <a:t>stock_name</a:t>
+            </a:r>
+            <a:r>
+              <a:rPr lang="en-US" altLang="ko-KR" sz="1200" dirty="0" smtClean="0"/>
+              <a:t>: </a:t>
+            </a:r>
+            <a:r>
+              <a:rPr lang="ko-KR" altLang="en-US" sz="1200" dirty="0" err="1" smtClean="0"/>
+              <a:t>주식명</a:t>
+            </a:r>
+            <a:endParaRPr lang="en-US" altLang="ko-KR" sz="1200" dirty="0" smtClean="0"/>
+          </a:p>
+          <a:p>
+            <a:r>
+              <a:rPr lang="en-US" altLang="ko-KR" sz="1200" dirty="0" smtClean="0"/>
+              <a:t>code: 000123</a:t>
+            </a:r>
+          </a:p>
+          <a:p>
+            <a:r>
+              <a:rPr lang="en-US" altLang="ko-KR" sz="1200" dirty="0" smtClean="0"/>
+              <a:t>market: </a:t>
+            </a:r>
+            <a:r>
+              <a:rPr lang="en-US" altLang="ko-KR" sz="1200" dirty="0" err="1" smtClean="0"/>
+              <a:t>kospi</a:t>
+            </a:r>
+            <a:r>
+              <a:rPr lang="en-US" altLang="ko-KR" sz="1200" dirty="0" smtClean="0"/>
+              <a:t>/</a:t>
+            </a:r>
+            <a:r>
+              <a:rPr lang="en-US" altLang="ko-KR" sz="1200" dirty="0" err="1" smtClean="0"/>
+              <a:t>kosdaq</a:t>
+            </a:r>
+            <a:endParaRPr lang="en-US" altLang="ko-KR" sz="1200" dirty="0" smtClean="0"/>
+          </a:p>
+          <a:p>
+            <a:r>
+              <a:rPr lang="en-US" altLang="ko-KR" sz="1200" dirty="0" smtClean="0"/>
+              <a:t>size:</a:t>
+            </a:r>
+          </a:p>
+          <a:p>
+            <a:r>
+              <a:rPr lang="en-US" altLang="ko-KR" sz="1200" dirty="0" smtClean="0"/>
+              <a:t>theme: </a:t>
+            </a:r>
+            <a:r>
+              <a:rPr lang="ko-KR" altLang="en-US" sz="1200" dirty="0" smtClean="0"/>
+              <a:t>속해있는 테마</a:t>
+            </a:r>
+            <a:endParaRPr lang="en-US" altLang="ko-KR" sz="1200" dirty="0" smtClean="0"/>
+          </a:p>
+          <a:p>
+            <a:r>
+              <a:rPr lang="en-US" altLang="ko-KR" sz="1200" dirty="0" smtClean="0"/>
+              <a:t>warning: </a:t>
+            </a:r>
+            <a:r>
+              <a:rPr lang="ko-KR" altLang="en-US" sz="1200" dirty="0" smtClean="0"/>
+              <a:t>위험종목인지</a:t>
+            </a:r>
+            <a:r>
+              <a:rPr lang="en-US" altLang="ko-KR" sz="1200" dirty="0" smtClean="0"/>
+              <a:t>?</a:t>
+            </a:r>
+          </a:p>
+          <a:p>
+            <a:endParaRPr lang="en-US" altLang="ko-KR" sz="1200" dirty="0" smtClean="0"/>
+          </a:p>
+        </p:txBody>
+      </p:sp>
+      <p:sp>
+        <p:nvSpPr>
+          <p:cNvPr id="4" name="TextBox 3"/>
+          <p:cNvSpPr txBox="1"/>
+          <p:nvPr/>
+        </p:nvSpPr>
+        <p:spPr>
+          <a:xfrm>
+            <a:off x="93305" y="102636"/>
+            <a:ext cx="2226892" cy="369332"/>
+          </a:xfrm>
+          <a:prstGeom prst="rect">
+            <a:avLst/>
+          </a:prstGeom>
+          <a:noFill/>
+        </p:spPr>
+        <p:txBody>
+          <a:bodyPr wrap="none" rtlCol="0">
+            <a:spAutoFit/>
+          </a:bodyPr>
+          <a:lstStyle/>
+          <a:p>
+            <a:r>
+              <a:rPr lang="en-US" altLang="ko-KR" dirty="0" smtClean="0">
+                <a:latin typeface="나눔바른고딕" panose="020B0603020101020101" pitchFamily="50" charset="-127"/>
+                <a:ea typeface="나눔바른고딕" panose="020B0603020101020101" pitchFamily="50" charset="-127"/>
+              </a:rPr>
+              <a:t>Static Data of </a:t>
+            </a:r>
+            <a:r>
+              <a:rPr lang="en-US" altLang="ko-KR" dirty="0">
+                <a:latin typeface="나눔바른고딕" panose="020B0603020101020101" pitchFamily="50" charset="-127"/>
+                <a:ea typeface="나눔바른고딕" panose="020B0603020101020101" pitchFamily="50" charset="-127"/>
+              </a:rPr>
+              <a:t>S</a:t>
+            </a:r>
+            <a:r>
+              <a:rPr lang="en-US" altLang="ko-KR" dirty="0" smtClean="0">
+                <a:latin typeface="나눔바른고딕" panose="020B0603020101020101" pitchFamily="50" charset="-127"/>
+                <a:ea typeface="나눔바른고딕" panose="020B0603020101020101" pitchFamily="50" charset="-127"/>
+              </a:rPr>
+              <a:t>tock</a:t>
+            </a:r>
+            <a:endParaRPr lang="ko-KR" altLang="en-US" dirty="0">
+              <a:latin typeface="나눔바른고딕" panose="020B0603020101020101" pitchFamily="50" charset="-127"/>
+              <a:ea typeface="나눔바른고딕" panose="020B0603020101020101" pitchFamily="50" charset="-127"/>
+            </a:endParaRPr>
+          </a:p>
+        </p:txBody>
+      </p:sp>
+    </p:spTree>
+    <p:extLst>
+      <p:ext uri="{BB962C8B-B14F-4D97-AF65-F5344CB8AC3E}">
+        <p14:creationId xmlns:p14="http://schemas.microsoft.com/office/powerpoint/2010/main" val="4240798296"/>
       </p:ext>
     </p:extLst>
   </p:cSld>

--- a/doc/TopTrader.pptx
+++ b/doc/TopTrader.pptx
@@ -12,6 +12,7 @@
     <p:sldId id="261" r:id="rId6"/>
     <p:sldId id="262" r:id="rId7"/>
     <p:sldId id="263" r:id="rId8"/>
+    <p:sldId id="264" r:id="rId9"/>
   </p:sldIdLst>
   <p:sldSz cx="12192000" cy="6858000"/>
   <p:notesSz cx="6858000" cy="9144000"/>
@@ -9697,15 +9698,7 @@
             </a:r>
             <a:r>
               <a:rPr lang="en-US" altLang="ko-KR" sz="1200" dirty="0" smtClean="0"/>
-              <a:t>, </a:t>
-            </a:r>
-            <a:r>
-              <a:rPr lang="en-US" altLang="ko-KR" sz="1200" dirty="0" smtClean="0"/>
-              <a:t>size, </a:t>
-            </a:r>
-            <a:r>
-              <a:rPr lang="en-US" altLang="ko-KR" sz="1200" dirty="0" smtClean="0"/>
-              <a:t>(</a:t>
+              <a:t>, size, (</a:t>
             </a:r>
             <a:r>
               <a:rPr lang="en-US" altLang="ko-KR" sz="1200" dirty="0" err="1" smtClean="0"/>
@@ -9721,15 +9714,7 @@
             </a:r>
             <a:r>
               <a:rPr lang="en-US" altLang="ko-KR" sz="1200" dirty="0" smtClean="0"/>
-              <a:t>), </a:t>
-            </a:r>
-            <a:r>
-              <a:rPr lang="en-US" altLang="ko-KR" sz="1200" dirty="0" smtClean="0"/>
-              <a:t> </a:t>
-            </a:r>
-            <a:r>
-              <a:rPr lang="en-US" altLang="ko-KR" sz="1200" dirty="0" smtClean="0"/>
-              <a:t>(</a:t>
+              <a:t>),  (</a:t>
             </a:r>
             <a:r>
               <a:rPr lang="ko-KR" altLang="en-US" sz="1200" dirty="0" smtClean="0"/>
@@ -10737,6 +10722,1178 @@
     <p:extLst>
       <p:ext uri="{BB962C8B-B14F-4D97-AF65-F5344CB8AC3E}">
         <p14:creationId xmlns:p14="http://schemas.microsoft.com/office/powerpoint/2010/main" val="4240798296"/>
+      </p:ext>
+    </p:extLst>
+  </p:cSld>
+  <p:clrMapOvr>
+    <a:masterClrMapping/>
+  </p:clrMapOvr>
+  <p:timing>
+    <p:tnLst>
+      <p:par>
+        <p:cTn id="1" dur="indefinite" restart="never" nodeType="tmRoot"/>
+      </p:par>
+    </p:tnLst>
+  </p:timing>
+</p:sld>
+</file>
+
+<file path=ppt/slides/slide8.xml><?xml version="1.0" encoding="utf-8"?>
+<p:sld xmlns:a="http://schemas.openxmlformats.org/drawingml/2006/main" xmlns:r="http://schemas.openxmlformats.org/officeDocument/2006/relationships" xmlns:p="http://schemas.openxmlformats.org/presentationml/2006/main">
+  <p:cSld>
+    <p:spTree>
+      <p:nvGrpSpPr>
+        <p:cNvPr id="1" name=""/>
+        <p:cNvGrpSpPr/>
+        <p:nvPr/>
+      </p:nvGrpSpPr>
+      <p:grpSpPr>
+        <a:xfrm>
+          <a:off x="0" y="0"/>
+          <a:ext cx="0" cy="0"/>
+          <a:chOff x="0" y="0"/>
+          <a:chExt cx="0" cy="0"/>
+        </a:xfrm>
+      </p:grpSpPr>
+      <p:sp>
+        <p:nvSpPr>
+          <p:cNvPr id="4" name="TextBox 3"/>
+          <p:cNvSpPr txBox="1"/>
+          <p:nvPr/>
+        </p:nvSpPr>
+        <p:spPr>
+          <a:xfrm>
+            <a:off x="93305" y="102636"/>
+            <a:ext cx="1820498" cy="369332"/>
+          </a:xfrm>
+          <a:prstGeom prst="rect">
+            <a:avLst/>
+          </a:prstGeom>
+          <a:noFill/>
+        </p:spPr>
+        <p:txBody>
+          <a:bodyPr wrap="none" rtlCol="0">
+            <a:spAutoFit/>
+          </a:bodyPr>
+          <a:lstStyle/>
+          <a:p>
+            <a:r>
+              <a:rPr lang="en-US" altLang="ko-KR" dirty="0" err="1" smtClean="0">
+                <a:latin typeface="나눔바른고딕" panose="020B0603020101020101" pitchFamily="50" charset="-127"/>
+                <a:ea typeface="나눔바른고딕" panose="020B0603020101020101" pitchFamily="50" charset="-127"/>
+              </a:rPr>
+              <a:t>Kiwoom</a:t>
+            </a:r>
+            <a:r>
+              <a:rPr lang="en-US" altLang="ko-KR" dirty="0" smtClean="0">
+                <a:latin typeface="나눔바른고딕" panose="020B0603020101020101" pitchFamily="50" charset="-127"/>
+                <a:ea typeface="나눔바른고딕" panose="020B0603020101020101" pitchFamily="50" charset="-127"/>
+              </a:rPr>
+              <a:t> module</a:t>
+            </a:r>
+            <a:endParaRPr lang="ko-KR" altLang="en-US" dirty="0">
+              <a:latin typeface="나눔바른고딕" panose="020B0603020101020101" pitchFamily="50" charset="-127"/>
+              <a:ea typeface="나눔바른고딕" panose="020B0603020101020101" pitchFamily="50" charset="-127"/>
+            </a:endParaRPr>
+          </a:p>
+        </p:txBody>
+      </p:sp>
+      <p:sp>
+        <p:nvSpPr>
+          <p:cNvPr id="2" name="직사각형 1"/>
+          <p:cNvSpPr/>
+          <p:nvPr/>
+        </p:nvSpPr>
+        <p:spPr>
+          <a:xfrm>
+            <a:off x="1992085" y="1233967"/>
+            <a:ext cx="7878535" cy="4845703"/>
+          </a:xfrm>
+          <a:prstGeom prst="rect">
+            <a:avLst/>
+          </a:prstGeom>
+          <a:solidFill>
+            <a:schemeClr val="bg1">
+              <a:lumMod val="95000"/>
+            </a:schemeClr>
+          </a:solidFill>
+          <a:ln w="6350">
+            <a:solidFill>
+              <a:schemeClr val="bg1">
+                <a:lumMod val="50000"/>
+              </a:schemeClr>
+            </a:solidFill>
+          </a:ln>
+        </p:spPr>
+        <p:style>
+          <a:lnRef idx="2">
+            <a:schemeClr val="accent3">
+              <a:shade val="50000"/>
+            </a:schemeClr>
+          </a:lnRef>
+          <a:fillRef idx="1">
+            <a:schemeClr val="accent3"/>
+          </a:fillRef>
+          <a:effectRef idx="0">
+            <a:schemeClr val="accent3"/>
+          </a:effectRef>
+          <a:fontRef idx="minor">
+            <a:schemeClr val="lt1"/>
+          </a:fontRef>
+        </p:style>
+        <p:txBody>
+          <a:bodyPr rtlCol="0" anchor="ctr"/>
+          <a:lstStyle/>
+          <a:p>
+            <a:pPr algn="ctr"/>
+            <a:endParaRPr lang="ko-KR" altLang="en-US"/>
+          </a:p>
+        </p:txBody>
+      </p:sp>
+      <p:sp>
+        <p:nvSpPr>
+          <p:cNvPr id="5" name="직사각형 4"/>
+          <p:cNvSpPr/>
+          <p:nvPr/>
+        </p:nvSpPr>
+        <p:spPr>
+          <a:xfrm>
+            <a:off x="3038475" y="2009775"/>
+            <a:ext cx="4391025" cy="2600325"/>
+          </a:xfrm>
+          <a:prstGeom prst="rect">
+            <a:avLst/>
+          </a:prstGeom>
+          <a:solidFill>
+            <a:schemeClr val="accent1">
+              <a:lumMod val="40000"/>
+              <a:lumOff val="60000"/>
+            </a:schemeClr>
+          </a:solidFill>
+        </p:spPr>
+        <p:style>
+          <a:lnRef idx="2">
+            <a:schemeClr val="accent1">
+              <a:shade val="50000"/>
+            </a:schemeClr>
+          </a:lnRef>
+          <a:fillRef idx="1">
+            <a:schemeClr val="accent1"/>
+          </a:fillRef>
+          <a:effectRef idx="0">
+            <a:schemeClr val="accent1"/>
+          </a:effectRef>
+          <a:fontRef idx="minor">
+            <a:schemeClr val="lt1"/>
+          </a:fontRef>
+        </p:style>
+        <p:txBody>
+          <a:bodyPr rtlCol="0" anchor="ctr"/>
+          <a:lstStyle/>
+          <a:p>
+            <a:pPr algn="ctr"/>
+            <a:endParaRPr lang="ko-KR" altLang="en-US"/>
+          </a:p>
+        </p:txBody>
+      </p:sp>
+      <p:sp>
+        <p:nvSpPr>
+          <p:cNvPr id="6" name="TextBox 5"/>
+          <p:cNvSpPr txBox="1"/>
+          <p:nvPr/>
+        </p:nvSpPr>
+        <p:spPr>
+          <a:xfrm>
+            <a:off x="3038475" y="1986443"/>
+            <a:ext cx="633443" cy="369332"/>
+          </a:xfrm>
+          <a:prstGeom prst="rect">
+            <a:avLst/>
+          </a:prstGeom>
+          <a:noFill/>
+        </p:spPr>
+        <p:txBody>
+          <a:bodyPr wrap="none" rtlCol="0">
+            <a:spAutoFit/>
+          </a:bodyPr>
+          <a:lstStyle/>
+          <a:p>
+            <a:r>
+              <a:rPr lang="en-US" altLang="ko-KR" dirty="0" smtClean="0"/>
+              <a:t>core</a:t>
+            </a:r>
+            <a:endParaRPr lang="ko-KR" altLang="en-US" dirty="0"/>
+          </a:p>
+        </p:txBody>
+      </p:sp>
+      <p:sp>
+        <p:nvSpPr>
+          <p:cNvPr id="7" name="직사각형 6"/>
+          <p:cNvSpPr/>
+          <p:nvPr/>
+        </p:nvSpPr>
+        <p:spPr>
+          <a:xfrm>
+            <a:off x="8715375" y="2009775"/>
+            <a:ext cx="646694" cy="2600325"/>
+          </a:xfrm>
+          <a:prstGeom prst="rect">
+            <a:avLst/>
+          </a:prstGeom>
+        </p:spPr>
+        <p:style>
+          <a:lnRef idx="2">
+            <a:schemeClr val="accent1">
+              <a:shade val="50000"/>
+            </a:schemeClr>
+          </a:lnRef>
+          <a:fillRef idx="1">
+            <a:schemeClr val="accent1"/>
+          </a:fillRef>
+          <a:effectRef idx="0">
+            <a:schemeClr val="accent1"/>
+          </a:effectRef>
+          <a:fontRef idx="minor">
+            <a:schemeClr val="lt1"/>
+          </a:fontRef>
+        </p:style>
+        <p:txBody>
+          <a:bodyPr rtlCol="0" anchor="ctr"/>
+          <a:lstStyle/>
+          <a:p>
+            <a:pPr algn="ctr"/>
+            <a:endParaRPr lang="ko-KR" altLang="en-US"/>
+          </a:p>
+        </p:txBody>
+      </p:sp>
+      <p:sp>
+        <p:nvSpPr>
+          <p:cNvPr id="8" name="직사각형 7"/>
+          <p:cNvSpPr/>
+          <p:nvPr/>
+        </p:nvSpPr>
+        <p:spPr>
+          <a:xfrm>
+            <a:off x="2266981" y="5124059"/>
+            <a:ext cx="1828770" cy="536901"/>
+          </a:xfrm>
+          <a:prstGeom prst="rect">
+            <a:avLst/>
+          </a:prstGeom>
+        </p:spPr>
+        <p:style>
+          <a:lnRef idx="2">
+            <a:schemeClr val="accent1">
+              <a:shade val="50000"/>
+            </a:schemeClr>
+          </a:lnRef>
+          <a:fillRef idx="1">
+            <a:schemeClr val="accent1"/>
+          </a:fillRef>
+          <a:effectRef idx="0">
+            <a:schemeClr val="accent1"/>
+          </a:effectRef>
+          <a:fontRef idx="minor">
+            <a:schemeClr val="lt1"/>
+          </a:fontRef>
+        </p:style>
+        <p:txBody>
+          <a:bodyPr rtlCol="0" anchor="ctr"/>
+          <a:lstStyle/>
+          <a:p>
+            <a:pPr algn="ctr"/>
+            <a:r>
+              <a:rPr lang="en-US" altLang="ko-KR" dirty="0" smtClean="0"/>
+              <a:t>constant</a:t>
+            </a:r>
+            <a:endParaRPr lang="ko-KR" altLang="en-US" dirty="0"/>
+          </a:p>
+        </p:txBody>
+      </p:sp>
+      <p:sp>
+        <p:nvSpPr>
+          <p:cNvPr id="9" name="직사각형 8"/>
+          <p:cNvSpPr/>
+          <p:nvPr/>
+        </p:nvSpPr>
+        <p:spPr>
+          <a:xfrm>
+            <a:off x="3671918" y="2577763"/>
+            <a:ext cx="3124138" cy="838398"/>
+          </a:xfrm>
+          <a:prstGeom prst="rect">
+            <a:avLst/>
+          </a:prstGeom>
+        </p:spPr>
+        <p:style>
+          <a:lnRef idx="2">
+            <a:schemeClr val="accent1">
+              <a:shade val="50000"/>
+            </a:schemeClr>
+          </a:lnRef>
+          <a:fillRef idx="1">
+            <a:schemeClr val="accent1"/>
+          </a:fillRef>
+          <a:effectRef idx="0">
+            <a:schemeClr val="accent1"/>
+          </a:effectRef>
+          <a:fontRef idx="minor">
+            <a:schemeClr val="lt1"/>
+          </a:fontRef>
+        </p:style>
+        <p:txBody>
+          <a:bodyPr rtlCol="0" anchor="ctr"/>
+          <a:lstStyle/>
+          <a:p>
+            <a:pPr algn="ctr"/>
+            <a:r>
+              <a:rPr lang="en-US" altLang="ko-KR" dirty="0" smtClean="0"/>
+              <a:t>method</a:t>
+            </a:r>
+            <a:endParaRPr lang="ko-KR" altLang="en-US" dirty="0"/>
+          </a:p>
+        </p:txBody>
+      </p:sp>
+      <p:sp>
+        <p:nvSpPr>
+          <p:cNvPr id="10" name="직사각형 9"/>
+          <p:cNvSpPr/>
+          <p:nvPr/>
+        </p:nvSpPr>
+        <p:spPr>
+          <a:xfrm>
+            <a:off x="3671918" y="3582260"/>
+            <a:ext cx="3124138" cy="838398"/>
+          </a:xfrm>
+          <a:prstGeom prst="rect">
+            <a:avLst/>
+          </a:prstGeom>
+        </p:spPr>
+        <p:style>
+          <a:lnRef idx="2">
+            <a:schemeClr val="accent1">
+              <a:shade val="50000"/>
+            </a:schemeClr>
+          </a:lnRef>
+          <a:fillRef idx="1">
+            <a:schemeClr val="accent1"/>
+          </a:fillRef>
+          <a:effectRef idx="0">
+            <a:schemeClr val="accent1"/>
+          </a:effectRef>
+          <a:fontRef idx="minor">
+            <a:schemeClr val="lt1"/>
+          </a:fontRef>
+        </p:style>
+        <p:txBody>
+          <a:bodyPr rtlCol="0" anchor="ctr"/>
+          <a:lstStyle/>
+          <a:p>
+            <a:pPr algn="ctr"/>
+            <a:r>
+              <a:rPr lang="en-US" altLang="ko-KR" dirty="0" smtClean="0"/>
+              <a:t>event</a:t>
+            </a:r>
+            <a:endParaRPr lang="ko-KR" altLang="en-US" dirty="0"/>
+          </a:p>
+        </p:txBody>
+      </p:sp>
+      <p:sp>
+        <p:nvSpPr>
+          <p:cNvPr id="11" name="TextBox 10"/>
+          <p:cNvSpPr txBox="1"/>
+          <p:nvPr/>
+        </p:nvSpPr>
+        <p:spPr>
+          <a:xfrm>
+            <a:off x="7841795" y="1620211"/>
+            <a:ext cx="2053639" cy="369332"/>
+          </a:xfrm>
+          <a:prstGeom prst="rect">
+            <a:avLst/>
+          </a:prstGeom>
+          <a:noFill/>
+        </p:spPr>
+        <p:txBody>
+          <a:bodyPr wrap="none" rtlCol="0">
+            <a:spAutoFit/>
+          </a:bodyPr>
+          <a:lstStyle/>
+          <a:p>
+            <a:r>
+              <a:rPr lang="en-US" altLang="ko-KR" dirty="0" err="1" smtClean="0"/>
+              <a:t>request_controller</a:t>
+            </a:r>
+            <a:endParaRPr lang="ko-KR" altLang="en-US" dirty="0"/>
+          </a:p>
+        </p:txBody>
+      </p:sp>
+      <p:sp>
+        <p:nvSpPr>
+          <p:cNvPr id="12" name="직사각형 11"/>
+          <p:cNvSpPr/>
+          <p:nvPr/>
+        </p:nvSpPr>
+        <p:spPr>
+          <a:xfrm>
+            <a:off x="496660" y="1233967"/>
+            <a:ext cx="861981" cy="4845703"/>
+          </a:xfrm>
+          <a:prstGeom prst="rect">
+            <a:avLst/>
+          </a:prstGeom>
+          <a:solidFill>
+            <a:schemeClr val="bg1">
+              <a:lumMod val="95000"/>
+            </a:schemeClr>
+          </a:solidFill>
+          <a:ln w="6350">
+            <a:solidFill>
+              <a:schemeClr val="bg1">
+                <a:lumMod val="50000"/>
+              </a:schemeClr>
+            </a:solidFill>
+          </a:ln>
+        </p:spPr>
+        <p:style>
+          <a:lnRef idx="2">
+            <a:schemeClr val="accent3">
+              <a:shade val="50000"/>
+            </a:schemeClr>
+          </a:lnRef>
+          <a:fillRef idx="1">
+            <a:schemeClr val="accent3"/>
+          </a:fillRef>
+          <a:effectRef idx="0">
+            <a:schemeClr val="accent3"/>
+          </a:effectRef>
+          <a:fontRef idx="minor">
+            <a:schemeClr val="lt1"/>
+          </a:fontRef>
+        </p:style>
+        <p:txBody>
+          <a:bodyPr rtlCol="0" anchor="ctr"/>
+          <a:lstStyle/>
+          <a:p>
+            <a:pPr algn="ctr"/>
+            <a:endParaRPr lang="ko-KR" altLang="en-US"/>
+          </a:p>
+        </p:txBody>
+      </p:sp>
+      <p:sp>
+        <p:nvSpPr>
+          <p:cNvPr id="13" name="직사각형 12"/>
+          <p:cNvSpPr/>
+          <p:nvPr/>
+        </p:nvSpPr>
+        <p:spPr>
+          <a:xfrm>
+            <a:off x="10647944" y="1233967"/>
+            <a:ext cx="861981" cy="4845703"/>
+          </a:xfrm>
+          <a:prstGeom prst="rect">
+            <a:avLst/>
+          </a:prstGeom>
+          <a:solidFill>
+            <a:schemeClr val="bg1">
+              <a:lumMod val="95000"/>
+            </a:schemeClr>
+          </a:solidFill>
+          <a:ln w="6350">
+            <a:solidFill>
+              <a:schemeClr val="bg1">
+                <a:lumMod val="50000"/>
+              </a:schemeClr>
+            </a:solidFill>
+          </a:ln>
+        </p:spPr>
+        <p:style>
+          <a:lnRef idx="2">
+            <a:schemeClr val="accent3">
+              <a:shade val="50000"/>
+            </a:schemeClr>
+          </a:lnRef>
+          <a:fillRef idx="1">
+            <a:schemeClr val="accent3"/>
+          </a:fillRef>
+          <a:effectRef idx="0">
+            <a:schemeClr val="accent3"/>
+          </a:effectRef>
+          <a:fontRef idx="minor">
+            <a:schemeClr val="lt1"/>
+          </a:fontRef>
+        </p:style>
+        <p:txBody>
+          <a:bodyPr rtlCol="0" anchor="ctr"/>
+          <a:lstStyle/>
+          <a:p>
+            <a:pPr algn="ctr"/>
+            <a:endParaRPr lang="ko-KR" altLang="en-US"/>
+          </a:p>
+        </p:txBody>
+      </p:sp>
+      <p:sp>
+        <p:nvSpPr>
+          <p:cNvPr id="14" name="TextBox 13"/>
+          <p:cNvSpPr txBox="1"/>
+          <p:nvPr/>
+        </p:nvSpPr>
+        <p:spPr>
+          <a:xfrm>
+            <a:off x="10230817" y="895932"/>
+            <a:ext cx="2035429" cy="369332"/>
+          </a:xfrm>
+          <a:prstGeom prst="rect">
+            <a:avLst/>
+          </a:prstGeom>
+          <a:noFill/>
+        </p:spPr>
+        <p:txBody>
+          <a:bodyPr wrap="none" rtlCol="0">
+            <a:spAutoFit/>
+          </a:bodyPr>
+          <a:lstStyle/>
+          <a:p>
+            <a:r>
+              <a:rPr lang="en-US" altLang="ko-KR" dirty="0" err="1" smtClean="0"/>
+              <a:t>Kiwoom</a:t>
+            </a:r>
+            <a:r>
+              <a:rPr lang="en-US" altLang="ko-KR" dirty="0" smtClean="0"/>
+              <a:t> open </a:t>
+            </a:r>
+            <a:r>
+              <a:rPr lang="en-US" altLang="ko-KR" dirty="0" err="1" smtClean="0"/>
+              <a:t>api</a:t>
+            </a:r>
+            <a:endParaRPr lang="ko-KR" altLang="en-US" dirty="0"/>
+          </a:p>
+        </p:txBody>
+      </p:sp>
+      <p:sp>
+        <p:nvSpPr>
+          <p:cNvPr id="15" name="TextBox 14"/>
+          <p:cNvSpPr txBox="1"/>
+          <p:nvPr/>
+        </p:nvSpPr>
+        <p:spPr>
+          <a:xfrm>
+            <a:off x="274280" y="895932"/>
+            <a:ext cx="1361270" cy="369332"/>
+          </a:xfrm>
+          <a:prstGeom prst="rect">
+            <a:avLst/>
+          </a:prstGeom>
+          <a:noFill/>
+        </p:spPr>
+        <p:txBody>
+          <a:bodyPr wrap="none" rtlCol="0">
+            <a:spAutoFit/>
+          </a:bodyPr>
+          <a:lstStyle/>
+          <a:p>
+            <a:r>
+              <a:rPr lang="en-US" altLang="ko-KR" dirty="0" smtClean="0"/>
+              <a:t>Application</a:t>
+            </a:r>
+            <a:endParaRPr lang="ko-KR" altLang="en-US" dirty="0"/>
+          </a:p>
+        </p:txBody>
+      </p:sp>
+      <p:sp>
+        <p:nvSpPr>
+          <p:cNvPr id="16" name="TextBox 15"/>
+          <p:cNvSpPr txBox="1"/>
+          <p:nvPr/>
+        </p:nvSpPr>
+        <p:spPr>
+          <a:xfrm>
+            <a:off x="1966952" y="895932"/>
+            <a:ext cx="1006301" cy="369332"/>
+          </a:xfrm>
+          <a:prstGeom prst="rect">
+            <a:avLst/>
+          </a:prstGeom>
+          <a:noFill/>
+        </p:spPr>
+        <p:txBody>
+          <a:bodyPr wrap="none" rtlCol="0">
+            <a:spAutoFit/>
+          </a:bodyPr>
+          <a:lstStyle/>
+          <a:p>
+            <a:r>
+              <a:rPr lang="en-US" altLang="ko-KR" dirty="0" err="1" smtClean="0"/>
+              <a:t>kiwoom</a:t>
+            </a:r>
+            <a:endParaRPr lang="ko-KR" altLang="en-US" dirty="0"/>
+          </a:p>
+        </p:txBody>
+      </p:sp>
+      <p:cxnSp>
+        <p:nvCxnSpPr>
+          <p:cNvPr id="26" name="직선 화살표 연결선 25"/>
+          <p:cNvCxnSpPr/>
+          <p:nvPr/>
+        </p:nvCxnSpPr>
+        <p:spPr>
+          <a:xfrm>
+            <a:off x="3276600" y="4610100"/>
+            <a:ext cx="0" cy="513959"/>
+          </a:xfrm>
+          <a:prstGeom prst="straightConnector1">
+            <a:avLst/>
+          </a:prstGeom>
+          <a:ln>
+            <a:headEnd type="triangle"/>
+            <a:tailEnd type="triangle"/>
+          </a:ln>
+        </p:spPr>
+        <p:style>
+          <a:lnRef idx="1">
+            <a:schemeClr val="accent1"/>
+          </a:lnRef>
+          <a:fillRef idx="0">
+            <a:schemeClr val="accent1"/>
+          </a:fillRef>
+          <a:effectRef idx="0">
+            <a:schemeClr val="accent1"/>
+          </a:effectRef>
+          <a:fontRef idx="minor">
+            <a:schemeClr val="tx1"/>
+          </a:fontRef>
+        </p:style>
+      </p:cxnSp>
+      <p:cxnSp>
+        <p:nvCxnSpPr>
+          <p:cNvPr id="27" name="직선 화살표 연결선 26"/>
+          <p:cNvCxnSpPr/>
+          <p:nvPr/>
+        </p:nvCxnSpPr>
+        <p:spPr>
+          <a:xfrm>
+            <a:off x="6796056" y="2873137"/>
+            <a:ext cx="1919319" cy="0"/>
+          </a:xfrm>
+          <a:prstGeom prst="straightConnector1">
+            <a:avLst/>
+          </a:prstGeom>
+          <a:ln>
+            <a:tailEnd type="triangle"/>
+          </a:ln>
+        </p:spPr>
+        <p:style>
+          <a:lnRef idx="1">
+            <a:schemeClr val="accent1"/>
+          </a:lnRef>
+          <a:fillRef idx="0">
+            <a:schemeClr val="accent1"/>
+          </a:fillRef>
+          <a:effectRef idx="0">
+            <a:schemeClr val="accent1"/>
+          </a:effectRef>
+          <a:fontRef idx="minor">
+            <a:schemeClr val="tx1"/>
+          </a:fontRef>
+        </p:style>
+      </p:cxnSp>
+      <p:cxnSp>
+        <p:nvCxnSpPr>
+          <p:cNvPr id="29" name="직선 화살표 연결선 28"/>
+          <p:cNvCxnSpPr/>
+          <p:nvPr/>
+        </p:nvCxnSpPr>
+        <p:spPr>
+          <a:xfrm flipH="1">
+            <a:off x="6796056" y="3133725"/>
+            <a:ext cx="1919319" cy="0"/>
+          </a:xfrm>
+          <a:prstGeom prst="straightConnector1">
+            <a:avLst/>
+          </a:prstGeom>
+          <a:ln>
+            <a:tailEnd type="triangle"/>
+          </a:ln>
+        </p:spPr>
+        <p:style>
+          <a:lnRef idx="1">
+            <a:schemeClr val="accent1"/>
+          </a:lnRef>
+          <a:fillRef idx="0">
+            <a:schemeClr val="accent1"/>
+          </a:fillRef>
+          <a:effectRef idx="0">
+            <a:schemeClr val="accent1"/>
+          </a:effectRef>
+          <a:fontRef idx="minor">
+            <a:schemeClr val="tx1"/>
+          </a:fontRef>
+        </p:style>
+      </p:cxnSp>
+      <p:cxnSp>
+        <p:nvCxnSpPr>
+          <p:cNvPr id="31" name="직선 화살표 연결선 30"/>
+          <p:cNvCxnSpPr/>
+          <p:nvPr/>
+        </p:nvCxnSpPr>
+        <p:spPr>
+          <a:xfrm>
+            <a:off x="6796056" y="3873262"/>
+            <a:ext cx="1919319" cy="0"/>
+          </a:xfrm>
+          <a:prstGeom prst="straightConnector1">
+            <a:avLst/>
+          </a:prstGeom>
+          <a:ln>
+            <a:tailEnd type="triangle"/>
+          </a:ln>
+        </p:spPr>
+        <p:style>
+          <a:lnRef idx="1">
+            <a:schemeClr val="accent1"/>
+          </a:lnRef>
+          <a:fillRef idx="0">
+            <a:schemeClr val="accent1"/>
+          </a:fillRef>
+          <a:effectRef idx="0">
+            <a:schemeClr val="accent1"/>
+          </a:effectRef>
+          <a:fontRef idx="minor">
+            <a:schemeClr val="tx1"/>
+          </a:fontRef>
+        </p:style>
+      </p:cxnSp>
+      <p:cxnSp>
+        <p:nvCxnSpPr>
+          <p:cNvPr id="32" name="직선 화살표 연결선 31"/>
+          <p:cNvCxnSpPr/>
+          <p:nvPr/>
+        </p:nvCxnSpPr>
+        <p:spPr>
+          <a:xfrm flipH="1">
+            <a:off x="6796056" y="4133850"/>
+            <a:ext cx="1919319" cy="0"/>
+          </a:xfrm>
+          <a:prstGeom prst="straightConnector1">
+            <a:avLst/>
+          </a:prstGeom>
+          <a:ln>
+            <a:tailEnd type="triangle"/>
+          </a:ln>
+        </p:spPr>
+        <p:style>
+          <a:lnRef idx="1">
+            <a:schemeClr val="accent1"/>
+          </a:lnRef>
+          <a:fillRef idx="0">
+            <a:schemeClr val="accent1"/>
+          </a:fillRef>
+          <a:effectRef idx="0">
+            <a:schemeClr val="accent1"/>
+          </a:effectRef>
+          <a:fontRef idx="minor">
+            <a:schemeClr val="tx1"/>
+          </a:fontRef>
+        </p:style>
+      </p:cxnSp>
+      <p:cxnSp>
+        <p:nvCxnSpPr>
+          <p:cNvPr id="34" name="직선 화살표 연결선 33"/>
+          <p:cNvCxnSpPr>
+            <a:stCxn id="7" idx="3"/>
+          </p:cNvCxnSpPr>
+          <p:nvPr/>
+        </p:nvCxnSpPr>
+        <p:spPr>
+          <a:xfrm flipV="1">
+            <a:off x="9362069" y="3309937"/>
+            <a:ext cx="1285875" cy="1"/>
+          </a:xfrm>
+          <a:prstGeom prst="straightConnector1">
+            <a:avLst/>
+          </a:prstGeom>
+          <a:ln>
+            <a:headEnd type="triangle"/>
+            <a:tailEnd type="triangle"/>
+          </a:ln>
+        </p:spPr>
+        <p:style>
+          <a:lnRef idx="1">
+            <a:schemeClr val="accent1"/>
+          </a:lnRef>
+          <a:fillRef idx="0">
+            <a:schemeClr val="accent1"/>
+          </a:fillRef>
+          <a:effectRef idx="0">
+            <a:schemeClr val="accent1"/>
+          </a:effectRef>
+          <a:fontRef idx="minor">
+            <a:schemeClr val="tx1"/>
+          </a:fontRef>
+        </p:style>
+      </p:cxnSp>
+      <p:sp>
+        <p:nvSpPr>
+          <p:cNvPr id="35" name="직사각형 34"/>
+          <p:cNvSpPr/>
+          <p:nvPr/>
+        </p:nvSpPr>
+        <p:spPr>
+          <a:xfrm>
+            <a:off x="4370647" y="5124059"/>
+            <a:ext cx="1828770" cy="536901"/>
+          </a:xfrm>
+          <a:prstGeom prst="rect">
+            <a:avLst/>
+          </a:prstGeom>
+        </p:spPr>
+        <p:style>
+          <a:lnRef idx="2">
+            <a:schemeClr val="accent1">
+              <a:shade val="50000"/>
+            </a:schemeClr>
+          </a:lnRef>
+          <a:fillRef idx="1">
+            <a:schemeClr val="accent1"/>
+          </a:fillRef>
+          <a:effectRef idx="0">
+            <a:schemeClr val="accent1"/>
+          </a:effectRef>
+          <a:fontRef idx="minor">
+            <a:schemeClr val="lt1"/>
+          </a:fontRef>
+        </p:style>
+        <p:txBody>
+          <a:bodyPr rtlCol="0" anchor="ctr"/>
+          <a:lstStyle/>
+          <a:p>
+            <a:pPr algn="ctr"/>
+            <a:r>
+              <a:rPr lang="en-US" altLang="ko-KR" dirty="0" smtClean="0"/>
+              <a:t>account</a:t>
+            </a:r>
+            <a:endParaRPr lang="ko-KR" altLang="en-US" dirty="0"/>
+          </a:p>
+        </p:txBody>
+      </p:sp>
+      <p:sp>
+        <p:nvSpPr>
+          <p:cNvPr id="36" name="직사각형 35"/>
+          <p:cNvSpPr/>
+          <p:nvPr/>
+        </p:nvSpPr>
+        <p:spPr>
+          <a:xfrm>
+            <a:off x="1992083" y="2009775"/>
+            <a:ext cx="258178" cy="2600325"/>
+          </a:xfrm>
+          <a:prstGeom prst="rect">
+            <a:avLst/>
+          </a:prstGeom>
+        </p:spPr>
+        <p:style>
+          <a:lnRef idx="2">
+            <a:schemeClr val="accent1">
+              <a:shade val="50000"/>
+            </a:schemeClr>
+          </a:lnRef>
+          <a:fillRef idx="1">
+            <a:schemeClr val="accent1"/>
+          </a:fillRef>
+          <a:effectRef idx="0">
+            <a:schemeClr val="accent1"/>
+          </a:effectRef>
+          <a:fontRef idx="minor">
+            <a:schemeClr val="lt1"/>
+          </a:fontRef>
+        </p:style>
+        <p:txBody>
+          <a:bodyPr rtlCol="0" anchor="ctr"/>
+          <a:lstStyle/>
+          <a:p>
+            <a:pPr algn="ctr"/>
+            <a:endParaRPr lang="ko-KR" altLang="en-US"/>
+          </a:p>
+        </p:txBody>
+      </p:sp>
+      <p:sp>
+        <p:nvSpPr>
+          <p:cNvPr id="37" name="TextBox 36"/>
+          <p:cNvSpPr txBox="1"/>
+          <p:nvPr/>
+        </p:nvSpPr>
+        <p:spPr>
+          <a:xfrm>
+            <a:off x="1973429" y="1620211"/>
+            <a:ext cx="498855" cy="369332"/>
+          </a:xfrm>
+          <a:prstGeom prst="rect">
+            <a:avLst/>
+          </a:prstGeom>
+          <a:noFill/>
+        </p:spPr>
+        <p:txBody>
+          <a:bodyPr wrap="none" rtlCol="0">
+            <a:spAutoFit/>
+          </a:bodyPr>
+          <a:lstStyle/>
+          <a:p>
+            <a:r>
+              <a:rPr lang="en-US" altLang="ko-KR" dirty="0" err="1" smtClean="0"/>
+              <a:t>api</a:t>
+            </a:r>
+            <a:endParaRPr lang="ko-KR" altLang="en-US" dirty="0"/>
+          </a:p>
+        </p:txBody>
+      </p:sp>
+      <p:cxnSp>
+        <p:nvCxnSpPr>
+          <p:cNvPr id="41" name="직선 화살표 연결선 40"/>
+          <p:cNvCxnSpPr/>
+          <p:nvPr/>
+        </p:nvCxnSpPr>
+        <p:spPr>
+          <a:xfrm>
+            <a:off x="1358641" y="2667000"/>
+            <a:ext cx="633442" cy="0"/>
+          </a:xfrm>
+          <a:prstGeom prst="straightConnector1">
+            <a:avLst/>
+          </a:prstGeom>
+          <a:ln>
+            <a:tailEnd type="triangle"/>
+          </a:ln>
+        </p:spPr>
+        <p:style>
+          <a:lnRef idx="1">
+            <a:schemeClr val="accent1"/>
+          </a:lnRef>
+          <a:fillRef idx="0">
+            <a:schemeClr val="accent1"/>
+          </a:fillRef>
+          <a:effectRef idx="0">
+            <a:schemeClr val="accent1"/>
+          </a:effectRef>
+          <a:fontRef idx="minor">
+            <a:schemeClr val="tx1"/>
+          </a:fontRef>
+        </p:style>
+      </p:cxnSp>
+      <p:cxnSp>
+        <p:nvCxnSpPr>
+          <p:cNvPr id="42" name="직선 화살표 연결선 41"/>
+          <p:cNvCxnSpPr/>
+          <p:nvPr/>
+        </p:nvCxnSpPr>
+        <p:spPr>
+          <a:xfrm>
+            <a:off x="2266981" y="2667000"/>
+            <a:ext cx="771494" cy="0"/>
+          </a:xfrm>
+          <a:prstGeom prst="straightConnector1">
+            <a:avLst/>
+          </a:prstGeom>
+          <a:ln>
+            <a:tailEnd type="triangle"/>
+          </a:ln>
+        </p:spPr>
+        <p:style>
+          <a:lnRef idx="1">
+            <a:schemeClr val="accent1"/>
+          </a:lnRef>
+          <a:fillRef idx="0">
+            <a:schemeClr val="accent1"/>
+          </a:fillRef>
+          <a:effectRef idx="0">
+            <a:schemeClr val="accent1"/>
+          </a:effectRef>
+          <a:fontRef idx="minor">
+            <a:schemeClr val="tx1"/>
+          </a:fontRef>
+        </p:style>
+      </p:cxnSp>
+      <p:cxnSp>
+        <p:nvCxnSpPr>
+          <p:cNvPr id="44" name="직선 화살표 연결선 43"/>
+          <p:cNvCxnSpPr/>
+          <p:nvPr/>
+        </p:nvCxnSpPr>
+        <p:spPr>
+          <a:xfrm flipH="1">
+            <a:off x="2250261" y="2968387"/>
+            <a:ext cx="788216" cy="0"/>
+          </a:xfrm>
+          <a:prstGeom prst="straightConnector1">
+            <a:avLst/>
+          </a:prstGeom>
+          <a:ln>
+            <a:tailEnd type="triangle"/>
+          </a:ln>
+        </p:spPr>
+        <p:style>
+          <a:lnRef idx="1">
+            <a:schemeClr val="accent1"/>
+          </a:lnRef>
+          <a:fillRef idx="0">
+            <a:schemeClr val="accent1"/>
+          </a:fillRef>
+          <a:effectRef idx="0">
+            <a:schemeClr val="accent1"/>
+          </a:effectRef>
+          <a:fontRef idx="minor">
+            <a:schemeClr val="tx1"/>
+          </a:fontRef>
+        </p:style>
+      </p:cxnSp>
+      <p:cxnSp>
+        <p:nvCxnSpPr>
+          <p:cNvPr id="46" name="직선 화살표 연결선 45"/>
+          <p:cNvCxnSpPr/>
+          <p:nvPr/>
+        </p:nvCxnSpPr>
+        <p:spPr>
+          <a:xfrm flipH="1">
+            <a:off x="1358643" y="2968387"/>
+            <a:ext cx="633440" cy="0"/>
+          </a:xfrm>
+          <a:prstGeom prst="straightConnector1">
+            <a:avLst/>
+          </a:prstGeom>
+          <a:ln>
+            <a:tailEnd type="triangle"/>
+          </a:ln>
+        </p:spPr>
+        <p:style>
+          <a:lnRef idx="1">
+            <a:schemeClr val="accent1"/>
+          </a:lnRef>
+          <a:fillRef idx="0">
+            <a:schemeClr val="accent1"/>
+          </a:fillRef>
+          <a:effectRef idx="0">
+            <a:schemeClr val="accent1"/>
+          </a:effectRef>
+          <a:fontRef idx="minor">
+            <a:schemeClr val="tx1"/>
+          </a:fontRef>
+        </p:style>
+      </p:cxnSp>
+      <p:cxnSp>
+        <p:nvCxnSpPr>
+          <p:cNvPr id="49" name="직선 화살표 연결선 48"/>
+          <p:cNvCxnSpPr/>
+          <p:nvPr/>
+        </p:nvCxnSpPr>
+        <p:spPr>
+          <a:xfrm>
+            <a:off x="5233987" y="4610100"/>
+            <a:ext cx="0" cy="513959"/>
+          </a:xfrm>
+          <a:prstGeom prst="straightConnector1">
+            <a:avLst/>
+          </a:prstGeom>
+          <a:ln>
+            <a:headEnd type="triangle"/>
+            <a:tailEnd type="triangle"/>
+          </a:ln>
+        </p:spPr>
+        <p:style>
+          <a:lnRef idx="1">
+            <a:schemeClr val="accent1"/>
+          </a:lnRef>
+          <a:fillRef idx="0">
+            <a:schemeClr val="accent1"/>
+          </a:fillRef>
+          <a:effectRef idx="0">
+            <a:schemeClr val="accent1"/>
+          </a:effectRef>
+          <a:fontRef idx="minor">
+            <a:schemeClr val="tx1"/>
+          </a:fontRef>
+        </p:style>
+      </p:cxnSp>
+      <p:sp>
+        <p:nvSpPr>
+          <p:cNvPr id="50" name="직사각형 49"/>
+          <p:cNvSpPr/>
+          <p:nvPr/>
+        </p:nvSpPr>
+        <p:spPr>
+          <a:xfrm>
+            <a:off x="8715374" y="5124059"/>
+            <a:ext cx="646695" cy="536901"/>
+          </a:xfrm>
+          <a:prstGeom prst="rect">
+            <a:avLst/>
+          </a:prstGeom>
+        </p:spPr>
+        <p:style>
+          <a:lnRef idx="2">
+            <a:schemeClr val="accent1">
+              <a:shade val="50000"/>
+            </a:schemeClr>
+          </a:lnRef>
+          <a:fillRef idx="1">
+            <a:schemeClr val="accent1"/>
+          </a:fillRef>
+          <a:effectRef idx="0">
+            <a:schemeClr val="accent1"/>
+          </a:effectRef>
+          <a:fontRef idx="minor">
+            <a:schemeClr val="lt1"/>
+          </a:fontRef>
+        </p:style>
+        <p:txBody>
+          <a:bodyPr rtlCol="0" anchor="ctr"/>
+          <a:lstStyle/>
+          <a:p>
+            <a:pPr algn="ctr"/>
+            <a:r>
+              <a:rPr lang="en-US" altLang="ko-KR" dirty="0" err="1" smtClean="0"/>
+              <a:t>cfg</a:t>
+            </a:r>
+            <a:endParaRPr lang="ko-KR" altLang="en-US" dirty="0"/>
+          </a:p>
+        </p:txBody>
+      </p:sp>
+      <p:cxnSp>
+        <p:nvCxnSpPr>
+          <p:cNvPr id="53" name="직선 화살표 연결선 52"/>
+          <p:cNvCxnSpPr/>
+          <p:nvPr/>
+        </p:nvCxnSpPr>
+        <p:spPr>
+          <a:xfrm>
+            <a:off x="9053009" y="4610100"/>
+            <a:ext cx="0" cy="513959"/>
+          </a:xfrm>
+          <a:prstGeom prst="straightConnector1">
+            <a:avLst/>
+          </a:prstGeom>
+          <a:ln>
+            <a:headEnd type="triangle"/>
+            <a:tailEnd type="triangle"/>
+          </a:ln>
+        </p:spPr>
+        <p:style>
+          <a:lnRef idx="1">
+            <a:schemeClr val="accent1"/>
+          </a:lnRef>
+          <a:fillRef idx="0">
+            <a:schemeClr val="accent1"/>
+          </a:fillRef>
+          <a:effectRef idx="0">
+            <a:schemeClr val="accent1"/>
+          </a:effectRef>
+          <a:fontRef idx="minor">
+            <a:schemeClr val="tx1"/>
+          </a:fontRef>
+        </p:style>
+      </p:cxnSp>
+    </p:spTree>
+    <p:extLst>
+      <p:ext uri="{BB962C8B-B14F-4D97-AF65-F5344CB8AC3E}">
+        <p14:creationId xmlns:p14="http://schemas.microsoft.com/office/powerpoint/2010/main" val="8968034"/>
       </p:ext>
     </p:extLst>
   </p:cSld>

--- a/doc/TopTrader.pptx
+++ b/doc/TopTrader.pptx
@@ -13,6 +13,10 @@
     <p:sldId id="262" r:id="rId7"/>
     <p:sldId id="263" r:id="rId8"/>
     <p:sldId id="264" r:id="rId9"/>
+    <p:sldId id="265" r:id="rId10"/>
+    <p:sldId id="266" r:id="rId11"/>
+    <p:sldId id="268" r:id="rId12"/>
+    <p:sldId id="269" r:id="rId13"/>
   </p:sldIdLst>
   <p:sldSz cx="12192000" cy="6858000"/>
   <p:notesSz cx="6858000" cy="9144000"/>
@@ -250,7 +254,7 @@
           <a:p>
             <a:fld id="{6CA172D4-DF79-4B9B-8BC5-98EF4E94601A}" type="datetimeFigureOut">
               <a:rPr lang="ko-KR" altLang="en-US" smtClean="0"/>
-              <a:t>2018-06-25</a:t>
+              <a:t>2018-06-26</a:t>
             </a:fld>
             <a:endParaRPr lang="ko-KR" altLang="en-US"/>
           </a:p>
@@ -420,7 +424,7 @@
           <a:p>
             <a:fld id="{6CA172D4-DF79-4B9B-8BC5-98EF4E94601A}" type="datetimeFigureOut">
               <a:rPr lang="ko-KR" altLang="en-US" smtClean="0"/>
-              <a:t>2018-06-25</a:t>
+              <a:t>2018-06-26</a:t>
             </a:fld>
             <a:endParaRPr lang="ko-KR" altLang="en-US"/>
           </a:p>
@@ -600,7 +604,7 @@
           <a:p>
             <a:fld id="{6CA172D4-DF79-4B9B-8BC5-98EF4E94601A}" type="datetimeFigureOut">
               <a:rPr lang="ko-KR" altLang="en-US" smtClean="0"/>
-              <a:t>2018-06-25</a:t>
+              <a:t>2018-06-26</a:t>
             </a:fld>
             <a:endParaRPr lang="ko-KR" altLang="en-US"/>
           </a:p>
@@ -770,7 +774,7 @@
           <a:p>
             <a:fld id="{6CA172D4-DF79-4B9B-8BC5-98EF4E94601A}" type="datetimeFigureOut">
               <a:rPr lang="ko-KR" altLang="en-US" smtClean="0"/>
-              <a:t>2018-06-25</a:t>
+              <a:t>2018-06-26</a:t>
             </a:fld>
             <a:endParaRPr lang="ko-KR" altLang="en-US"/>
           </a:p>
@@ -1016,7 +1020,7 @@
           <a:p>
             <a:fld id="{6CA172D4-DF79-4B9B-8BC5-98EF4E94601A}" type="datetimeFigureOut">
               <a:rPr lang="ko-KR" altLang="en-US" smtClean="0"/>
-              <a:t>2018-06-25</a:t>
+              <a:t>2018-06-26</a:t>
             </a:fld>
             <a:endParaRPr lang="ko-KR" altLang="en-US"/>
           </a:p>
@@ -1248,7 +1252,7 @@
           <a:p>
             <a:fld id="{6CA172D4-DF79-4B9B-8BC5-98EF4E94601A}" type="datetimeFigureOut">
               <a:rPr lang="ko-KR" altLang="en-US" smtClean="0"/>
-              <a:t>2018-06-25</a:t>
+              <a:t>2018-06-26</a:t>
             </a:fld>
             <a:endParaRPr lang="ko-KR" altLang="en-US"/>
           </a:p>
@@ -1615,7 +1619,7 @@
           <a:p>
             <a:fld id="{6CA172D4-DF79-4B9B-8BC5-98EF4E94601A}" type="datetimeFigureOut">
               <a:rPr lang="ko-KR" altLang="en-US" smtClean="0"/>
-              <a:t>2018-06-25</a:t>
+              <a:t>2018-06-26</a:t>
             </a:fld>
             <a:endParaRPr lang="ko-KR" altLang="en-US"/>
           </a:p>
@@ -1733,7 +1737,7 @@
           <a:p>
             <a:fld id="{6CA172D4-DF79-4B9B-8BC5-98EF4E94601A}" type="datetimeFigureOut">
               <a:rPr lang="ko-KR" altLang="en-US" smtClean="0"/>
-              <a:t>2018-06-25</a:t>
+              <a:t>2018-06-26</a:t>
             </a:fld>
             <a:endParaRPr lang="ko-KR" altLang="en-US"/>
           </a:p>
@@ -1828,7 +1832,7 @@
           <a:p>
             <a:fld id="{6CA172D4-DF79-4B9B-8BC5-98EF4E94601A}" type="datetimeFigureOut">
               <a:rPr lang="ko-KR" altLang="en-US" smtClean="0"/>
-              <a:t>2018-06-25</a:t>
+              <a:t>2018-06-26</a:t>
             </a:fld>
             <a:endParaRPr lang="ko-KR" altLang="en-US"/>
           </a:p>
@@ -2105,7 +2109,7 @@
           <a:p>
             <a:fld id="{6CA172D4-DF79-4B9B-8BC5-98EF4E94601A}" type="datetimeFigureOut">
               <a:rPr lang="ko-KR" altLang="en-US" smtClean="0"/>
-              <a:t>2018-06-25</a:t>
+              <a:t>2018-06-26</a:t>
             </a:fld>
             <a:endParaRPr lang="ko-KR" altLang="en-US"/>
           </a:p>
@@ -2358,7 +2362,7 @@
           <a:p>
             <a:fld id="{6CA172D4-DF79-4B9B-8BC5-98EF4E94601A}" type="datetimeFigureOut">
               <a:rPr lang="ko-KR" altLang="en-US" smtClean="0"/>
-              <a:t>2018-06-25</a:t>
+              <a:t>2018-06-26</a:t>
             </a:fld>
             <a:endParaRPr lang="ko-KR" altLang="en-US"/>
           </a:p>
@@ -2571,7 +2575,7 @@
           <a:p>
             <a:fld id="{6CA172D4-DF79-4B9B-8BC5-98EF4E94601A}" type="datetimeFigureOut">
               <a:rPr lang="ko-KR" altLang="en-US" smtClean="0"/>
-              <a:t>2018-06-25</a:t>
+              <a:t>2018-06-26</a:t>
             </a:fld>
             <a:endParaRPr lang="ko-KR" altLang="en-US"/>
           </a:p>
@@ -6017,6 +6021,2299 @@
 </p:sld>
 </file>
 
+<file path=ppt/slides/slide10.xml><?xml version="1.0" encoding="utf-8"?>
+<p:sld xmlns:a="http://schemas.openxmlformats.org/drawingml/2006/main" xmlns:r="http://schemas.openxmlformats.org/officeDocument/2006/relationships" xmlns:p="http://schemas.openxmlformats.org/presentationml/2006/main">
+  <p:cSld>
+    <p:spTree>
+      <p:nvGrpSpPr>
+        <p:cNvPr id="1" name=""/>
+        <p:cNvGrpSpPr/>
+        <p:nvPr/>
+      </p:nvGrpSpPr>
+      <p:grpSpPr>
+        <a:xfrm>
+          <a:off x="0" y="0"/>
+          <a:ext cx="0" cy="0"/>
+          <a:chOff x="0" y="0"/>
+          <a:chExt cx="0" cy="0"/>
+        </a:xfrm>
+      </p:grpSpPr>
+      <p:sp>
+        <p:nvSpPr>
+          <p:cNvPr id="4" name="직사각형 3"/>
+          <p:cNvSpPr/>
+          <p:nvPr/>
+        </p:nvSpPr>
+        <p:spPr>
+          <a:xfrm>
+            <a:off x="543697" y="340977"/>
+            <a:ext cx="11182865" cy="3970318"/>
+          </a:xfrm>
+          <a:prstGeom prst="rect">
+            <a:avLst/>
+          </a:prstGeom>
+        </p:spPr>
+        <p:txBody>
+          <a:bodyPr wrap="square">
+            <a:spAutoFit/>
+          </a:bodyPr>
+          <a:lstStyle/>
+          <a:p>
+            <a:r>
+              <a:rPr lang="en-US" altLang="ko-KR" dirty="0">
+                <a:solidFill>
+                  <a:srgbClr val="000000"/>
+                </a:solidFill>
+                <a:latin typeface="Daki"/>
+              </a:rPr>
+              <a:t>24 	BSTR 	</a:t>
+            </a:r>
+            <a:r>
+              <a:rPr lang="en-US" altLang="ko-KR" dirty="0" err="1">
+                <a:solidFill>
+                  <a:srgbClr val="FF0000"/>
+                </a:solidFill>
+                <a:latin typeface="Daki"/>
+              </a:rPr>
+              <a:t>GetCommData</a:t>
+            </a:r>
+            <a:r>
+              <a:rPr lang="en-US" altLang="ko-KR" dirty="0">
+                <a:solidFill>
+                  <a:srgbClr val="000000"/>
+                </a:solidFill>
+                <a:latin typeface="Daki"/>
+              </a:rPr>
+              <a:t> 	</a:t>
+            </a:r>
+            <a:r>
+              <a:rPr lang="ko-KR" altLang="en-US" dirty="0">
+                <a:solidFill>
+                  <a:srgbClr val="000000"/>
+                </a:solidFill>
+                <a:latin typeface="Daki"/>
+              </a:rPr>
+              <a:t>수신 데이터를 반환한다</a:t>
+            </a:r>
+            <a:r>
+              <a:rPr lang="en-US" altLang="ko-KR" dirty="0">
+                <a:solidFill>
+                  <a:srgbClr val="000000"/>
+                </a:solidFill>
+                <a:latin typeface="Daki"/>
+              </a:rPr>
+              <a:t>. 	</a:t>
+            </a:r>
+          </a:p>
+          <a:p>
+            <a:r>
+              <a:rPr lang="en-US" altLang="ko-KR" dirty="0">
+                <a:solidFill>
+                  <a:srgbClr val="000000"/>
+                </a:solidFill>
+                <a:latin typeface="Daki"/>
+              </a:rPr>
+              <a:t>25 	BSTR 	</a:t>
+            </a:r>
+            <a:r>
+              <a:rPr lang="en-US" altLang="ko-KR" dirty="0" err="1">
+                <a:solidFill>
+                  <a:srgbClr val="000000"/>
+                </a:solidFill>
+                <a:latin typeface="Daki"/>
+              </a:rPr>
+              <a:t>GetCommRealData</a:t>
+            </a:r>
+            <a:r>
+              <a:rPr lang="en-US" altLang="ko-KR" dirty="0">
+                <a:solidFill>
+                  <a:srgbClr val="000000"/>
+                </a:solidFill>
+                <a:latin typeface="Daki"/>
+              </a:rPr>
+              <a:t> 	</a:t>
+            </a:r>
+            <a:r>
+              <a:rPr lang="ko-KR" altLang="en-US" dirty="0">
+                <a:solidFill>
+                  <a:srgbClr val="000000"/>
+                </a:solidFill>
+                <a:latin typeface="Daki"/>
+              </a:rPr>
+              <a:t>실시간 데이터를 반환한다</a:t>
+            </a:r>
+            <a:r>
+              <a:rPr lang="en-US" altLang="ko-KR" dirty="0">
+                <a:solidFill>
+                  <a:srgbClr val="000000"/>
+                </a:solidFill>
+                <a:latin typeface="Daki"/>
+              </a:rPr>
+              <a:t>. 	</a:t>
+            </a:r>
+          </a:p>
+          <a:p>
+            <a:r>
+              <a:rPr lang="en-US" altLang="ko-KR" dirty="0">
+                <a:solidFill>
+                  <a:srgbClr val="000000"/>
+                </a:solidFill>
+                <a:latin typeface="Daki"/>
+              </a:rPr>
+              <a:t>26 	BSTR 	</a:t>
+            </a:r>
+            <a:r>
+              <a:rPr lang="en-US" altLang="ko-KR" dirty="0" err="1">
+                <a:solidFill>
+                  <a:srgbClr val="000000"/>
+                </a:solidFill>
+                <a:latin typeface="Daki"/>
+              </a:rPr>
+              <a:t>GetChejanData</a:t>
+            </a:r>
+            <a:r>
+              <a:rPr lang="en-US" altLang="ko-KR" dirty="0">
+                <a:solidFill>
+                  <a:srgbClr val="000000"/>
+                </a:solidFill>
+                <a:latin typeface="Daki"/>
+              </a:rPr>
+              <a:t> </a:t>
+            </a:r>
+            <a:r>
+              <a:rPr lang="ko-KR" altLang="en-US" dirty="0">
+                <a:solidFill>
+                  <a:srgbClr val="000000"/>
+                </a:solidFill>
+                <a:latin typeface="맑은 고딕" panose="020B0503020000020004" pitchFamily="50" charset="-127"/>
+              </a:rPr>
+              <a:t>	</a:t>
+            </a:r>
+            <a:r>
+              <a:rPr lang="ko-KR" altLang="en-US" dirty="0" err="1">
+                <a:solidFill>
+                  <a:srgbClr val="000000"/>
+                </a:solidFill>
+                <a:latin typeface="Daki"/>
+              </a:rPr>
+              <a:t>체결잔고</a:t>
+            </a:r>
+            <a:r>
+              <a:rPr lang="ko-KR" altLang="en-US" dirty="0">
+                <a:solidFill>
+                  <a:srgbClr val="000000"/>
+                </a:solidFill>
+                <a:latin typeface="Daki"/>
+              </a:rPr>
+              <a:t> 데이터를 반환한다</a:t>
+            </a:r>
+            <a:r>
+              <a:rPr lang="en-US" altLang="ko-KR" dirty="0">
+                <a:solidFill>
+                  <a:srgbClr val="000000"/>
+                </a:solidFill>
+                <a:latin typeface="Daki"/>
+              </a:rPr>
+              <a:t>. 	</a:t>
+            </a:r>
+          </a:p>
+          <a:p>
+            <a:r>
+              <a:rPr lang="en-US" altLang="ko-KR" dirty="0">
+                <a:solidFill>
+                  <a:srgbClr val="000000"/>
+                </a:solidFill>
+                <a:latin typeface="Daki"/>
+              </a:rPr>
+              <a:t>27 	BSTR 	</a:t>
+            </a:r>
+            <a:r>
+              <a:rPr lang="en-US" altLang="ko-KR" dirty="0" err="1">
+                <a:solidFill>
+                  <a:srgbClr val="FF0000"/>
+                </a:solidFill>
+                <a:latin typeface="Daki"/>
+              </a:rPr>
+              <a:t>GetThemeGroupList</a:t>
+            </a:r>
+            <a:r>
+              <a:rPr lang="en-US" altLang="ko-KR" dirty="0">
+                <a:solidFill>
+                  <a:srgbClr val="000000"/>
+                </a:solidFill>
+                <a:latin typeface="Daki"/>
+              </a:rPr>
+              <a:t> 	</a:t>
+            </a:r>
+            <a:r>
+              <a:rPr lang="ko-KR" altLang="en-US" dirty="0">
+                <a:solidFill>
+                  <a:srgbClr val="000000"/>
+                </a:solidFill>
+                <a:latin typeface="Daki"/>
+              </a:rPr>
+              <a:t>테마 코드와 그룹의 리스트를 반환한다</a:t>
+            </a:r>
+            <a:r>
+              <a:rPr lang="en-US" altLang="ko-KR" dirty="0">
+                <a:solidFill>
+                  <a:srgbClr val="000000"/>
+                </a:solidFill>
+                <a:latin typeface="Daki"/>
+              </a:rPr>
+              <a:t>. 	</a:t>
+            </a:r>
+          </a:p>
+          <a:p>
+            <a:r>
+              <a:rPr lang="en-US" altLang="ko-KR" dirty="0" smtClean="0">
+                <a:solidFill>
+                  <a:srgbClr val="000000"/>
+                </a:solidFill>
+                <a:latin typeface="Daki"/>
+              </a:rPr>
+              <a:t>28 	BSTR </a:t>
+            </a:r>
+            <a:r>
+              <a:rPr lang="en-US" altLang="ko-KR" dirty="0">
+                <a:solidFill>
+                  <a:srgbClr val="000000"/>
+                </a:solidFill>
+                <a:latin typeface="Daki"/>
+              </a:rPr>
+              <a:t>	</a:t>
+            </a:r>
+            <a:r>
+              <a:rPr lang="en-US" altLang="ko-KR" dirty="0" err="1">
+                <a:solidFill>
+                  <a:srgbClr val="FF0000"/>
+                </a:solidFill>
+                <a:latin typeface="Daki"/>
+              </a:rPr>
+              <a:t>GetThemeGroupCode</a:t>
+            </a:r>
+            <a:r>
+              <a:rPr lang="en-US" altLang="ko-KR" dirty="0">
+                <a:solidFill>
+                  <a:srgbClr val="000000"/>
+                </a:solidFill>
+                <a:latin typeface="Daki"/>
+              </a:rPr>
+              <a:t> 	</a:t>
+            </a:r>
+            <a:r>
+              <a:rPr lang="ko-KR" altLang="en-US" dirty="0" err="1">
+                <a:solidFill>
+                  <a:srgbClr val="000000"/>
+                </a:solidFill>
+                <a:latin typeface="Daki"/>
+              </a:rPr>
+              <a:t>테마코드에</a:t>
+            </a:r>
+            <a:r>
+              <a:rPr lang="ko-KR" altLang="en-US" dirty="0">
+                <a:solidFill>
+                  <a:srgbClr val="000000"/>
+                </a:solidFill>
+                <a:latin typeface="Daki"/>
+              </a:rPr>
+              <a:t> 해당하는 </a:t>
+            </a:r>
+            <a:r>
+              <a:rPr lang="ko-KR" altLang="en-US" dirty="0" err="1">
+                <a:solidFill>
+                  <a:srgbClr val="000000"/>
+                </a:solidFill>
+                <a:latin typeface="Daki"/>
+              </a:rPr>
+              <a:t>종목코드를</a:t>
+            </a:r>
+            <a:r>
+              <a:rPr lang="ko-KR" altLang="en-US" dirty="0">
+                <a:solidFill>
+                  <a:srgbClr val="000000"/>
+                </a:solidFill>
+                <a:latin typeface="Daki"/>
+              </a:rPr>
+              <a:t> 반환한다</a:t>
+            </a:r>
+            <a:r>
+              <a:rPr lang="en-US" altLang="ko-KR" dirty="0">
+                <a:solidFill>
+                  <a:srgbClr val="000000"/>
+                </a:solidFill>
+                <a:latin typeface="Daki"/>
+              </a:rPr>
+              <a:t>. 	</a:t>
+            </a:r>
+            <a:endParaRPr lang="en-US" altLang="ko-KR" dirty="0" smtClean="0">
+              <a:solidFill>
+                <a:srgbClr val="000000"/>
+              </a:solidFill>
+              <a:latin typeface="Daki"/>
+            </a:endParaRPr>
+          </a:p>
+          <a:p>
+            <a:r>
+              <a:rPr lang="en-US" altLang="ko-KR" dirty="0">
+                <a:solidFill>
+                  <a:srgbClr val="000000"/>
+                </a:solidFill>
+                <a:latin typeface="Daki"/>
+              </a:rPr>
+              <a:t>46 	BSTR 	</a:t>
+            </a:r>
+            <a:r>
+              <a:rPr lang="en-US" altLang="ko-KR" dirty="0" err="1">
+                <a:solidFill>
+                  <a:srgbClr val="FF0000"/>
+                </a:solidFill>
+                <a:latin typeface="Daki"/>
+              </a:rPr>
+              <a:t>GetBranchCodeName</a:t>
+            </a:r>
+            <a:r>
+              <a:rPr lang="en-US" altLang="ko-KR" dirty="0">
+                <a:solidFill>
+                  <a:srgbClr val="000000"/>
+                </a:solidFill>
+                <a:latin typeface="Daki"/>
+              </a:rPr>
+              <a:t> 	</a:t>
+            </a:r>
+            <a:r>
+              <a:rPr lang="ko-KR" altLang="en-US" dirty="0">
+                <a:solidFill>
+                  <a:srgbClr val="000000"/>
+                </a:solidFill>
+                <a:latin typeface="Daki"/>
+              </a:rPr>
+              <a:t>회원사 코드와 이름을 반환한다</a:t>
+            </a:r>
+            <a:r>
+              <a:rPr lang="en-US" altLang="ko-KR" dirty="0">
+                <a:solidFill>
+                  <a:srgbClr val="000000"/>
+                </a:solidFill>
+                <a:latin typeface="Daki"/>
+              </a:rPr>
+              <a:t>. 	</a:t>
+            </a:r>
+          </a:p>
+          <a:p>
+            <a:r>
+              <a:rPr lang="en-US" altLang="ko-KR" dirty="0">
+                <a:solidFill>
+                  <a:srgbClr val="000000"/>
+                </a:solidFill>
+                <a:latin typeface="Daki"/>
+              </a:rPr>
+              <a:t>48 	LONG 	</a:t>
+            </a:r>
+            <a:r>
+              <a:rPr lang="en-US" altLang="ko-KR" dirty="0" err="1">
+                <a:solidFill>
+                  <a:srgbClr val="000000"/>
+                </a:solidFill>
+                <a:latin typeface="Daki"/>
+              </a:rPr>
+              <a:t>SetInfoData</a:t>
+            </a:r>
+            <a:r>
+              <a:rPr lang="en-US" altLang="ko-KR" dirty="0">
+                <a:solidFill>
+                  <a:srgbClr val="000000"/>
+                </a:solidFill>
+                <a:latin typeface="Daki"/>
+              </a:rPr>
+              <a:t> 	</a:t>
+            </a:r>
+            <a:r>
+              <a:rPr lang="ko-KR" altLang="en-US" dirty="0" err="1">
+                <a:solidFill>
+                  <a:srgbClr val="000000"/>
+                </a:solidFill>
+                <a:latin typeface="Daki"/>
+              </a:rPr>
+              <a:t>아이디별</a:t>
+            </a:r>
+            <a:r>
+              <a:rPr lang="ko-KR" altLang="en-US" dirty="0">
+                <a:solidFill>
+                  <a:srgbClr val="000000"/>
+                </a:solidFill>
+                <a:latin typeface="Daki"/>
+              </a:rPr>
+              <a:t> 자동로그인이 접속이 필요할 때 사용한다</a:t>
+            </a:r>
+            <a:r>
+              <a:rPr lang="en-US" altLang="ko-KR" dirty="0">
+                <a:solidFill>
+                  <a:srgbClr val="000000"/>
+                </a:solidFill>
+                <a:latin typeface="Daki"/>
+              </a:rPr>
+              <a:t>. 	</a:t>
+            </a:r>
+          </a:p>
+          <a:p>
+            <a:r>
+              <a:rPr lang="en-US" altLang="ko-KR" dirty="0">
+                <a:solidFill>
+                  <a:srgbClr val="000000"/>
+                </a:solidFill>
+                <a:latin typeface="Daki"/>
+              </a:rPr>
+              <a:t>49 	LONG 	</a:t>
+            </a:r>
+            <a:r>
+              <a:rPr lang="en-US" altLang="ko-KR" dirty="0" err="1">
+                <a:solidFill>
+                  <a:srgbClr val="000000"/>
+                </a:solidFill>
+                <a:latin typeface="Daki"/>
+              </a:rPr>
+              <a:t>SetRealReg</a:t>
+            </a:r>
+            <a:r>
+              <a:rPr lang="en-US" altLang="ko-KR" dirty="0">
+                <a:solidFill>
+                  <a:srgbClr val="000000"/>
+                </a:solidFill>
+                <a:latin typeface="Daki"/>
+              </a:rPr>
+              <a:t> 	</a:t>
+            </a:r>
+            <a:r>
+              <a:rPr lang="ko-KR" altLang="en-US" dirty="0">
+                <a:solidFill>
+                  <a:srgbClr val="000000"/>
+                </a:solidFill>
+                <a:latin typeface="Daki"/>
+              </a:rPr>
+              <a:t>실시간 등록을 한다</a:t>
+            </a:r>
+            <a:r>
+              <a:rPr lang="en-US" altLang="ko-KR" dirty="0">
+                <a:solidFill>
+                  <a:srgbClr val="000000"/>
+                </a:solidFill>
+                <a:latin typeface="Daki"/>
+              </a:rPr>
+              <a:t>. 	</a:t>
+            </a:r>
+          </a:p>
+          <a:p>
+            <a:r>
+              <a:rPr lang="en-US" altLang="ko-KR" dirty="0">
+                <a:solidFill>
+                  <a:srgbClr val="000000"/>
+                </a:solidFill>
+                <a:latin typeface="Daki"/>
+              </a:rPr>
+              <a:t>50 	Void 	</a:t>
+            </a:r>
+            <a:r>
+              <a:rPr lang="en-US" altLang="ko-KR" dirty="0" err="1">
+                <a:solidFill>
+                  <a:srgbClr val="000000"/>
+                </a:solidFill>
+                <a:latin typeface="Daki"/>
+              </a:rPr>
+              <a:t>SetRealRemove</a:t>
+            </a:r>
+            <a:r>
+              <a:rPr lang="en-US" altLang="ko-KR" dirty="0">
+                <a:solidFill>
+                  <a:srgbClr val="000000"/>
+                </a:solidFill>
+                <a:latin typeface="Daki"/>
+              </a:rPr>
+              <a:t> 	</a:t>
+            </a:r>
+            <a:r>
+              <a:rPr lang="ko-KR" altLang="en-US" dirty="0">
+                <a:solidFill>
+                  <a:srgbClr val="000000"/>
+                </a:solidFill>
+                <a:latin typeface="Daki"/>
+              </a:rPr>
+              <a:t>종목별 실시간 해제 </a:t>
+            </a:r>
+            <a:r>
+              <a:rPr lang="en-US" altLang="ko-KR" dirty="0">
+                <a:solidFill>
+                  <a:srgbClr val="000000"/>
+                </a:solidFill>
+                <a:latin typeface="Daki"/>
+              </a:rPr>
+              <a:t>(</a:t>
+            </a:r>
+            <a:r>
+              <a:rPr lang="en-US" altLang="ko-KR" dirty="0" err="1">
+                <a:solidFill>
+                  <a:srgbClr val="000000"/>
+                </a:solidFill>
+                <a:latin typeface="Daki"/>
+              </a:rPr>
+              <a:t>SetRealReg</a:t>
+            </a:r>
+            <a:r>
+              <a:rPr lang="ko-KR" altLang="en-US" dirty="0">
+                <a:solidFill>
+                  <a:srgbClr val="000000"/>
+                </a:solidFill>
+                <a:latin typeface="Daki"/>
+              </a:rPr>
+              <a:t>로 등록한 종목만 해제 가능</a:t>
+            </a:r>
+            <a:r>
+              <a:rPr lang="en-US" altLang="ko-KR" dirty="0">
+                <a:solidFill>
+                  <a:srgbClr val="000000"/>
+                </a:solidFill>
+                <a:latin typeface="Daki"/>
+              </a:rPr>
+              <a:t>) 	</a:t>
+            </a:r>
+          </a:p>
+          <a:p>
+            <a:r>
+              <a:rPr lang="en-US" altLang="ko-KR" dirty="0">
+                <a:solidFill>
+                  <a:srgbClr val="000000"/>
+                </a:solidFill>
+                <a:latin typeface="Daki"/>
+              </a:rPr>
+              <a:t>51 	long 	</a:t>
+            </a:r>
+            <a:r>
+              <a:rPr lang="en-US" altLang="ko-KR" dirty="0" err="1">
+                <a:solidFill>
+                  <a:srgbClr val="FF0000"/>
+                </a:solidFill>
+                <a:latin typeface="Daki"/>
+              </a:rPr>
+              <a:t>GetConditionLoad</a:t>
+            </a:r>
+            <a:r>
+              <a:rPr lang="en-US" altLang="ko-KR" dirty="0">
+                <a:solidFill>
+                  <a:srgbClr val="000000"/>
+                </a:solidFill>
+                <a:latin typeface="Daki"/>
+              </a:rPr>
+              <a:t> 	</a:t>
+            </a:r>
+            <a:r>
+              <a:rPr lang="ko-KR" altLang="en-US" dirty="0">
+                <a:solidFill>
+                  <a:srgbClr val="000000"/>
+                </a:solidFill>
+                <a:latin typeface="Daki"/>
+              </a:rPr>
+              <a:t>서버에 저장된 사용자 조건식을 가져온다</a:t>
+            </a:r>
+            <a:r>
+              <a:rPr lang="en-US" altLang="ko-KR" dirty="0">
+                <a:solidFill>
+                  <a:srgbClr val="000000"/>
+                </a:solidFill>
+                <a:latin typeface="Daki"/>
+              </a:rPr>
+              <a:t>. 	</a:t>
+            </a:r>
+          </a:p>
+          <a:p>
+            <a:r>
+              <a:rPr lang="en-US" altLang="ko-KR" dirty="0">
+                <a:solidFill>
+                  <a:srgbClr val="000000"/>
+                </a:solidFill>
+                <a:latin typeface="Daki"/>
+              </a:rPr>
+              <a:t>52 	BSTR 	</a:t>
+            </a:r>
+            <a:r>
+              <a:rPr lang="en-US" altLang="ko-KR" dirty="0" err="1">
+                <a:solidFill>
+                  <a:srgbClr val="FF0000"/>
+                </a:solidFill>
+                <a:latin typeface="Daki"/>
+              </a:rPr>
+              <a:t>GetConditionNameList</a:t>
+            </a:r>
+            <a:r>
+              <a:rPr lang="en-US" altLang="ko-KR" dirty="0">
+                <a:solidFill>
+                  <a:srgbClr val="000000"/>
+                </a:solidFill>
+                <a:latin typeface="Daki"/>
+              </a:rPr>
+              <a:t> 	</a:t>
+            </a:r>
+            <a:r>
+              <a:rPr lang="ko-KR" altLang="en-US" dirty="0" err="1">
+                <a:solidFill>
+                  <a:srgbClr val="000000"/>
+                </a:solidFill>
+                <a:latin typeface="Daki"/>
+              </a:rPr>
+              <a:t>조건검색에</a:t>
+            </a:r>
+            <a:r>
+              <a:rPr lang="ko-KR" altLang="en-US" dirty="0">
+                <a:solidFill>
+                  <a:srgbClr val="000000"/>
+                </a:solidFill>
+                <a:latin typeface="Daki"/>
+              </a:rPr>
+              <a:t> 필요한 </a:t>
+            </a:r>
+            <a:r>
+              <a:rPr lang="ko-KR" altLang="en-US" dirty="0" err="1">
+                <a:solidFill>
+                  <a:srgbClr val="000000"/>
+                </a:solidFill>
+                <a:latin typeface="Daki"/>
+              </a:rPr>
+              <a:t>조건명</a:t>
+            </a:r>
+            <a:r>
+              <a:rPr lang="ko-KR" altLang="en-US" dirty="0">
+                <a:solidFill>
+                  <a:srgbClr val="000000"/>
+                </a:solidFill>
+                <a:latin typeface="Daki"/>
+              </a:rPr>
+              <a:t> 리스트를 받아온다</a:t>
+            </a:r>
+            <a:r>
+              <a:rPr lang="en-US" altLang="ko-KR" dirty="0">
+                <a:solidFill>
+                  <a:srgbClr val="000000"/>
+                </a:solidFill>
+                <a:latin typeface="Daki"/>
+              </a:rPr>
+              <a:t>. 	</a:t>
+            </a:r>
+          </a:p>
+          <a:p>
+            <a:r>
+              <a:rPr lang="en-US" altLang="ko-KR" dirty="0">
+                <a:solidFill>
+                  <a:srgbClr val="000000"/>
+                </a:solidFill>
+                <a:latin typeface="Daki"/>
+              </a:rPr>
+              <a:t>53 	void 	</a:t>
+            </a:r>
+            <a:r>
+              <a:rPr lang="en-US" altLang="ko-KR" dirty="0" err="1">
+                <a:solidFill>
+                  <a:srgbClr val="FF0000"/>
+                </a:solidFill>
+                <a:latin typeface="Daki"/>
+              </a:rPr>
+              <a:t>SendCondition</a:t>
+            </a:r>
+            <a:r>
+              <a:rPr lang="en-US" altLang="ko-KR" dirty="0">
+                <a:solidFill>
+                  <a:srgbClr val="000000"/>
+                </a:solidFill>
+                <a:latin typeface="Daki"/>
+              </a:rPr>
+              <a:t> 	</a:t>
+            </a:r>
+            <a:r>
+              <a:rPr lang="ko-KR" altLang="en-US" dirty="0" err="1">
+                <a:solidFill>
+                  <a:srgbClr val="000000"/>
+                </a:solidFill>
+                <a:latin typeface="Daki"/>
+              </a:rPr>
+              <a:t>조건검색</a:t>
+            </a:r>
+            <a:r>
+              <a:rPr lang="ko-KR" altLang="en-US" dirty="0">
+                <a:solidFill>
+                  <a:srgbClr val="000000"/>
+                </a:solidFill>
+                <a:latin typeface="Daki"/>
+              </a:rPr>
+              <a:t> 조회</a:t>
+            </a:r>
+            <a:r>
+              <a:rPr lang="en-US" altLang="ko-KR" dirty="0">
+                <a:solidFill>
+                  <a:srgbClr val="000000"/>
+                </a:solidFill>
+                <a:latin typeface="Daki"/>
+              </a:rPr>
+              <a:t>TR</a:t>
+            </a:r>
+            <a:r>
+              <a:rPr lang="ko-KR" altLang="en-US" dirty="0">
+                <a:solidFill>
+                  <a:srgbClr val="000000"/>
+                </a:solidFill>
+                <a:latin typeface="Daki"/>
+              </a:rPr>
+              <a:t>을 송신한다</a:t>
+            </a:r>
+            <a:r>
+              <a:rPr lang="en-US" altLang="ko-KR" dirty="0">
+                <a:solidFill>
+                  <a:srgbClr val="000000"/>
+                </a:solidFill>
+                <a:latin typeface="Daki"/>
+              </a:rPr>
+              <a:t>. 	</a:t>
+            </a:r>
+          </a:p>
+          <a:p>
+            <a:r>
+              <a:rPr lang="en-US" altLang="ko-KR" dirty="0">
+                <a:solidFill>
+                  <a:srgbClr val="000000"/>
+                </a:solidFill>
+                <a:latin typeface="Daki"/>
+              </a:rPr>
+              <a:t>54 	void 	</a:t>
+            </a:r>
+            <a:r>
+              <a:rPr lang="en-US" altLang="ko-KR" dirty="0" err="1">
+                <a:solidFill>
+                  <a:srgbClr val="FF0000"/>
+                </a:solidFill>
+                <a:latin typeface="Daki"/>
+              </a:rPr>
+              <a:t>SendConditionStop</a:t>
+            </a:r>
+            <a:r>
+              <a:rPr lang="en-US" altLang="ko-KR" dirty="0">
+                <a:solidFill>
+                  <a:srgbClr val="000000"/>
+                </a:solidFill>
+                <a:latin typeface="Daki"/>
+              </a:rPr>
+              <a:t> 	</a:t>
+            </a:r>
+            <a:r>
+              <a:rPr lang="ko-KR" altLang="en-US" dirty="0">
+                <a:solidFill>
+                  <a:srgbClr val="000000"/>
+                </a:solidFill>
+                <a:latin typeface="Daki"/>
+              </a:rPr>
+              <a:t>실시간 </a:t>
+            </a:r>
+            <a:r>
+              <a:rPr lang="ko-KR" altLang="en-US" dirty="0" err="1">
+                <a:solidFill>
+                  <a:srgbClr val="000000"/>
+                </a:solidFill>
+                <a:latin typeface="Daki"/>
+              </a:rPr>
+              <a:t>조건검색을</a:t>
+            </a:r>
+            <a:r>
+              <a:rPr lang="ko-KR" altLang="en-US" dirty="0">
+                <a:solidFill>
+                  <a:srgbClr val="000000"/>
+                </a:solidFill>
+                <a:latin typeface="Daki"/>
+              </a:rPr>
+              <a:t> 중지한다</a:t>
+            </a:r>
+            <a:r>
+              <a:rPr lang="en-US" altLang="ko-KR" dirty="0">
+                <a:solidFill>
+                  <a:srgbClr val="000000"/>
+                </a:solidFill>
+                <a:latin typeface="Daki"/>
+              </a:rPr>
+              <a:t>. 	</a:t>
+            </a:r>
+          </a:p>
+          <a:p>
+            <a:r>
+              <a:rPr lang="en-US" altLang="ko-KR" dirty="0">
+                <a:solidFill>
+                  <a:srgbClr val="000000"/>
+                </a:solidFill>
+                <a:latin typeface="Daki"/>
+              </a:rPr>
+              <a:t>55 	Variant 	</a:t>
+            </a:r>
+            <a:r>
+              <a:rPr lang="en-US" altLang="ko-KR" dirty="0" err="1">
+                <a:solidFill>
+                  <a:srgbClr val="FF0000"/>
+                </a:solidFill>
+                <a:latin typeface="Daki"/>
+              </a:rPr>
+              <a:t>GetCommDataEx</a:t>
+            </a:r>
+            <a:r>
+              <a:rPr lang="en-US" altLang="ko-KR" dirty="0">
+                <a:solidFill>
+                  <a:srgbClr val="000000"/>
+                </a:solidFill>
+                <a:latin typeface="Daki"/>
+              </a:rPr>
+              <a:t> 	</a:t>
+            </a:r>
+            <a:r>
+              <a:rPr lang="ko-KR" altLang="en-US" dirty="0">
+                <a:solidFill>
+                  <a:srgbClr val="000000"/>
+                </a:solidFill>
+                <a:latin typeface="Daki"/>
+              </a:rPr>
+              <a:t>차트 조회한 데이터 전부를 배열로 받아온다</a:t>
+            </a:r>
+            <a:r>
+              <a:rPr lang="en-US" altLang="ko-KR" dirty="0">
+                <a:solidFill>
+                  <a:srgbClr val="000000"/>
+                </a:solidFill>
+                <a:latin typeface="Daki"/>
+              </a:rPr>
+              <a:t>. 	</a:t>
+            </a:r>
+          </a:p>
+        </p:txBody>
+      </p:sp>
+    </p:spTree>
+    <p:extLst>
+      <p:ext uri="{BB962C8B-B14F-4D97-AF65-F5344CB8AC3E}">
+        <p14:creationId xmlns:p14="http://schemas.microsoft.com/office/powerpoint/2010/main" val="2115961020"/>
+      </p:ext>
+    </p:extLst>
+  </p:cSld>
+  <p:clrMapOvr>
+    <a:masterClrMapping/>
+  </p:clrMapOvr>
+</p:sld>
+</file>
+
+<file path=ppt/slides/slide11.xml><?xml version="1.0" encoding="utf-8"?>
+<p:sld xmlns:a="http://schemas.openxmlformats.org/drawingml/2006/main" xmlns:r="http://schemas.openxmlformats.org/officeDocument/2006/relationships" xmlns:p="http://schemas.openxmlformats.org/presentationml/2006/main">
+  <p:cSld>
+    <p:spTree>
+      <p:nvGrpSpPr>
+        <p:cNvPr id="1" name=""/>
+        <p:cNvGrpSpPr/>
+        <p:nvPr/>
+      </p:nvGrpSpPr>
+      <p:grpSpPr>
+        <a:xfrm>
+          <a:off x="0" y="0"/>
+          <a:ext cx="0" cy="0"/>
+          <a:chOff x="0" y="0"/>
+          <a:chExt cx="0" cy="0"/>
+        </a:xfrm>
+      </p:grpSpPr>
+      <p:sp>
+        <p:nvSpPr>
+          <p:cNvPr id="4" name="TextBox 3"/>
+          <p:cNvSpPr txBox="1"/>
+          <p:nvPr/>
+        </p:nvSpPr>
+        <p:spPr>
+          <a:xfrm>
+            <a:off x="93305" y="102636"/>
+            <a:ext cx="2940228" cy="369332"/>
+          </a:xfrm>
+          <a:prstGeom prst="rect">
+            <a:avLst/>
+          </a:prstGeom>
+          <a:noFill/>
+        </p:spPr>
+        <p:txBody>
+          <a:bodyPr wrap="none" rtlCol="0">
+            <a:spAutoFit/>
+          </a:bodyPr>
+          <a:lstStyle/>
+          <a:p>
+            <a:r>
+              <a:rPr lang="ko-KR" altLang="en-US" dirty="0" smtClean="0">
+                <a:latin typeface="나눔바른고딕" panose="020B0603020101020101" pitchFamily="50" charset="-127"/>
+                <a:ea typeface="나눔바른고딕" panose="020B0603020101020101" pitchFamily="50" charset="-127"/>
+              </a:rPr>
+              <a:t>당장 사용하지 않는 </a:t>
+            </a:r>
+            <a:r>
+              <a:rPr lang="en-US" altLang="ko-KR" dirty="0" err="1" smtClean="0">
+                <a:latin typeface="나눔바른고딕" panose="020B0603020101020101" pitchFamily="50" charset="-127"/>
+                <a:ea typeface="나눔바른고딕" panose="020B0603020101020101" pitchFamily="50" charset="-127"/>
+              </a:rPr>
+              <a:t>api</a:t>
+            </a:r>
+            <a:r>
+              <a:rPr lang="en-US" altLang="ko-KR" dirty="0" smtClean="0">
+                <a:latin typeface="나눔바른고딕" panose="020B0603020101020101" pitchFamily="50" charset="-127"/>
+                <a:ea typeface="나눔바른고딕" panose="020B0603020101020101" pitchFamily="50" charset="-127"/>
+              </a:rPr>
+              <a:t> list</a:t>
+            </a:r>
+            <a:endParaRPr lang="ko-KR" altLang="en-US" dirty="0">
+              <a:latin typeface="나눔바른고딕" panose="020B0603020101020101" pitchFamily="50" charset="-127"/>
+              <a:ea typeface="나눔바른고딕" panose="020B0603020101020101" pitchFamily="50" charset="-127"/>
+            </a:endParaRPr>
+          </a:p>
+        </p:txBody>
+      </p:sp>
+      <p:sp>
+        <p:nvSpPr>
+          <p:cNvPr id="5" name="직사각형 4"/>
+          <p:cNvSpPr/>
+          <p:nvPr/>
+        </p:nvSpPr>
+        <p:spPr>
+          <a:xfrm>
+            <a:off x="267730" y="609770"/>
+            <a:ext cx="10705070" cy="5632311"/>
+          </a:xfrm>
+          <a:prstGeom prst="rect">
+            <a:avLst/>
+          </a:prstGeom>
+        </p:spPr>
+        <p:txBody>
+          <a:bodyPr wrap="square">
+            <a:spAutoFit/>
+          </a:bodyPr>
+          <a:lstStyle/>
+          <a:p>
+            <a:pPr marL="342900" indent="-342900">
+              <a:buAutoNum type="arabicPlain" startAt="6"/>
+            </a:pPr>
+            <a:r>
+              <a:rPr lang="en-US" altLang="ko-KR" dirty="0" smtClean="0">
+                <a:solidFill>
+                  <a:srgbClr val="000000"/>
+                </a:solidFill>
+                <a:latin typeface="Daki"/>
+              </a:rPr>
+              <a:t>LONG </a:t>
+            </a:r>
+            <a:r>
+              <a:rPr lang="en-US" altLang="ko-KR" dirty="0">
+                <a:solidFill>
+                  <a:srgbClr val="000000"/>
+                </a:solidFill>
+                <a:latin typeface="Daki"/>
+              </a:rPr>
+              <a:t>	</a:t>
+            </a:r>
+            <a:r>
+              <a:rPr lang="en-US" altLang="ko-KR" dirty="0" err="1">
+                <a:solidFill>
+                  <a:srgbClr val="000000"/>
+                </a:solidFill>
+                <a:latin typeface="Daki"/>
+              </a:rPr>
+              <a:t>SendOrderCredit</a:t>
+            </a:r>
+            <a:r>
+              <a:rPr lang="en-US" altLang="ko-KR" dirty="0">
+                <a:solidFill>
+                  <a:srgbClr val="000000"/>
+                </a:solidFill>
+                <a:latin typeface="Daki"/>
+              </a:rPr>
+              <a:t> 	</a:t>
+            </a:r>
+            <a:r>
+              <a:rPr lang="ko-KR" altLang="en-US" dirty="0">
+                <a:solidFill>
+                  <a:srgbClr val="000000"/>
+                </a:solidFill>
+                <a:latin typeface="Daki"/>
+              </a:rPr>
+              <a:t>주식 </a:t>
+            </a:r>
+            <a:r>
+              <a:rPr lang="ko-KR" altLang="en-US" dirty="0" err="1">
+                <a:solidFill>
+                  <a:srgbClr val="000000"/>
+                </a:solidFill>
+                <a:latin typeface="Daki"/>
+              </a:rPr>
+              <a:t>신용주문</a:t>
+            </a:r>
+            <a:r>
+              <a:rPr lang="ko-KR" altLang="en-US" dirty="0">
+                <a:solidFill>
+                  <a:srgbClr val="000000"/>
+                </a:solidFill>
+                <a:latin typeface="Daki"/>
+              </a:rPr>
+              <a:t> </a:t>
+            </a:r>
+            <a:r>
+              <a:rPr lang="en-US" altLang="ko-KR" dirty="0">
+                <a:solidFill>
+                  <a:srgbClr val="000000"/>
+                </a:solidFill>
+                <a:latin typeface="Daki"/>
+              </a:rPr>
+              <a:t>Tran</a:t>
+            </a:r>
+            <a:r>
+              <a:rPr lang="ko-KR" altLang="en-US" dirty="0">
+                <a:solidFill>
+                  <a:srgbClr val="000000"/>
+                </a:solidFill>
+                <a:latin typeface="Daki"/>
+              </a:rPr>
+              <a:t>을 송신한다</a:t>
+            </a:r>
+            <a:r>
+              <a:rPr lang="en-US" altLang="ko-KR" dirty="0">
+                <a:solidFill>
+                  <a:srgbClr val="000000"/>
+                </a:solidFill>
+                <a:latin typeface="Daki"/>
+              </a:rPr>
+              <a:t>. 	</a:t>
+            </a:r>
+            <a:endParaRPr lang="en-US" altLang="ko-KR" dirty="0" smtClean="0">
+              <a:solidFill>
+                <a:srgbClr val="000000"/>
+              </a:solidFill>
+              <a:latin typeface="Daki"/>
+            </a:endParaRPr>
+          </a:p>
+          <a:p>
+            <a:r>
+              <a:rPr lang="en-US" altLang="ko-KR" dirty="0">
+                <a:solidFill>
+                  <a:srgbClr val="000000"/>
+                </a:solidFill>
+                <a:latin typeface="Daki"/>
+              </a:rPr>
+              <a:t>29 	BSTR 	</a:t>
+            </a:r>
+            <a:r>
+              <a:rPr lang="en-US" altLang="ko-KR" dirty="0" err="1">
+                <a:solidFill>
+                  <a:srgbClr val="000000"/>
+                </a:solidFill>
+                <a:latin typeface="Daki"/>
+              </a:rPr>
+              <a:t>GetFutureList</a:t>
+            </a:r>
+            <a:r>
+              <a:rPr lang="en-US" altLang="ko-KR" dirty="0">
+                <a:solidFill>
+                  <a:srgbClr val="000000"/>
+                </a:solidFill>
+                <a:latin typeface="Daki"/>
+              </a:rPr>
+              <a:t> 	</a:t>
+            </a:r>
+            <a:r>
+              <a:rPr lang="ko-KR" altLang="en-US" dirty="0">
+                <a:solidFill>
+                  <a:srgbClr val="000000"/>
+                </a:solidFill>
+                <a:latin typeface="Daki"/>
+              </a:rPr>
+              <a:t>지수선물 코드 리스트를 반환한다</a:t>
+            </a:r>
+            <a:r>
+              <a:rPr lang="en-US" altLang="ko-KR" dirty="0">
+                <a:solidFill>
+                  <a:srgbClr val="000000"/>
+                </a:solidFill>
+                <a:latin typeface="Daki"/>
+              </a:rPr>
+              <a:t>. 	</a:t>
+            </a:r>
+          </a:p>
+          <a:p>
+            <a:r>
+              <a:rPr lang="en-US" altLang="ko-KR" dirty="0">
+                <a:solidFill>
+                  <a:srgbClr val="000000"/>
+                </a:solidFill>
+                <a:latin typeface="Daki"/>
+              </a:rPr>
+              <a:t>30 	BSTR 	</a:t>
+            </a:r>
+            <a:r>
+              <a:rPr lang="en-US" altLang="ko-KR" dirty="0" err="1">
+                <a:solidFill>
+                  <a:srgbClr val="000000"/>
+                </a:solidFill>
+                <a:latin typeface="Daki"/>
+              </a:rPr>
+              <a:t>GetFutureCodeByIndex</a:t>
+            </a:r>
+            <a:r>
+              <a:rPr lang="en-US" altLang="ko-KR" dirty="0">
+                <a:solidFill>
+                  <a:srgbClr val="000000"/>
+                </a:solidFill>
+                <a:latin typeface="Daki"/>
+              </a:rPr>
+              <a:t> 	</a:t>
+            </a:r>
+            <a:r>
+              <a:rPr lang="ko-KR" altLang="en-US" dirty="0">
+                <a:solidFill>
+                  <a:srgbClr val="000000"/>
+                </a:solidFill>
+                <a:latin typeface="Daki"/>
+              </a:rPr>
+              <a:t>지수선물 코드를 반환한다</a:t>
+            </a:r>
+            <a:r>
+              <a:rPr lang="en-US" altLang="ko-KR" dirty="0">
+                <a:solidFill>
+                  <a:srgbClr val="000000"/>
+                </a:solidFill>
+                <a:latin typeface="Daki"/>
+              </a:rPr>
+              <a:t>. 	</a:t>
+            </a:r>
+          </a:p>
+          <a:p>
+            <a:r>
+              <a:rPr lang="en-US" altLang="ko-KR" dirty="0">
+                <a:solidFill>
+                  <a:srgbClr val="000000"/>
+                </a:solidFill>
+                <a:latin typeface="Daki"/>
+              </a:rPr>
+              <a:t>31 	BSTR 	</a:t>
+            </a:r>
+            <a:r>
+              <a:rPr lang="en-US" altLang="ko-KR" dirty="0" err="1">
+                <a:solidFill>
+                  <a:srgbClr val="000000"/>
+                </a:solidFill>
+                <a:latin typeface="Daki"/>
+              </a:rPr>
+              <a:t>GetActPriceList</a:t>
+            </a:r>
+            <a:r>
+              <a:rPr lang="en-US" altLang="ko-KR" dirty="0">
+                <a:solidFill>
+                  <a:srgbClr val="000000"/>
+                </a:solidFill>
+                <a:latin typeface="Daki"/>
+              </a:rPr>
+              <a:t> 	</a:t>
+            </a:r>
+            <a:r>
+              <a:rPr lang="ko-KR" altLang="en-US" dirty="0" err="1">
+                <a:solidFill>
+                  <a:srgbClr val="000000"/>
+                </a:solidFill>
+                <a:latin typeface="Daki"/>
+              </a:rPr>
+              <a:t>지수옵션</a:t>
+            </a:r>
+            <a:r>
+              <a:rPr lang="ko-KR" altLang="en-US" dirty="0">
+                <a:solidFill>
+                  <a:srgbClr val="000000"/>
+                </a:solidFill>
+                <a:latin typeface="Daki"/>
+              </a:rPr>
+              <a:t> 행사가 리스트를 반환한다</a:t>
+            </a:r>
+            <a:r>
+              <a:rPr lang="en-US" altLang="ko-KR" dirty="0">
+                <a:solidFill>
+                  <a:srgbClr val="000000"/>
+                </a:solidFill>
+                <a:latin typeface="Daki"/>
+              </a:rPr>
+              <a:t>. 	</a:t>
+            </a:r>
+          </a:p>
+          <a:p>
+            <a:r>
+              <a:rPr lang="en-US" altLang="ko-KR" dirty="0">
+                <a:solidFill>
+                  <a:srgbClr val="000000"/>
+                </a:solidFill>
+                <a:latin typeface="Daki"/>
+              </a:rPr>
+              <a:t>32 	BSTR 	</a:t>
+            </a:r>
+            <a:r>
+              <a:rPr lang="en-US" altLang="ko-KR" dirty="0" err="1">
+                <a:solidFill>
+                  <a:srgbClr val="000000"/>
+                </a:solidFill>
+                <a:latin typeface="Daki"/>
+              </a:rPr>
+              <a:t>GetMonthList</a:t>
+            </a:r>
+            <a:r>
+              <a:rPr lang="en-US" altLang="ko-KR" dirty="0">
+                <a:solidFill>
+                  <a:srgbClr val="000000"/>
+                </a:solidFill>
+                <a:latin typeface="Daki"/>
+              </a:rPr>
+              <a:t> 	</a:t>
+            </a:r>
+            <a:r>
+              <a:rPr lang="ko-KR" altLang="en-US" dirty="0" err="1">
+                <a:solidFill>
+                  <a:srgbClr val="000000"/>
+                </a:solidFill>
+                <a:latin typeface="Daki"/>
+              </a:rPr>
+              <a:t>지수옵션</a:t>
+            </a:r>
+            <a:r>
+              <a:rPr lang="ko-KR" altLang="en-US" dirty="0">
+                <a:solidFill>
+                  <a:srgbClr val="000000"/>
+                </a:solidFill>
+                <a:latin typeface="Daki"/>
+              </a:rPr>
+              <a:t> </a:t>
+            </a:r>
+            <a:r>
+              <a:rPr lang="ko-KR" altLang="en-US" dirty="0" err="1">
+                <a:solidFill>
+                  <a:srgbClr val="000000"/>
+                </a:solidFill>
+                <a:latin typeface="Daki"/>
+              </a:rPr>
+              <a:t>월물</a:t>
+            </a:r>
+            <a:r>
+              <a:rPr lang="ko-KR" altLang="en-US" dirty="0">
+                <a:solidFill>
+                  <a:srgbClr val="000000"/>
+                </a:solidFill>
+                <a:latin typeface="Daki"/>
+              </a:rPr>
+              <a:t> 리스트를 반환한다</a:t>
+            </a:r>
+            <a:r>
+              <a:rPr lang="en-US" altLang="ko-KR" dirty="0">
+                <a:solidFill>
+                  <a:srgbClr val="000000"/>
+                </a:solidFill>
+                <a:latin typeface="Daki"/>
+              </a:rPr>
+              <a:t>. 	</a:t>
+            </a:r>
+          </a:p>
+          <a:p>
+            <a:r>
+              <a:rPr lang="en-US" altLang="ko-KR" dirty="0">
+                <a:solidFill>
+                  <a:srgbClr val="000000"/>
+                </a:solidFill>
+                <a:latin typeface="Daki"/>
+              </a:rPr>
+              <a:t>33 	BSTR 	</a:t>
+            </a:r>
+            <a:r>
+              <a:rPr lang="en-US" altLang="ko-KR" dirty="0" err="1">
+                <a:solidFill>
+                  <a:srgbClr val="000000"/>
+                </a:solidFill>
+                <a:latin typeface="Daki"/>
+              </a:rPr>
+              <a:t>GetOptionCode</a:t>
+            </a:r>
+            <a:r>
+              <a:rPr lang="en-US" altLang="ko-KR" dirty="0">
+                <a:solidFill>
+                  <a:srgbClr val="000000"/>
+                </a:solidFill>
+                <a:latin typeface="Daki"/>
+              </a:rPr>
+              <a:t> 	</a:t>
+            </a:r>
+            <a:r>
+              <a:rPr lang="ko-KR" altLang="en-US" dirty="0" err="1">
+                <a:solidFill>
+                  <a:srgbClr val="000000"/>
+                </a:solidFill>
+                <a:latin typeface="Daki"/>
+              </a:rPr>
+              <a:t>지수옵션</a:t>
+            </a:r>
+            <a:r>
+              <a:rPr lang="ko-KR" altLang="en-US" dirty="0">
+                <a:solidFill>
+                  <a:srgbClr val="000000"/>
+                </a:solidFill>
+                <a:latin typeface="Daki"/>
+              </a:rPr>
+              <a:t> </a:t>
+            </a:r>
+            <a:r>
+              <a:rPr lang="ko-KR" altLang="en-US" dirty="0" err="1">
+                <a:solidFill>
+                  <a:srgbClr val="000000"/>
+                </a:solidFill>
+                <a:latin typeface="Daki"/>
+              </a:rPr>
+              <a:t>종목코드를</a:t>
+            </a:r>
+            <a:r>
+              <a:rPr lang="ko-KR" altLang="en-US" dirty="0">
+                <a:solidFill>
+                  <a:srgbClr val="000000"/>
+                </a:solidFill>
+                <a:latin typeface="Daki"/>
+              </a:rPr>
+              <a:t> 반환한다</a:t>
+            </a:r>
+            <a:r>
+              <a:rPr lang="en-US" altLang="ko-KR" dirty="0">
+                <a:solidFill>
+                  <a:srgbClr val="000000"/>
+                </a:solidFill>
+                <a:latin typeface="Daki"/>
+              </a:rPr>
+              <a:t>. 	</a:t>
+            </a:r>
+          </a:p>
+          <a:p>
+            <a:r>
+              <a:rPr lang="en-US" altLang="ko-KR" dirty="0">
+                <a:solidFill>
+                  <a:srgbClr val="000000"/>
+                </a:solidFill>
+                <a:latin typeface="Daki"/>
+              </a:rPr>
+              <a:t>34 	BSTR 	</a:t>
+            </a:r>
+            <a:r>
+              <a:rPr lang="en-US" altLang="ko-KR" dirty="0" err="1">
+                <a:solidFill>
+                  <a:srgbClr val="000000"/>
+                </a:solidFill>
+                <a:latin typeface="Daki"/>
+              </a:rPr>
+              <a:t>GetOptionCodeByMonth</a:t>
+            </a:r>
+            <a:r>
+              <a:rPr lang="en-US" altLang="ko-KR" dirty="0">
+                <a:solidFill>
+                  <a:srgbClr val="000000"/>
+                </a:solidFill>
+                <a:latin typeface="Daki"/>
+              </a:rPr>
+              <a:t> 	</a:t>
+            </a:r>
+            <a:r>
+              <a:rPr lang="ko-KR" altLang="en-US" dirty="0">
+                <a:solidFill>
+                  <a:srgbClr val="000000"/>
+                </a:solidFill>
+                <a:latin typeface="Daki"/>
+              </a:rPr>
+              <a:t>같은 행사가 다른 </a:t>
+            </a:r>
+            <a:r>
+              <a:rPr lang="ko-KR" altLang="en-US" dirty="0" err="1">
+                <a:solidFill>
+                  <a:srgbClr val="000000"/>
+                </a:solidFill>
+                <a:latin typeface="Daki"/>
+              </a:rPr>
+              <a:t>월물의</a:t>
+            </a:r>
+            <a:r>
+              <a:rPr lang="ko-KR" altLang="en-US" dirty="0">
+                <a:solidFill>
+                  <a:srgbClr val="000000"/>
+                </a:solidFill>
+                <a:latin typeface="Daki"/>
+              </a:rPr>
+              <a:t> </a:t>
+            </a:r>
+            <a:r>
+              <a:rPr lang="ko-KR" altLang="en-US" dirty="0" err="1">
+                <a:solidFill>
+                  <a:srgbClr val="000000"/>
+                </a:solidFill>
+                <a:latin typeface="Daki"/>
+              </a:rPr>
+              <a:t>종목코드를</a:t>
+            </a:r>
+            <a:r>
+              <a:rPr lang="ko-KR" altLang="en-US" dirty="0">
+                <a:solidFill>
+                  <a:srgbClr val="000000"/>
+                </a:solidFill>
+                <a:latin typeface="Daki"/>
+              </a:rPr>
+              <a:t> 반환한다</a:t>
+            </a:r>
+            <a:r>
+              <a:rPr lang="en-US" altLang="ko-KR" dirty="0">
+                <a:solidFill>
+                  <a:srgbClr val="000000"/>
+                </a:solidFill>
+                <a:latin typeface="Daki"/>
+              </a:rPr>
+              <a:t>. 	</a:t>
+            </a:r>
+          </a:p>
+          <a:p>
+            <a:r>
+              <a:rPr lang="en-US" altLang="ko-KR" dirty="0">
+                <a:solidFill>
+                  <a:srgbClr val="000000"/>
+                </a:solidFill>
+                <a:latin typeface="Daki"/>
+              </a:rPr>
+              <a:t>35 	BSTR 	</a:t>
+            </a:r>
+            <a:r>
+              <a:rPr lang="en-US" altLang="ko-KR" dirty="0" err="1">
+                <a:solidFill>
+                  <a:srgbClr val="000000"/>
+                </a:solidFill>
+                <a:latin typeface="Daki"/>
+              </a:rPr>
+              <a:t>GetOptionCodeByActPrice</a:t>
+            </a:r>
+            <a:r>
+              <a:rPr lang="en-US" altLang="ko-KR" dirty="0">
+                <a:solidFill>
+                  <a:srgbClr val="000000"/>
+                </a:solidFill>
+                <a:latin typeface="Daki"/>
+              </a:rPr>
+              <a:t> 	</a:t>
+            </a:r>
+            <a:r>
+              <a:rPr lang="ko-KR" altLang="en-US" dirty="0">
+                <a:solidFill>
+                  <a:srgbClr val="000000"/>
+                </a:solidFill>
+                <a:latin typeface="Daki"/>
+              </a:rPr>
+              <a:t>같은 </a:t>
+            </a:r>
+            <a:r>
+              <a:rPr lang="ko-KR" altLang="en-US" dirty="0" err="1">
+                <a:solidFill>
+                  <a:srgbClr val="000000"/>
+                </a:solidFill>
+                <a:latin typeface="Daki"/>
+              </a:rPr>
+              <a:t>월물</a:t>
+            </a:r>
+            <a:r>
+              <a:rPr lang="ko-KR" altLang="en-US" dirty="0">
+                <a:solidFill>
+                  <a:srgbClr val="000000"/>
+                </a:solidFill>
+                <a:latin typeface="Daki"/>
+              </a:rPr>
+              <a:t> 다른 </a:t>
+            </a:r>
+            <a:r>
+              <a:rPr lang="ko-KR" altLang="en-US" dirty="0" err="1">
+                <a:solidFill>
+                  <a:srgbClr val="000000"/>
+                </a:solidFill>
+                <a:latin typeface="Daki"/>
+              </a:rPr>
+              <a:t>행사가의</a:t>
+            </a:r>
+            <a:r>
+              <a:rPr lang="ko-KR" altLang="en-US" dirty="0">
+                <a:solidFill>
+                  <a:srgbClr val="000000"/>
+                </a:solidFill>
+                <a:latin typeface="Daki"/>
+              </a:rPr>
+              <a:t> </a:t>
+            </a:r>
+            <a:r>
+              <a:rPr lang="ko-KR" altLang="en-US" dirty="0" err="1">
+                <a:solidFill>
+                  <a:srgbClr val="000000"/>
+                </a:solidFill>
+                <a:latin typeface="Daki"/>
+              </a:rPr>
+              <a:t>종목코드를</a:t>
+            </a:r>
+            <a:r>
+              <a:rPr lang="ko-KR" altLang="en-US" dirty="0">
+                <a:solidFill>
+                  <a:srgbClr val="000000"/>
+                </a:solidFill>
+                <a:latin typeface="Daki"/>
+              </a:rPr>
+              <a:t> 반환한다</a:t>
+            </a:r>
+            <a:r>
+              <a:rPr lang="en-US" altLang="ko-KR" dirty="0">
+                <a:solidFill>
+                  <a:srgbClr val="000000"/>
+                </a:solidFill>
+                <a:latin typeface="Daki"/>
+              </a:rPr>
+              <a:t>. 	</a:t>
+            </a:r>
+          </a:p>
+          <a:p>
+            <a:r>
+              <a:rPr lang="en-US" altLang="ko-KR" dirty="0">
+                <a:solidFill>
+                  <a:srgbClr val="000000"/>
+                </a:solidFill>
+                <a:latin typeface="Daki"/>
+              </a:rPr>
+              <a:t>36 	BSTR 	</a:t>
+            </a:r>
+            <a:r>
+              <a:rPr lang="en-US" altLang="ko-KR" dirty="0" err="1">
+                <a:solidFill>
+                  <a:srgbClr val="000000"/>
+                </a:solidFill>
+                <a:latin typeface="Daki"/>
+              </a:rPr>
+              <a:t>GetSFutureList</a:t>
+            </a:r>
+            <a:r>
+              <a:rPr lang="en-US" altLang="ko-KR" dirty="0">
+                <a:solidFill>
+                  <a:srgbClr val="000000"/>
+                </a:solidFill>
+                <a:latin typeface="Daki"/>
+              </a:rPr>
+              <a:t> 	</a:t>
+            </a:r>
+            <a:r>
+              <a:rPr lang="ko-KR" altLang="en-US" dirty="0">
+                <a:solidFill>
+                  <a:srgbClr val="000000"/>
+                </a:solidFill>
+                <a:latin typeface="Daki"/>
+              </a:rPr>
+              <a:t>주식선물 코드 리스트를 반환한다</a:t>
+            </a:r>
+            <a:r>
+              <a:rPr lang="en-US" altLang="ko-KR" dirty="0">
+                <a:solidFill>
+                  <a:srgbClr val="000000"/>
+                </a:solidFill>
+                <a:latin typeface="Daki"/>
+              </a:rPr>
+              <a:t>. 	</a:t>
+            </a:r>
+          </a:p>
+          <a:p>
+            <a:r>
+              <a:rPr lang="en-US" altLang="ko-KR" dirty="0">
+                <a:solidFill>
+                  <a:srgbClr val="000000"/>
+                </a:solidFill>
+                <a:latin typeface="Daki"/>
+              </a:rPr>
+              <a:t>37 	BSTR 	</a:t>
+            </a:r>
+            <a:r>
+              <a:rPr lang="en-US" altLang="ko-KR" dirty="0" err="1">
+                <a:solidFill>
+                  <a:srgbClr val="000000"/>
+                </a:solidFill>
+                <a:latin typeface="Daki"/>
+              </a:rPr>
+              <a:t>GetSFutureCodeByIndex</a:t>
+            </a:r>
+            <a:r>
+              <a:rPr lang="en-US" altLang="ko-KR" dirty="0">
+                <a:solidFill>
+                  <a:srgbClr val="000000"/>
+                </a:solidFill>
+                <a:latin typeface="Daki"/>
+              </a:rPr>
+              <a:t> </a:t>
+            </a:r>
+            <a:r>
+              <a:rPr lang="ko-KR" altLang="en-US" dirty="0">
+                <a:solidFill>
+                  <a:srgbClr val="000000"/>
+                </a:solidFill>
+                <a:latin typeface="맑은 고딕" panose="020B0503020000020004" pitchFamily="50" charset="-127"/>
+              </a:rPr>
+              <a:t>	</a:t>
+            </a:r>
+            <a:r>
+              <a:rPr lang="ko-KR" altLang="en-US" dirty="0">
+                <a:solidFill>
+                  <a:srgbClr val="000000"/>
+                </a:solidFill>
+                <a:latin typeface="Daki"/>
+              </a:rPr>
+              <a:t>주식선물 코드를 반환한다</a:t>
+            </a:r>
+            <a:r>
+              <a:rPr lang="en-US" altLang="ko-KR" dirty="0">
+                <a:solidFill>
+                  <a:srgbClr val="000000"/>
+                </a:solidFill>
+                <a:latin typeface="Daki"/>
+              </a:rPr>
+              <a:t>. 	</a:t>
+            </a:r>
+          </a:p>
+          <a:p>
+            <a:r>
+              <a:rPr lang="en-US" altLang="ko-KR" dirty="0">
+                <a:solidFill>
+                  <a:srgbClr val="000000"/>
+                </a:solidFill>
+                <a:latin typeface="Daki"/>
+              </a:rPr>
+              <a:t>38 	BSTR 	</a:t>
+            </a:r>
+            <a:r>
+              <a:rPr lang="en-US" altLang="ko-KR" dirty="0" err="1">
+                <a:solidFill>
+                  <a:srgbClr val="000000"/>
+                </a:solidFill>
+                <a:latin typeface="Daki"/>
+              </a:rPr>
+              <a:t>GetSActPriceList</a:t>
+            </a:r>
+            <a:r>
+              <a:rPr lang="en-US" altLang="ko-KR" dirty="0">
+                <a:solidFill>
+                  <a:srgbClr val="000000"/>
+                </a:solidFill>
+                <a:latin typeface="Daki"/>
+              </a:rPr>
+              <a:t> 	</a:t>
+            </a:r>
+            <a:r>
+              <a:rPr lang="ko-KR" altLang="en-US" dirty="0" err="1">
+                <a:solidFill>
+                  <a:srgbClr val="000000"/>
+                </a:solidFill>
+                <a:latin typeface="Daki"/>
+              </a:rPr>
+              <a:t>주식옵션</a:t>
+            </a:r>
+            <a:r>
+              <a:rPr lang="ko-KR" altLang="en-US" dirty="0">
+                <a:solidFill>
+                  <a:srgbClr val="000000"/>
+                </a:solidFill>
+                <a:latin typeface="Daki"/>
+              </a:rPr>
+              <a:t> </a:t>
+            </a:r>
+            <a:r>
+              <a:rPr lang="ko-KR" altLang="en-US" dirty="0" err="1">
+                <a:solidFill>
+                  <a:srgbClr val="000000"/>
+                </a:solidFill>
+                <a:latin typeface="Daki"/>
+              </a:rPr>
+              <a:t>행사가를</a:t>
+            </a:r>
+            <a:r>
+              <a:rPr lang="ko-KR" altLang="en-US" dirty="0">
+                <a:solidFill>
+                  <a:srgbClr val="000000"/>
+                </a:solidFill>
+                <a:latin typeface="Daki"/>
+              </a:rPr>
+              <a:t> 반환한다</a:t>
+            </a:r>
+            <a:r>
+              <a:rPr lang="en-US" altLang="ko-KR" dirty="0">
+                <a:solidFill>
+                  <a:srgbClr val="000000"/>
+                </a:solidFill>
+                <a:latin typeface="Daki"/>
+              </a:rPr>
+              <a:t>. 	</a:t>
+            </a:r>
+          </a:p>
+          <a:p>
+            <a:r>
+              <a:rPr lang="en-US" altLang="ko-KR" dirty="0">
+                <a:solidFill>
+                  <a:srgbClr val="000000"/>
+                </a:solidFill>
+                <a:latin typeface="Daki"/>
+              </a:rPr>
+              <a:t>39 	BSTR 	</a:t>
+            </a:r>
+            <a:r>
+              <a:rPr lang="en-US" altLang="ko-KR" dirty="0" err="1">
+                <a:solidFill>
+                  <a:srgbClr val="000000"/>
+                </a:solidFill>
+                <a:latin typeface="Daki"/>
+              </a:rPr>
+              <a:t>GetSMonthList</a:t>
+            </a:r>
+            <a:r>
+              <a:rPr lang="en-US" altLang="ko-KR" dirty="0">
+                <a:solidFill>
+                  <a:srgbClr val="000000"/>
+                </a:solidFill>
+                <a:latin typeface="Daki"/>
+              </a:rPr>
+              <a:t> 	</a:t>
+            </a:r>
+            <a:r>
+              <a:rPr lang="ko-KR" altLang="en-US" dirty="0" err="1">
+                <a:solidFill>
+                  <a:srgbClr val="000000"/>
+                </a:solidFill>
+                <a:latin typeface="Daki"/>
+              </a:rPr>
+              <a:t>주식옵션</a:t>
+            </a:r>
+            <a:r>
+              <a:rPr lang="ko-KR" altLang="en-US" dirty="0">
+                <a:solidFill>
+                  <a:srgbClr val="000000"/>
+                </a:solidFill>
+                <a:latin typeface="Daki"/>
+              </a:rPr>
+              <a:t> </a:t>
+            </a:r>
+            <a:r>
+              <a:rPr lang="ko-KR" altLang="en-US" dirty="0" err="1">
+                <a:solidFill>
+                  <a:srgbClr val="000000"/>
+                </a:solidFill>
+                <a:latin typeface="Daki"/>
+              </a:rPr>
+              <a:t>월물을</a:t>
+            </a:r>
+            <a:r>
+              <a:rPr lang="ko-KR" altLang="en-US" dirty="0">
+                <a:solidFill>
+                  <a:srgbClr val="000000"/>
+                </a:solidFill>
+                <a:latin typeface="Daki"/>
+              </a:rPr>
+              <a:t> 반환한다</a:t>
+            </a:r>
+            <a:r>
+              <a:rPr lang="en-US" altLang="ko-KR" dirty="0">
+                <a:solidFill>
+                  <a:srgbClr val="000000"/>
+                </a:solidFill>
+                <a:latin typeface="Daki"/>
+              </a:rPr>
+              <a:t>. 	</a:t>
+            </a:r>
+          </a:p>
+          <a:p>
+            <a:r>
+              <a:rPr lang="en-US" altLang="ko-KR" dirty="0">
+                <a:solidFill>
+                  <a:srgbClr val="000000"/>
+                </a:solidFill>
+                <a:latin typeface="Daki"/>
+              </a:rPr>
+              <a:t>40 	BSTR 	</a:t>
+            </a:r>
+            <a:r>
+              <a:rPr lang="en-US" altLang="ko-KR" dirty="0" err="1">
+                <a:solidFill>
+                  <a:srgbClr val="000000"/>
+                </a:solidFill>
+                <a:latin typeface="Daki"/>
+              </a:rPr>
+              <a:t>GetSOptionCode</a:t>
+            </a:r>
+            <a:r>
+              <a:rPr lang="en-US" altLang="ko-KR" dirty="0">
+                <a:solidFill>
+                  <a:srgbClr val="000000"/>
+                </a:solidFill>
+                <a:latin typeface="Daki"/>
+              </a:rPr>
+              <a:t> 	</a:t>
+            </a:r>
+            <a:r>
+              <a:rPr lang="ko-KR" altLang="en-US" dirty="0" err="1">
+                <a:solidFill>
+                  <a:srgbClr val="000000"/>
+                </a:solidFill>
+                <a:latin typeface="Daki"/>
+              </a:rPr>
+              <a:t>주식옵션</a:t>
+            </a:r>
+            <a:r>
+              <a:rPr lang="ko-KR" altLang="en-US" dirty="0">
+                <a:solidFill>
+                  <a:srgbClr val="000000"/>
+                </a:solidFill>
+                <a:latin typeface="Daki"/>
+              </a:rPr>
+              <a:t> 코드를 반환한다</a:t>
+            </a:r>
+            <a:r>
+              <a:rPr lang="en-US" altLang="ko-KR" dirty="0">
+                <a:solidFill>
+                  <a:srgbClr val="000000"/>
+                </a:solidFill>
+                <a:latin typeface="Daki"/>
+              </a:rPr>
+              <a:t>. 	</a:t>
+            </a:r>
+          </a:p>
+          <a:p>
+            <a:r>
+              <a:rPr lang="en-US" altLang="ko-KR" dirty="0">
+                <a:solidFill>
+                  <a:srgbClr val="000000"/>
+                </a:solidFill>
+                <a:latin typeface="Daki"/>
+              </a:rPr>
+              <a:t>41 	BSTR 	</a:t>
+            </a:r>
+            <a:r>
+              <a:rPr lang="en-US" altLang="ko-KR" dirty="0" err="1">
+                <a:solidFill>
+                  <a:srgbClr val="000000"/>
+                </a:solidFill>
+                <a:latin typeface="Daki"/>
+              </a:rPr>
+              <a:t>GetSOptionCodeByMonth</a:t>
+            </a:r>
+            <a:r>
+              <a:rPr lang="en-US" altLang="ko-KR" dirty="0">
+                <a:solidFill>
+                  <a:srgbClr val="000000"/>
+                </a:solidFill>
+                <a:latin typeface="Daki"/>
+              </a:rPr>
+              <a:t> 	</a:t>
+            </a:r>
+            <a:r>
+              <a:rPr lang="ko-KR" altLang="en-US" dirty="0" err="1">
+                <a:solidFill>
+                  <a:srgbClr val="000000"/>
+                </a:solidFill>
+                <a:latin typeface="Daki"/>
+              </a:rPr>
+              <a:t>주식옵션</a:t>
+            </a:r>
+            <a:r>
+              <a:rPr lang="ko-KR" altLang="en-US" dirty="0">
+                <a:solidFill>
+                  <a:srgbClr val="000000"/>
+                </a:solidFill>
+                <a:latin typeface="Daki"/>
+              </a:rPr>
+              <a:t> </a:t>
+            </a:r>
+            <a:r>
+              <a:rPr lang="ko-KR" altLang="en-US" dirty="0" err="1">
+                <a:solidFill>
+                  <a:srgbClr val="000000"/>
+                </a:solidFill>
+                <a:latin typeface="Daki"/>
+              </a:rPr>
+              <a:t>월물만</a:t>
+            </a:r>
+            <a:r>
+              <a:rPr lang="ko-KR" altLang="en-US" dirty="0">
+                <a:solidFill>
+                  <a:srgbClr val="000000"/>
+                </a:solidFill>
+                <a:latin typeface="Daki"/>
+              </a:rPr>
+              <a:t> 변경된 코드를 반환한다</a:t>
+            </a:r>
+            <a:r>
+              <a:rPr lang="en-US" altLang="ko-KR" dirty="0">
+                <a:solidFill>
+                  <a:srgbClr val="000000"/>
+                </a:solidFill>
+                <a:latin typeface="Daki"/>
+              </a:rPr>
+              <a:t>. 	</a:t>
+            </a:r>
+          </a:p>
+          <a:p>
+            <a:r>
+              <a:rPr lang="en-US" altLang="ko-KR" dirty="0">
+                <a:solidFill>
+                  <a:srgbClr val="000000"/>
+                </a:solidFill>
+                <a:latin typeface="Daki"/>
+              </a:rPr>
+              <a:t>42 	BSTR 	</a:t>
+            </a:r>
+            <a:r>
+              <a:rPr lang="en-US" altLang="ko-KR" dirty="0" err="1">
+                <a:solidFill>
+                  <a:srgbClr val="000000"/>
+                </a:solidFill>
+                <a:latin typeface="Daki"/>
+              </a:rPr>
+              <a:t>GetSOptionCodeByActPric</a:t>
+            </a:r>
+            <a:r>
+              <a:rPr lang="en-US" altLang="ko-KR" dirty="0">
+                <a:solidFill>
+                  <a:srgbClr val="000000"/>
+                </a:solidFill>
+                <a:latin typeface="Daki"/>
+              </a:rPr>
+              <a:t> e 	</a:t>
+            </a:r>
+            <a:r>
+              <a:rPr lang="ko-KR" altLang="en-US" dirty="0" err="1">
+                <a:solidFill>
+                  <a:srgbClr val="000000"/>
+                </a:solidFill>
+                <a:latin typeface="Daki"/>
+              </a:rPr>
+              <a:t>주식옵션</a:t>
+            </a:r>
+            <a:r>
+              <a:rPr lang="ko-KR" altLang="en-US" dirty="0">
+                <a:solidFill>
+                  <a:srgbClr val="000000"/>
+                </a:solidFill>
+                <a:latin typeface="Daki"/>
+              </a:rPr>
+              <a:t> </a:t>
+            </a:r>
+            <a:r>
+              <a:rPr lang="ko-KR" altLang="en-US" dirty="0" err="1">
+                <a:solidFill>
+                  <a:srgbClr val="000000"/>
+                </a:solidFill>
+                <a:latin typeface="Daki"/>
+              </a:rPr>
+              <a:t>행사가만</a:t>
+            </a:r>
+            <a:r>
+              <a:rPr lang="ko-KR" altLang="en-US" dirty="0">
+                <a:solidFill>
+                  <a:srgbClr val="000000"/>
+                </a:solidFill>
+                <a:latin typeface="Daki"/>
+              </a:rPr>
+              <a:t> 변경된 코드를 반환한다</a:t>
+            </a:r>
+            <a:r>
+              <a:rPr lang="en-US" altLang="ko-KR" dirty="0">
+                <a:solidFill>
+                  <a:srgbClr val="000000"/>
+                </a:solidFill>
+                <a:latin typeface="Daki"/>
+              </a:rPr>
+              <a:t>. 	</a:t>
+            </a:r>
+          </a:p>
+          <a:p>
+            <a:r>
+              <a:rPr lang="en-US" altLang="ko-KR" dirty="0">
+                <a:solidFill>
+                  <a:srgbClr val="000000"/>
+                </a:solidFill>
+                <a:latin typeface="Daki"/>
+              </a:rPr>
+              <a:t>43 	BSTR 	</a:t>
+            </a:r>
+            <a:r>
+              <a:rPr lang="en-US" altLang="ko-KR" dirty="0" err="1">
+                <a:solidFill>
+                  <a:srgbClr val="000000"/>
+                </a:solidFill>
+                <a:latin typeface="Daki"/>
+              </a:rPr>
+              <a:t>GetSFOBasisAssetList</a:t>
+            </a:r>
+            <a:r>
+              <a:rPr lang="en-US" altLang="ko-KR" dirty="0">
+                <a:solidFill>
+                  <a:srgbClr val="000000"/>
+                </a:solidFill>
+                <a:latin typeface="Daki"/>
+              </a:rPr>
+              <a:t> 	</a:t>
+            </a:r>
+            <a:r>
+              <a:rPr lang="ko-KR" altLang="en-US" dirty="0" err="1">
+                <a:solidFill>
+                  <a:srgbClr val="000000"/>
+                </a:solidFill>
+                <a:latin typeface="Daki"/>
+              </a:rPr>
+              <a:t>주식선옵</a:t>
+            </a:r>
+            <a:r>
+              <a:rPr lang="ko-KR" altLang="en-US" dirty="0">
+                <a:solidFill>
+                  <a:srgbClr val="000000"/>
+                </a:solidFill>
+                <a:latin typeface="Daki"/>
+              </a:rPr>
+              <a:t> 기초자산코드와 이름을 반환한다</a:t>
+            </a:r>
+            <a:r>
+              <a:rPr lang="en-US" altLang="ko-KR" dirty="0">
+                <a:solidFill>
+                  <a:srgbClr val="000000"/>
+                </a:solidFill>
+                <a:latin typeface="Daki"/>
+              </a:rPr>
+              <a:t>. 	</a:t>
+            </a:r>
+          </a:p>
+          <a:p>
+            <a:r>
+              <a:rPr lang="en-US" altLang="ko-KR" dirty="0">
+                <a:solidFill>
+                  <a:srgbClr val="000000"/>
+                </a:solidFill>
+                <a:latin typeface="Daki"/>
+              </a:rPr>
+              <a:t>44 	BSTR 	</a:t>
+            </a:r>
+            <a:r>
+              <a:rPr lang="en-US" altLang="ko-KR" dirty="0" err="1">
+                <a:solidFill>
+                  <a:srgbClr val="000000"/>
+                </a:solidFill>
+                <a:latin typeface="Daki"/>
+              </a:rPr>
+              <a:t>GetOptionATM</a:t>
+            </a:r>
+            <a:r>
+              <a:rPr lang="en-US" altLang="ko-KR" dirty="0">
+                <a:solidFill>
+                  <a:srgbClr val="000000"/>
+                </a:solidFill>
+                <a:latin typeface="Daki"/>
+              </a:rPr>
+              <a:t> 	</a:t>
+            </a:r>
+            <a:r>
+              <a:rPr lang="ko-KR" altLang="en-US" dirty="0" err="1">
+                <a:solidFill>
+                  <a:srgbClr val="000000"/>
+                </a:solidFill>
+                <a:latin typeface="Daki"/>
+              </a:rPr>
+              <a:t>지수옵션</a:t>
+            </a:r>
+            <a:r>
+              <a:rPr lang="ko-KR" altLang="en-US" dirty="0">
+                <a:solidFill>
+                  <a:srgbClr val="000000"/>
+                </a:solidFill>
+                <a:latin typeface="Daki"/>
+              </a:rPr>
+              <a:t> </a:t>
+            </a:r>
+            <a:r>
+              <a:rPr lang="en-US" altLang="ko-KR" dirty="0">
+                <a:solidFill>
+                  <a:srgbClr val="000000"/>
+                </a:solidFill>
+                <a:latin typeface="Daki"/>
+              </a:rPr>
+              <a:t>ATM</a:t>
+            </a:r>
+            <a:r>
+              <a:rPr lang="ko-KR" altLang="en-US" dirty="0">
+                <a:solidFill>
+                  <a:srgbClr val="000000"/>
+                </a:solidFill>
+                <a:latin typeface="Daki"/>
+              </a:rPr>
+              <a:t>을 반환한다</a:t>
+            </a:r>
+            <a:r>
+              <a:rPr lang="en-US" altLang="ko-KR" dirty="0">
+                <a:solidFill>
+                  <a:srgbClr val="000000"/>
+                </a:solidFill>
+                <a:latin typeface="Daki"/>
+              </a:rPr>
+              <a:t>. 	</a:t>
+            </a:r>
+          </a:p>
+          <a:p>
+            <a:r>
+              <a:rPr lang="en-US" altLang="ko-KR" dirty="0">
+                <a:solidFill>
+                  <a:srgbClr val="000000"/>
+                </a:solidFill>
+                <a:latin typeface="Daki"/>
+              </a:rPr>
+              <a:t>45 	BSTR 	</a:t>
+            </a:r>
+            <a:r>
+              <a:rPr lang="en-US" altLang="ko-KR" dirty="0" err="1">
+                <a:solidFill>
+                  <a:srgbClr val="000000"/>
+                </a:solidFill>
+                <a:latin typeface="Daki"/>
+              </a:rPr>
+              <a:t>GetSOptionATM</a:t>
+            </a:r>
+            <a:r>
+              <a:rPr lang="en-US" altLang="ko-KR" dirty="0">
+                <a:solidFill>
+                  <a:srgbClr val="000000"/>
+                </a:solidFill>
+                <a:latin typeface="Daki"/>
+              </a:rPr>
+              <a:t> 	</a:t>
+            </a:r>
+            <a:r>
+              <a:rPr lang="ko-KR" altLang="en-US" dirty="0" err="1">
+                <a:solidFill>
+                  <a:srgbClr val="000000"/>
+                </a:solidFill>
+                <a:latin typeface="Daki"/>
+              </a:rPr>
+              <a:t>주식옵션</a:t>
+            </a:r>
+            <a:r>
+              <a:rPr lang="ko-KR" altLang="en-US" dirty="0">
+                <a:solidFill>
+                  <a:srgbClr val="000000"/>
+                </a:solidFill>
+                <a:latin typeface="Daki"/>
+              </a:rPr>
+              <a:t> </a:t>
+            </a:r>
+            <a:r>
+              <a:rPr lang="en-US" altLang="ko-KR" dirty="0">
+                <a:solidFill>
+                  <a:srgbClr val="000000"/>
+                </a:solidFill>
+                <a:latin typeface="Daki"/>
+              </a:rPr>
+              <a:t>ATM</a:t>
+            </a:r>
+            <a:r>
+              <a:rPr lang="ko-KR" altLang="en-US" dirty="0">
+                <a:solidFill>
+                  <a:srgbClr val="000000"/>
+                </a:solidFill>
+                <a:latin typeface="Daki"/>
+              </a:rPr>
+              <a:t>을 반환한다</a:t>
+            </a:r>
+            <a:r>
+              <a:rPr lang="en-US" altLang="ko-KR" dirty="0">
+                <a:solidFill>
+                  <a:srgbClr val="000000"/>
+                </a:solidFill>
+                <a:latin typeface="Daki"/>
+              </a:rPr>
+              <a:t>. </a:t>
+            </a:r>
+            <a:endParaRPr lang="ko-KR" altLang="en-US" dirty="0"/>
+          </a:p>
+        </p:txBody>
+      </p:sp>
+    </p:spTree>
+    <p:extLst>
+      <p:ext uri="{BB962C8B-B14F-4D97-AF65-F5344CB8AC3E}">
+        <p14:creationId xmlns:p14="http://schemas.microsoft.com/office/powerpoint/2010/main" val="3681942672"/>
+      </p:ext>
+    </p:extLst>
+  </p:cSld>
+  <p:clrMapOvr>
+    <a:masterClrMapping/>
+  </p:clrMapOvr>
+</p:sld>
+</file>
+
+<file path=ppt/slides/slide12.xml><?xml version="1.0" encoding="utf-8"?>
+<p:sld xmlns:a="http://schemas.openxmlformats.org/drawingml/2006/main" xmlns:r="http://schemas.openxmlformats.org/officeDocument/2006/relationships" xmlns:p="http://schemas.openxmlformats.org/presentationml/2006/main">
+  <p:cSld>
+    <p:spTree>
+      <p:nvGrpSpPr>
+        <p:cNvPr id="1" name=""/>
+        <p:cNvGrpSpPr/>
+        <p:nvPr/>
+      </p:nvGrpSpPr>
+      <p:grpSpPr>
+        <a:xfrm>
+          <a:off x="0" y="0"/>
+          <a:ext cx="0" cy="0"/>
+          <a:chOff x="0" y="0"/>
+          <a:chExt cx="0" cy="0"/>
+        </a:xfrm>
+      </p:grpSpPr>
+      <p:sp>
+        <p:nvSpPr>
+          <p:cNvPr id="4" name="TextBox 3"/>
+          <p:cNvSpPr txBox="1"/>
+          <p:nvPr/>
+        </p:nvSpPr>
+        <p:spPr>
+          <a:xfrm>
+            <a:off x="334736" y="334736"/>
+            <a:ext cx="6848350" cy="646331"/>
+          </a:xfrm>
+          <a:prstGeom prst="rect">
+            <a:avLst/>
+          </a:prstGeom>
+          <a:noFill/>
+        </p:spPr>
+        <p:txBody>
+          <a:bodyPr wrap="none" rtlCol="0">
+            <a:spAutoFit/>
+          </a:bodyPr>
+          <a:lstStyle/>
+          <a:p>
+            <a:r>
+              <a:rPr lang="en-US" altLang="ko-KR" dirty="0" smtClean="0"/>
+              <a:t>500</a:t>
+            </a:r>
+            <a:r>
+              <a:rPr lang="ko-KR" altLang="en-US" dirty="0" smtClean="0"/>
+              <a:t>개 주식정보를 연속으로 조회하면 과도한 요청이 있다고 뜸</a:t>
+            </a:r>
+            <a:r>
+              <a:rPr lang="en-US" altLang="ko-KR" dirty="0" smtClean="0"/>
+              <a:t>…</a:t>
+            </a:r>
+          </a:p>
+          <a:p>
+            <a:endParaRPr lang="ko-KR" altLang="en-US" dirty="0"/>
+          </a:p>
+        </p:txBody>
+      </p:sp>
+    </p:spTree>
+    <p:extLst>
+      <p:ext uri="{BB962C8B-B14F-4D97-AF65-F5344CB8AC3E}">
+        <p14:creationId xmlns:p14="http://schemas.microsoft.com/office/powerpoint/2010/main" val="1232954194"/>
+      </p:ext>
+    </p:extLst>
+  </p:cSld>
+  <p:clrMapOvr>
+    <a:masterClrMapping/>
+  </p:clrMapOvr>
+</p:sld>
+</file>
+
 <file path=ppt/slides/slide2.xml><?xml version="1.0" encoding="utf-8"?>
 <p:sld xmlns:a="http://schemas.openxmlformats.org/drawingml/2006/main" xmlns:r="http://schemas.openxmlformats.org/officeDocument/2006/relationships" xmlns:p="http://schemas.openxmlformats.org/presentationml/2006/main">
   <p:cSld>
@@ -9193,7 +11490,7 @@
         <p:spPr>
           <a:xfrm>
             <a:off x="261257" y="677636"/>
-            <a:ext cx="7931915" cy="6463308"/>
+            <a:ext cx="7986417" cy="7201972"/>
           </a:xfrm>
           <a:prstGeom prst="rect">
             <a:avLst/>
@@ -9262,6 +11559,45 @@
               </a:rPr>
               <a:t>time_series_min1</a:t>
             </a:r>
+          </a:p>
+          <a:p>
+            <a:r>
+              <a:rPr lang="en-US" altLang="ko-KR" sz="1200" dirty="0" smtClean="0">
+                <a:latin typeface="D2Coding" panose="020B0609020101020101" pitchFamily="49" charset="-127"/>
+                <a:ea typeface="D2Coding" panose="020B0609020101020101" pitchFamily="49" charset="-127"/>
+              </a:rPr>
+              <a:t>time_series_min3</a:t>
+            </a:r>
+            <a:endParaRPr lang="en-US" altLang="ko-KR" sz="1200" dirty="0">
+              <a:latin typeface="D2Coding" panose="020B0609020101020101" pitchFamily="49" charset="-127"/>
+              <a:ea typeface="D2Coding" panose="020B0609020101020101" pitchFamily="49" charset="-127"/>
+            </a:endParaRPr>
+          </a:p>
+          <a:p>
+            <a:r>
+              <a:rPr lang="en-US" altLang="ko-KR" sz="1200" dirty="0" smtClean="0">
+                <a:latin typeface="D2Coding" panose="020B0609020101020101" pitchFamily="49" charset="-127"/>
+                <a:ea typeface="D2Coding" panose="020B0609020101020101" pitchFamily="49" charset="-127"/>
+              </a:rPr>
+              <a:t>time_series_min5</a:t>
+            </a:r>
+            <a:endParaRPr lang="en-US" altLang="ko-KR" sz="1200" dirty="0">
+              <a:latin typeface="D2Coding" panose="020B0609020101020101" pitchFamily="49" charset="-127"/>
+              <a:ea typeface="D2Coding" panose="020B0609020101020101" pitchFamily="49" charset="-127"/>
+            </a:endParaRPr>
+          </a:p>
+          <a:p>
+            <a:r>
+              <a:rPr lang="en-US" altLang="ko-KR" sz="1200" dirty="0" smtClean="0">
+                <a:latin typeface="D2Coding" panose="020B0609020101020101" pitchFamily="49" charset="-127"/>
+                <a:ea typeface="D2Coding" panose="020B0609020101020101" pitchFamily="49" charset="-127"/>
+              </a:rPr>
+              <a:t>time_series_min10</a:t>
+            </a:r>
+            <a:endParaRPr lang="en-US" altLang="ko-KR" sz="1200" dirty="0">
+              <a:latin typeface="D2Coding" panose="020B0609020101020101" pitchFamily="49" charset="-127"/>
+              <a:ea typeface="D2Coding" panose="020B0609020101020101" pitchFamily="49" charset="-127"/>
+            </a:endParaRPr>
           </a:p>
           <a:p>
             <a:r>
@@ -10580,7 +12916,7 @@
         <p:spPr>
           <a:xfrm>
             <a:off x="261257" y="677636"/>
-            <a:ext cx="1825821" cy="1384995"/>
+            <a:ext cx="2921697" cy="1569660"/>
           </a:xfrm>
           <a:prstGeom prst="rect">
             <a:avLst/>
@@ -10635,8 +12971,33 @@
           <a:p>
             <a:r>
               <a:rPr lang="en-US" altLang="ko-KR" sz="1200" dirty="0" smtClean="0"/>
-              <a:t>size:</a:t>
-            </a:r>
+              <a:t>size</a:t>
+            </a:r>
+            <a:r>
+              <a:rPr lang="en-US" altLang="ko-KR" sz="1200" dirty="0" smtClean="0"/>
+              <a:t>: </a:t>
+            </a:r>
+            <a:r>
+              <a:rPr lang="ko-KR" altLang="en-US" sz="1200" dirty="0" smtClean="0"/>
+              <a:t>대기업</a:t>
+            </a:r>
+            <a:r>
+              <a:rPr lang="en-US" altLang="ko-KR" sz="1200" dirty="0" smtClean="0"/>
+              <a:t>/</a:t>
+            </a:r>
+            <a:r>
+              <a:rPr lang="ko-KR" altLang="en-US" sz="1200" dirty="0" smtClean="0"/>
+              <a:t>중견기업</a:t>
+            </a:r>
+            <a:r>
+              <a:rPr lang="en-US" altLang="ko-KR" sz="1200" dirty="0" smtClean="0"/>
+              <a:t>/</a:t>
+            </a:r>
+            <a:r>
+              <a:rPr lang="ko-KR" altLang="en-US" sz="1200" dirty="0" smtClean="0"/>
+              <a:t>중소기업</a:t>
+            </a:r>
+            <a:endParaRPr lang="en-US" altLang="ko-KR" sz="1200" dirty="0" smtClean="0"/>
           </a:p>
           <a:p>
             <a:r>
@@ -10655,12 +13016,34 @@
               <a:t>warning: </a:t>
             </a:r>
             <a:r>
+              <a:rPr lang="ko-KR" altLang="en-US" sz="1200" dirty="0" err="1" smtClean="0"/>
+              <a:t>감리구분</a:t>
+            </a:r>
+            <a:r>
+              <a:rPr lang="en-US" altLang="ko-KR" sz="1200" dirty="0" smtClean="0"/>
+              <a:t>(</a:t>
+            </a:r>
+          </a:p>
+          <a:p>
+            <a:r>
+              <a:rPr lang="en-US" altLang="ko-KR" sz="1200" dirty="0" smtClean="0"/>
+              <a:t>preferred: True(</a:t>
+            </a:r>
+            <a:r>
               <a:rPr lang="ko-KR" altLang="en-US" sz="1200" dirty="0" smtClean="0"/>
-              <a:t>위험종목인지</a:t>
+              <a:t>우선주</a:t>
             </a:r>
             <a:r>
               <a:rPr lang="en-US" altLang="ko-KR" sz="1200" dirty="0" smtClean="0"/>
-              <a:t>?</a:t>
+              <a:t>)/False(</a:t>
+            </a:r>
+            <a:r>
+              <a:rPr lang="ko-KR" altLang="en-US" sz="1200" dirty="0" smtClean="0"/>
+              <a:t>비 우선주</a:t>
+            </a:r>
+            <a:r>
+              <a:rPr lang="en-US" altLang="ko-KR" sz="1200" dirty="0" smtClean="0"/>
+              <a:t>)</a:t>
             </a:r>
           </a:p>
           <a:p>
@@ -11907,6 +14290,1267 @@
       </p:par>
     </p:tnLst>
   </p:timing>
+</p:sld>
+</file>
+
+<file path=ppt/slides/slide9.xml><?xml version="1.0" encoding="utf-8"?>
+<p:sld xmlns:a="http://schemas.openxmlformats.org/drawingml/2006/main" xmlns:r="http://schemas.openxmlformats.org/officeDocument/2006/relationships" xmlns:p="http://schemas.openxmlformats.org/presentationml/2006/main">
+  <p:cSld>
+    <p:spTree>
+      <p:nvGrpSpPr>
+        <p:cNvPr id="1" name=""/>
+        <p:cNvGrpSpPr/>
+        <p:nvPr/>
+      </p:nvGrpSpPr>
+      <p:grpSpPr>
+        <a:xfrm>
+          <a:off x="0" y="0"/>
+          <a:ext cx="0" cy="0"/>
+          <a:chOff x="0" y="0"/>
+          <a:chExt cx="0" cy="0"/>
+        </a:xfrm>
+      </p:grpSpPr>
+      <p:sp>
+        <p:nvSpPr>
+          <p:cNvPr id="5" name="직사각형 4"/>
+          <p:cNvSpPr/>
+          <p:nvPr/>
+        </p:nvSpPr>
+        <p:spPr>
+          <a:xfrm>
+            <a:off x="218301" y="255018"/>
+            <a:ext cx="11694065" cy="5909310"/>
+          </a:xfrm>
+          <a:prstGeom prst="rect">
+            <a:avLst/>
+          </a:prstGeom>
+        </p:spPr>
+        <p:txBody>
+          <a:bodyPr wrap="square">
+            <a:spAutoFit/>
+          </a:bodyPr>
+          <a:lstStyle/>
+          <a:p>
+            <a:r>
+              <a:rPr lang="en-US" altLang="ko-KR" dirty="0">
+                <a:solidFill>
+                  <a:srgbClr val="000000"/>
+                </a:solidFill>
+                <a:latin typeface="Daki"/>
+              </a:rPr>
+              <a:t>ID 	</a:t>
+            </a:r>
+            <a:r>
+              <a:rPr lang="ko-KR" altLang="en-US" dirty="0">
+                <a:solidFill>
+                  <a:srgbClr val="000000"/>
+                </a:solidFill>
+                <a:latin typeface="Daki"/>
+              </a:rPr>
+              <a:t>타입 	이름 	설명 	</a:t>
+            </a:r>
+          </a:p>
+          <a:p>
+            <a:r>
+              <a:rPr lang="en-US" altLang="ko-KR" dirty="0">
+                <a:solidFill>
+                  <a:srgbClr val="000000"/>
+                </a:solidFill>
+                <a:latin typeface="Daki"/>
+              </a:rPr>
+              <a:t>1 	LONG 	</a:t>
+            </a:r>
+            <a:r>
+              <a:rPr lang="en-US" altLang="ko-KR" dirty="0" err="1">
+                <a:solidFill>
+                  <a:srgbClr val="FF0000"/>
+                </a:solidFill>
+                <a:latin typeface="Daki"/>
+              </a:rPr>
+              <a:t>CommConnect</a:t>
+            </a:r>
+            <a:r>
+              <a:rPr lang="en-US" altLang="ko-KR" dirty="0">
+                <a:solidFill>
+                  <a:srgbClr val="000000"/>
+                </a:solidFill>
+                <a:latin typeface="Daki"/>
+              </a:rPr>
+              <a:t> 	</a:t>
+            </a:r>
+            <a:r>
+              <a:rPr lang="ko-KR" altLang="en-US" dirty="0">
+                <a:solidFill>
+                  <a:srgbClr val="000000"/>
+                </a:solidFill>
+                <a:latin typeface="Daki"/>
+              </a:rPr>
+              <a:t>로그인 윈도우를 실행한다</a:t>
+            </a:r>
+            <a:r>
+              <a:rPr lang="en-US" altLang="ko-KR" dirty="0">
+                <a:solidFill>
+                  <a:srgbClr val="000000"/>
+                </a:solidFill>
+                <a:latin typeface="Daki"/>
+              </a:rPr>
+              <a:t>. 	</a:t>
+            </a:r>
+          </a:p>
+          <a:p>
+            <a:r>
+              <a:rPr lang="en-US" altLang="ko-KR" dirty="0" smtClean="0">
+                <a:solidFill>
+                  <a:srgbClr val="000000"/>
+                </a:solidFill>
+                <a:latin typeface="Daki"/>
+              </a:rPr>
+              <a:t>3 </a:t>
+            </a:r>
+            <a:r>
+              <a:rPr lang="en-US" altLang="ko-KR" dirty="0">
+                <a:solidFill>
+                  <a:srgbClr val="000000"/>
+                </a:solidFill>
+                <a:latin typeface="Daki"/>
+              </a:rPr>
+              <a:t>	LONG 	</a:t>
+            </a:r>
+            <a:r>
+              <a:rPr lang="en-US" altLang="ko-KR" dirty="0" err="1">
+                <a:solidFill>
+                  <a:srgbClr val="FF0000"/>
+                </a:solidFill>
+                <a:latin typeface="Daki"/>
+              </a:rPr>
+              <a:t>CommRqData</a:t>
+            </a:r>
+            <a:r>
+              <a:rPr lang="en-US" altLang="ko-KR" dirty="0">
+                <a:solidFill>
+                  <a:srgbClr val="000000"/>
+                </a:solidFill>
+                <a:latin typeface="Daki"/>
+              </a:rPr>
+              <a:t> 	</a:t>
+            </a:r>
+            <a:r>
+              <a:rPr lang="ko-KR" altLang="en-US" dirty="0">
+                <a:solidFill>
+                  <a:srgbClr val="000000"/>
+                </a:solidFill>
+                <a:latin typeface="Daki"/>
+              </a:rPr>
+              <a:t>통신 데이터를 송신한다</a:t>
+            </a:r>
+            <a:r>
+              <a:rPr lang="en-US" altLang="ko-KR" dirty="0">
+                <a:solidFill>
+                  <a:srgbClr val="000000"/>
+                </a:solidFill>
+                <a:latin typeface="Daki"/>
+              </a:rPr>
+              <a:t>. 	</a:t>
+            </a:r>
+          </a:p>
+          <a:p>
+            <a:r>
+              <a:rPr lang="en-US" altLang="ko-KR" dirty="0">
+                <a:solidFill>
+                  <a:srgbClr val="000000"/>
+                </a:solidFill>
+                <a:latin typeface="Daki"/>
+              </a:rPr>
+              <a:t>4 	BSTR 	</a:t>
+            </a:r>
+            <a:r>
+              <a:rPr lang="en-US" altLang="ko-KR" dirty="0" err="1">
+                <a:solidFill>
+                  <a:srgbClr val="FF0000"/>
+                </a:solidFill>
+                <a:latin typeface="Daki"/>
+              </a:rPr>
+              <a:t>GetLoginInfo</a:t>
+            </a:r>
+            <a:r>
+              <a:rPr lang="en-US" altLang="ko-KR" dirty="0">
+                <a:solidFill>
+                  <a:srgbClr val="000000"/>
+                </a:solidFill>
+                <a:latin typeface="Daki"/>
+              </a:rPr>
+              <a:t> 	</a:t>
+            </a:r>
+            <a:r>
+              <a:rPr lang="ko-KR" altLang="en-US" dirty="0">
+                <a:solidFill>
+                  <a:srgbClr val="000000"/>
+                </a:solidFill>
+                <a:latin typeface="Daki"/>
+              </a:rPr>
+              <a:t>로그인 정보를 반환한다</a:t>
+            </a:r>
+            <a:r>
+              <a:rPr lang="en-US" altLang="ko-KR" dirty="0">
+                <a:solidFill>
+                  <a:srgbClr val="000000"/>
+                </a:solidFill>
+                <a:latin typeface="Daki"/>
+              </a:rPr>
+              <a:t>. 	</a:t>
+            </a:r>
+          </a:p>
+          <a:p>
+            <a:r>
+              <a:rPr lang="en-US" altLang="ko-KR" dirty="0">
+                <a:solidFill>
+                  <a:srgbClr val="000000"/>
+                </a:solidFill>
+                <a:latin typeface="Daki"/>
+              </a:rPr>
+              <a:t>5 	LONG 	</a:t>
+            </a:r>
+            <a:r>
+              <a:rPr lang="en-US" altLang="ko-KR" dirty="0" err="1">
+                <a:solidFill>
+                  <a:srgbClr val="000000"/>
+                </a:solidFill>
+                <a:latin typeface="Daki"/>
+              </a:rPr>
+              <a:t>SendOrder</a:t>
+            </a:r>
+            <a:r>
+              <a:rPr lang="en-US" altLang="ko-KR" dirty="0">
+                <a:solidFill>
+                  <a:srgbClr val="000000"/>
+                </a:solidFill>
+                <a:latin typeface="Daki"/>
+              </a:rPr>
+              <a:t> 	</a:t>
+            </a:r>
+            <a:r>
+              <a:rPr lang="ko-KR" altLang="en-US" dirty="0" err="1">
+                <a:solidFill>
+                  <a:srgbClr val="000000"/>
+                </a:solidFill>
+                <a:latin typeface="Daki"/>
+              </a:rPr>
+              <a:t>주식주문</a:t>
+            </a:r>
+            <a:r>
+              <a:rPr lang="ko-KR" altLang="en-US" dirty="0">
+                <a:solidFill>
+                  <a:srgbClr val="000000"/>
+                </a:solidFill>
+                <a:latin typeface="Daki"/>
+              </a:rPr>
+              <a:t> </a:t>
+            </a:r>
+            <a:r>
+              <a:rPr lang="en-US" altLang="ko-KR" dirty="0">
+                <a:solidFill>
+                  <a:srgbClr val="000000"/>
+                </a:solidFill>
+                <a:latin typeface="Daki"/>
+              </a:rPr>
+              <a:t>Tran</a:t>
+            </a:r>
+            <a:r>
+              <a:rPr lang="ko-KR" altLang="en-US" dirty="0">
+                <a:solidFill>
+                  <a:srgbClr val="000000"/>
+                </a:solidFill>
+                <a:latin typeface="Daki"/>
+              </a:rPr>
+              <a:t>을 송신한다</a:t>
+            </a:r>
+            <a:r>
+              <a:rPr lang="en-US" altLang="ko-KR" dirty="0">
+                <a:solidFill>
+                  <a:srgbClr val="000000"/>
+                </a:solidFill>
+                <a:latin typeface="Daki"/>
+              </a:rPr>
+              <a:t>. 	</a:t>
+            </a:r>
+          </a:p>
+          <a:p>
+            <a:r>
+              <a:rPr lang="en-US" altLang="ko-KR" dirty="0" smtClean="0">
+                <a:solidFill>
+                  <a:srgbClr val="000000"/>
+                </a:solidFill>
+                <a:latin typeface="Daki"/>
+              </a:rPr>
+              <a:t>7 </a:t>
+            </a:r>
+            <a:r>
+              <a:rPr lang="en-US" altLang="ko-KR" dirty="0">
+                <a:solidFill>
+                  <a:srgbClr val="000000"/>
+                </a:solidFill>
+                <a:latin typeface="Daki"/>
+              </a:rPr>
+              <a:t>	void 	</a:t>
+            </a:r>
+            <a:r>
+              <a:rPr lang="en-US" altLang="ko-KR" dirty="0" err="1">
+                <a:solidFill>
+                  <a:srgbClr val="FF0000"/>
+                </a:solidFill>
+                <a:latin typeface="Daki"/>
+              </a:rPr>
+              <a:t>SetInputValue</a:t>
+            </a:r>
+            <a:r>
+              <a:rPr lang="en-US" altLang="ko-KR" dirty="0">
+                <a:solidFill>
+                  <a:srgbClr val="000000"/>
+                </a:solidFill>
+                <a:latin typeface="Daki"/>
+              </a:rPr>
+              <a:t> 	</a:t>
+            </a:r>
+          </a:p>
+          <a:p>
+            <a:r>
+              <a:rPr lang="en-US" altLang="ko-KR" dirty="0" smtClean="0">
+                <a:solidFill>
+                  <a:srgbClr val="000000"/>
+                </a:solidFill>
+                <a:latin typeface="Daki"/>
+              </a:rPr>
+              <a:t>8 	LONG </a:t>
+            </a:r>
+            <a:r>
+              <a:rPr lang="en-US" altLang="ko-KR" dirty="0">
+                <a:solidFill>
+                  <a:srgbClr val="000000"/>
+                </a:solidFill>
+                <a:latin typeface="Daki"/>
+              </a:rPr>
+              <a:t>	</a:t>
+            </a:r>
+            <a:r>
+              <a:rPr lang="en-US" altLang="ko-KR" dirty="0" err="1">
+                <a:solidFill>
+                  <a:srgbClr val="000000"/>
+                </a:solidFill>
+                <a:latin typeface="Daki"/>
+              </a:rPr>
+              <a:t>SetOutputFID</a:t>
+            </a:r>
+            <a:r>
+              <a:rPr lang="en-US" altLang="ko-KR" dirty="0">
+                <a:solidFill>
+                  <a:srgbClr val="000000"/>
+                </a:solidFill>
+                <a:latin typeface="Daki"/>
+              </a:rPr>
+              <a:t> 	</a:t>
+            </a:r>
+            <a:endParaRPr lang="en-US" altLang="ko-KR" dirty="0" smtClean="0">
+              <a:solidFill>
+                <a:srgbClr val="000000"/>
+              </a:solidFill>
+              <a:latin typeface="Daki"/>
+            </a:endParaRPr>
+          </a:p>
+          <a:p>
+            <a:r>
+              <a:rPr lang="en-US" altLang="ko-KR" dirty="0">
+                <a:solidFill>
+                  <a:srgbClr val="000000"/>
+                </a:solidFill>
+                <a:latin typeface="Daki"/>
+              </a:rPr>
+              <a:t>10 	void 	</a:t>
+            </a:r>
+            <a:r>
+              <a:rPr lang="en-US" altLang="ko-KR" dirty="0" err="1">
+                <a:solidFill>
+                  <a:srgbClr val="000000"/>
+                </a:solidFill>
+                <a:latin typeface="Daki"/>
+              </a:rPr>
+              <a:t>DisconnectRealData</a:t>
+            </a:r>
+            <a:r>
+              <a:rPr lang="en-US" altLang="ko-KR" dirty="0">
+                <a:solidFill>
+                  <a:srgbClr val="000000"/>
+                </a:solidFill>
+                <a:latin typeface="Daki"/>
+              </a:rPr>
+              <a:t> 	</a:t>
+            </a:r>
+            <a:r>
+              <a:rPr lang="ko-KR" altLang="en-US" dirty="0" err="1">
+                <a:solidFill>
+                  <a:srgbClr val="000000"/>
+                </a:solidFill>
+                <a:latin typeface="Daki"/>
+              </a:rPr>
+              <a:t>리얼</a:t>
+            </a:r>
+            <a:r>
+              <a:rPr lang="ko-KR" altLang="en-US" dirty="0">
+                <a:solidFill>
+                  <a:srgbClr val="000000"/>
+                </a:solidFill>
+                <a:latin typeface="Daki"/>
+              </a:rPr>
+              <a:t> 시세를 끊는다</a:t>
+            </a:r>
+            <a:r>
+              <a:rPr lang="en-US" altLang="ko-KR" dirty="0">
+                <a:solidFill>
+                  <a:srgbClr val="000000"/>
+                </a:solidFill>
+                <a:latin typeface="Daki"/>
+              </a:rPr>
+              <a:t>. 	</a:t>
+            </a:r>
+          </a:p>
+          <a:p>
+            <a:r>
+              <a:rPr lang="en-US" altLang="ko-KR" dirty="0">
+                <a:solidFill>
+                  <a:srgbClr val="000000"/>
+                </a:solidFill>
+                <a:latin typeface="Daki"/>
+              </a:rPr>
+              <a:t>11 	LONG 	</a:t>
+            </a:r>
+            <a:r>
+              <a:rPr lang="en-US" altLang="ko-KR" dirty="0" err="1">
+                <a:solidFill>
+                  <a:srgbClr val="FF0000"/>
+                </a:solidFill>
+                <a:latin typeface="Daki"/>
+              </a:rPr>
+              <a:t>GetRepeatCnt</a:t>
+            </a:r>
+            <a:r>
+              <a:rPr lang="en-US" altLang="ko-KR" dirty="0">
+                <a:solidFill>
+                  <a:srgbClr val="000000"/>
+                </a:solidFill>
+                <a:latin typeface="Daki"/>
+              </a:rPr>
+              <a:t> 	</a:t>
+            </a:r>
+            <a:r>
+              <a:rPr lang="ko-KR" altLang="en-US" dirty="0">
+                <a:solidFill>
+                  <a:srgbClr val="000000"/>
+                </a:solidFill>
+                <a:latin typeface="Daki"/>
+              </a:rPr>
+              <a:t>수신 받은 데이터의 반복 개수를 반환한다</a:t>
+            </a:r>
+            <a:r>
+              <a:rPr lang="en-US" altLang="ko-KR" dirty="0">
+                <a:solidFill>
+                  <a:srgbClr val="000000"/>
+                </a:solidFill>
+                <a:latin typeface="Daki"/>
+              </a:rPr>
+              <a:t>. 	</a:t>
+            </a:r>
+          </a:p>
+          <a:p>
+            <a:r>
+              <a:rPr lang="en-US" altLang="ko-KR" dirty="0">
+                <a:solidFill>
+                  <a:srgbClr val="000000"/>
+                </a:solidFill>
+                <a:latin typeface="Daki"/>
+              </a:rPr>
+              <a:t>12 	LONG 	</a:t>
+            </a:r>
+            <a:r>
+              <a:rPr lang="en-US" altLang="ko-KR" dirty="0" err="1">
+                <a:solidFill>
+                  <a:srgbClr val="000000"/>
+                </a:solidFill>
+                <a:latin typeface="Daki"/>
+              </a:rPr>
+              <a:t>CommKwRqData</a:t>
+            </a:r>
+            <a:r>
+              <a:rPr lang="en-US" altLang="ko-KR" dirty="0">
+                <a:solidFill>
+                  <a:srgbClr val="000000"/>
+                </a:solidFill>
+                <a:latin typeface="Daki"/>
+              </a:rPr>
+              <a:t> 	</a:t>
+            </a:r>
+            <a:r>
+              <a:rPr lang="ko-KR" altLang="en-US" dirty="0" err="1">
+                <a:solidFill>
+                  <a:srgbClr val="000000"/>
+                </a:solidFill>
+                <a:latin typeface="Daki"/>
+              </a:rPr>
+              <a:t>관심종목을</a:t>
+            </a:r>
+            <a:r>
+              <a:rPr lang="ko-KR" altLang="en-US" dirty="0">
+                <a:solidFill>
+                  <a:srgbClr val="000000"/>
+                </a:solidFill>
+                <a:latin typeface="Daki"/>
+              </a:rPr>
+              <a:t> 조회 한다</a:t>
+            </a:r>
+            <a:r>
+              <a:rPr lang="en-US" altLang="ko-KR" dirty="0">
+                <a:solidFill>
+                  <a:srgbClr val="000000"/>
+                </a:solidFill>
+                <a:latin typeface="Daki"/>
+              </a:rPr>
+              <a:t>. 	</a:t>
+            </a:r>
+          </a:p>
+          <a:p>
+            <a:r>
+              <a:rPr lang="en-US" altLang="ko-KR" dirty="0">
+                <a:solidFill>
+                  <a:srgbClr val="000000"/>
+                </a:solidFill>
+                <a:latin typeface="Daki"/>
+              </a:rPr>
+              <a:t>13 	BSTR 	</a:t>
+            </a:r>
+            <a:r>
+              <a:rPr lang="en-US" altLang="ko-KR" dirty="0" err="1">
+                <a:solidFill>
+                  <a:srgbClr val="FF0000"/>
+                </a:solidFill>
+                <a:latin typeface="Daki"/>
+              </a:rPr>
+              <a:t>GetAPIModulePath</a:t>
+            </a:r>
+            <a:r>
+              <a:rPr lang="en-US" altLang="ko-KR" dirty="0">
+                <a:solidFill>
+                  <a:srgbClr val="000000"/>
+                </a:solidFill>
+                <a:latin typeface="Daki"/>
+              </a:rPr>
+              <a:t> 	</a:t>
+            </a:r>
+            <a:r>
+              <a:rPr lang="en-US" altLang="ko-KR" dirty="0" err="1">
+                <a:solidFill>
+                  <a:srgbClr val="000000"/>
+                </a:solidFill>
+                <a:latin typeface="Daki"/>
+              </a:rPr>
+              <a:t>OpenApi</a:t>
+            </a:r>
+            <a:r>
+              <a:rPr lang="en-US" altLang="ko-KR" dirty="0">
+                <a:solidFill>
+                  <a:srgbClr val="000000"/>
+                </a:solidFill>
+                <a:latin typeface="Daki"/>
+              </a:rPr>
+              <a:t> </a:t>
+            </a:r>
+            <a:r>
+              <a:rPr lang="ko-KR" altLang="en-US" dirty="0">
+                <a:solidFill>
+                  <a:srgbClr val="000000"/>
+                </a:solidFill>
+                <a:latin typeface="Daki"/>
+              </a:rPr>
+              <a:t>모듈이 설치되어 있는 디렉토리를 반환 한다</a:t>
+            </a:r>
+            <a:r>
+              <a:rPr lang="en-US" altLang="ko-KR" dirty="0">
+                <a:solidFill>
+                  <a:srgbClr val="000000"/>
+                </a:solidFill>
+                <a:latin typeface="Daki"/>
+              </a:rPr>
+              <a:t>. 	</a:t>
+            </a:r>
+          </a:p>
+          <a:p>
+            <a:r>
+              <a:rPr lang="en-US" altLang="ko-KR" dirty="0">
+                <a:solidFill>
+                  <a:srgbClr val="000000"/>
+                </a:solidFill>
+                <a:latin typeface="Daki"/>
+              </a:rPr>
+              <a:t>14 	BSTR 	</a:t>
+            </a:r>
+            <a:r>
+              <a:rPr lang="en-US" altLang="ko-KR" dirty="0" err="1">
+                <a:solidFill>
+                  <a:srgbClr val="FF0000"/>
+                </a:solidFill>
+                <a:latin typeface="Daki"/>
+              </a:rPr>
+              <a:t>GetCodeListByMarket</a:t>
+            </a:r>
+            <a:r>
+              <a:rPr lang="en-US" altLang="ko-KR" dirty="0">
+                <a:solidFill>
+                  <a:srgbClr val="000000"/>
+                </a:solidFill>
+                <a:latin typeface="Daki"/>
+              </a:rPr>
+              <a:t> 	</a:t>
+            </a:r>
+            <a:r>
+              <a:rPr lang="ko-KR" altLang="en-US" dirty="0" err="1">
+                <a:solidFill>
+                  <a:srgbClr val="000000"/>
+                </a:solidFill>
+                <a:latin typeface="Daki"/>
+              </a:rPr>
+              <a:t>장구분별</a:t>
+            </a:r>
+            <a:r>
+              <a:rPr lang="ko-KR" altLang="en-US" dirty="0">
+                <a:solidFill>
+                  <a:srgbClr val="000000"/>
+                </a:solidFill>
+                <a:latin typeface="Daki"/>
+              </a:rPr>
+              <a:t> </a:t>
+            </a:r>
+            <a:r>
+              <a:rPr lang="ko-KR" altLang="en-US" dirty="0" err="1">
+                <a:solidFill>
+                  <a:srgbClr val="000000"/>
+                </a:solidFill>
+                <a:latin typeface="Daki"/>
+              </a:rPr>
+              <a:t>종목코드</a:t>
+            </a:r>
+            <a:r>
+              <a:rPr lang="ko-KR" altLang="en-US" dirty="0">
+                <a:solidFill>
+                  <a:srgbClr val="000000"/>
+                </a:solidFill>
+                <a:latin typeface="Daki"/>
+              </a:rPr>
+              <a:t> 리스트를 반환한다</a:t>
+            </a:r>
+            <a:r>
+              <a:rPr lang="en-US" altLang="ko-KR" dirty="0">
+                <a:solidFill>
+                  <a:srgbClr val="000000"/>
+                </a:solidFill>
+                <a:latin typeface="Daki"/>
+              </a:rPr>
+              <a:t>. 	</a:t>
+            </a:r>
+          </a:p>
+          <a:p>
+            <a:r>
+              <a:rPr lang="en-US" altLang="ko-KR" dirty="0">
+                <a:solidFill>
+                  <a:srgbClr val="000000"/>
+                </a:solidFill>
+                <a:latin typeface="Daki"/>
+              </a:rPr>
+              <a:t>15 	LONG 	</a:t>
+            </a:r>
+            <a:r>
+              <a:rPr lang="en-US" altLang="ko-KR" dirty="0" err="1">
+                <a:solidFill>
+                  <a:srgbClr val="FF0000"/>
+                </a:solidFill>
+                <a:latin typeface="Daki"/>
+              </a:rPr>
+              <a:t>GetConnectState</a:t>
+            </a:r>
+            <a:r>
+              <a:rPr lang="en-US" altLang="ko-KR" dirty="0">
+                <a:solidFill>
+                  <a:srgbClr val="000000"/>
+                </a:solidFill>
+                <a:latin typeface="Daki"/>
+              </a:rPr>
+              <a:t> 	</a:t>
+            </a:r>
+            <a:r>
+              <a:rPr lang="ko-KR" altLang="en-US" dirty="0">
+                <a:solidFill>
+                  <a:srgbClr val="000000"/>
+                </a:solidFill>
+                <a:latin typeface="Daki"/>
+              </a:rPr>
+              <a:t>통신 접속 상태를 반환한다</a:t>
+            </a:r>
+            <a:r>
+              <a:rPr lang="en-US" altLang="ko-KR" dirty="0">
+                <a:solidFill>
+                  <a:srgbClr val="000000"/>
+                </a:solidFill>
+                <a:latin typeface="Daki"/>
+              </a:rPr>
+              <a:t>. 	</a:t>
+            </a:r>
+          </a:p>
+          <a:p>
+            <a:r>
+              <a:rPr lang="en-US" altLang="ko-KR" dirty="0">
+                <a:solidFill>
+                  <a:srgbClr val="000000"/>
+                </a:solidFill>
+                <a:latin typeface="Daki"/>
+              </a:rPr>
+              <a:t>16 	BSTR 	</a:t>
+            </a:r>
+            <a:r>
+              <a:rPr lang="en-US" altLang="ko-KR" dirty="0" err="1">
+                <a:solidFill>
+                  <a:srgbClr val="FF0000"/>
+                </a:solidFill>
+                <a:latin typeface="Daki"/>
+              </a:rPr>
+              <a:t>GetMasterCodeName</a:t>
+            </a:r>
+            <a:r>
+              <a:rPr lang="en-US" altLang="ko-KR" dirty="0">
+                <a:solidFill>
+                  <a:srgbClr val="000000"/>
+                </a:solidFill>
+                <a:latin typeface="Daki"/>
+              </a:rPr>
+              <a:t> 	</a:t>
+            </a:r>
+            <a:r>
+              <a:rPr lang="ko-KR" altLang="en-US" dirty="0" err="1">
+                <a:solidFill>
+                  <a:srgbClr val="000000"/>
+                </a:solidFill>
+                <a:latin typeface="Daki"/>
+              </a:rPr>
+              <a:t>종목코드의</a:t>
+            </a:r>
+            <a:r>
+              <a:rPr lang="ko-KR" altLang="en-US" dirty="0">
+                <a:solidFill>
+                  <a:srgbClr val="000000"/>
+                </a:solidFill>
+                <a:latin typeface="Daki"/>
+              </a:rPr>
+              <a:t> </a:t>
+            </a:r>
+            <a:r>
+              <a:rPr lang="ko-KR" altLang="en-US" dirty="0" err="1">
+                <a:solidFill>
+                  <a:srgbClr val="000000"/>
+                </a:solidFill>
+                <a:latin typeface="Daki"/>
+              </a:rPr>
+              <a:t>종목명을</a:t>
+            </a:r>
+            <a:r>
+              <a:rPr lang="ko-KR" altLang="en-US" dirty="0">
+                <a:solidFill>
+                  <a:srgbClr val="000000"/>
+                </a:solidFill>
+                <a:latin typeface="Daki"/>
+              </a:rPr>
+              <a:t> 반환한다</a:t>
+            </a:r>
+            <a:r>
+              <a:rPr lang="en-US" altLang="ko-KR" dirty="0">
+                <a:solidFill>
+                  <a:srgbClr val="000000"/>
+                </a:solidFill>
+                <a:latin typeface="Daki"/>
+              </a:rPr>
+              <a:t>. 	</a:t>
+            </a:r>
+          </a:p>
+          <a:p>
+            <a:r>
+              <a:rPr lang="en-US" altLang="ko-KR" dirty="0">
+                <a:solidFill>
+                  <a:srgbClr val="000000"/>
+                </a:solidFill>
+                <a:latin typeface="Daki"/>
+              </a:rPr>
+              <a:t>17 	LONG 	</a:t>
+            </a:r>
+            <a:r>
+              <a:rPr lang="en-US" altLang="ko-KR" dirty="0" err="1">
+                <a:solidFill>
+                  <a:srgbClr val="FF0000"/>
+                </a:solidFill>
+                <a:latin typeface="Daki"/>
+              </a:rPr>
+              <a:t>GetMasterListedStockCnt</a:t>
+            </a:r>
+            <a:r>
+              <a:rPr lang="en-US" altLang="ko-KR" dirty="0">
+                <a:solidFill>
+                  <a:srgbClr val="000000"/>
+                </a:solidFill>
+                <a:latin typeface="Daki"/>
+              </a:rPr>
+              <a:t> 	</a:t>
+            </a:r>
+            <a:r>
+              <a:rPr lang="ko-KR" altLang="en-US" dirty="0" err="1">
+                <a:solidFill>
+                  <a:srgbClr val="000000"/>
+                </a:solidFill>
+                <a:latin typeface="Daki"/>
+              </a:rPr>
+              <a:t>종목코드의</a:t>
+            </a:r>
+            <a:r>
+              <a:rPr lang="ko-KR" altLang="en-US" dirty="0">
+                <a:solidFill>
+                  <a:srgbClr val="000000"/>
+                </a:solidFill>
+                <a:latin typeface="Daki"/>
+              </a:rPr>
+              <a:t> 상장주식수를 반환한다</a:t>
+            </a:r>
+            <a:r>
+              <a:rPr lang="en-US" altLang="ko-KR" dirty="0">
+                <a:solidFill>
+                  <a:srgbClr val="000000"/>
+                </a:solidFill>
+                <a:latin typeface="Daki"/>
+              </a:rPr>
+              <a:t>. 	</a:t>
+            </a:r>
+          </a:p>
+          <a:p>
+            <a:r>
+              <a:rPr lang="en-US" altLang="ko-KR" dirty="0">
+                <a:solidFill>
+                  <a:srgbClr val="000000"/>
+                </a:solidFill>
+                <a:latin typeface="Daki"/>
+              </a:rPr>
+              <a:t>18 	BSTR 	</a:t>
+            </a:r>
+            <a:r>
+              <a:rPr lang="en-US" altLang="ko-KR" dirty="0" err="1">
+                <a:solidFill>
+                  <a:srgbClr val="FF0000"/>
+                </a:solidFill>
+                <a:latin typeface="Daki"/>
+              </a:rPr>
+              <a:t>GetMasterConstruction</a:t>
+            </a:r>
+            <a:r>
+              <a:rPr lang="en-US" altLang="ko-KR" dirty="0">
+                <a:solidFill>
+                  <a:srgbClr val="000000"/>
+                </a:solidFill>
+                <a:latin typeface="Daki"/>
+              </a:rPr>
+              <a:t> 	</a:t>
+            </a:r>
+            <a:r>
+              <a:rPr lang="ko-KR" altLang="en-US" dirty="0" err="1">
+                <a:solidFill>
+                  <a:srgbClr val="000000"/>
+                </a:solidFill>
+                <a:latin typeface="Daki"/>
+              </a:rPr>
+              <a:t>종목코드의</a:t>
+            </a:r>
+            <a:r>
+              <a:rPr lang="ko-KR" altLang="en-US" dirty="0">
+                <a:solidFill>
+                  <a:srgbClr val="000000"/>
+                </a:solidFill>
+                <a:latin typeface="Daki"/>
+              </a:rPr>
+              <a:t> </a:t>
+            </a:r>
+            <a:r>
+              <a:rPr lang="ko-KR" altLang="en-US" dirty="0" err="1">
+                <a:solidFill>
+                  <a:srgbClr val="000000"/>
+                </a:solidFill>
+                <a:latin typeface="Daki"/>
+              </a:rPr>
+              <a:t>감리구분을</a:t>
+            </a:r>
+            <a:r>
+              <a:rPr lang="ko-KR" altLang="en-US" dirty="0">
+                <a:solidFill>
+                  <a:srgbClr val="000000"/>
+                </a:solidFill>
+                <a:latin typeface="Daki"/>
+              </a:rPr>
+              <a:t> 반환한다</a:t>
+            </a:r>
+            <a:r>
+              <a:rPr lang="en-US" altLang="ko-KR" dirty="0">
+                <a:solidFill>
+                  <a:srgbClr val="000000"/>
+                </a:solidFill>
+                <a:latin typeface="Daki"/>
+              </a:rPr>
+              <a:t>. 	</a:t>
+            </a:r>
+          </a:p>
+          <a:p>
+            <a:r>
+              <a:rPr lang="en-US" altLang="ko-KR" dirty="0">
+                <a:solidFill>
+                  <a:srgbClr val="000000"/>
+                </a:solidFill>
+                <a:latin typeface="Daki"/>
+              </a:rPr>
+              <a:t>19 	BSTR 	</a:t>
+            </a:r>
+            <a:r>
+              <a:rPr lang="en-US" altLang="ko-KR" dirty="0" err="1">
+                <a:solidFill>
+                  <a:srgbClr val="FF0000"/>
+                </a:solidFill>
+                <a:latin typeface="Daki"/>
+              </a:rPr>
+              <a:t>GetMasterListedStockDate</a:t>
+            </a:r>
+            <a:r>
+              <a:rPr lang="en-US" altLang="ko-KR" dirty="0">
+                <a:solidFill>
+                  <a:srgbClr val="000000"/>
+                </a:solidFill>
+                <a:latin typeface="Daki"/>
+              </a:rPr>
+              <a:t> 	</a:t>
+            </a:r>
+            <a:r>
+              <a:rPr lang="ko-KR" altLang="en-US" dirty="0" err="1">
+                <a:solidFill>
+                  <a:srgbClr val="000000"/>
+                </a:solidFill>
+                <a:latin typeface="Daki"/>
+              </a:rPr>
+              <a:t>종목코드의</a:t>
+            </a:r>
+            <a:r>
+              <a:rPr lang="ko-KR" altLang="en-US" dirty="0">
+                <a:solidFill>
+                  <a:srgbClr val="000000"/>
+                </a:solidFill>
+                <a:latin typeface="Daki"/>
+              </a:rPr>
+              <a:t> </a:t>
+            </a:r>
+            <a:r>
+              <a:rPr lang="ko-KR" altLang="en-US" dirty="0" err="1">
+                <a:solidFill>
+                  <a:srgbClr val="000000"/>
+                </a:solidFill>
+                <a:latin typeface="Daki"/>
+              </a:rPr>
+              <a:t>상장일을</a:t>
+            </a:r>
+            <a:r>
+              <a:rPr lang="ko-KR" altLang="en-US" dirty="0">
+                <a:solidFill>
+                  <a:srgbClr val="000000"/>
+                </a:solidFill>
+                <a:latin typeface="Daki"/>
+              </a:rPr>
+              <a:t> 반환한다</a:t>
+            </a:r>
+            <a:r>
+              <a:rPr lang="en-US" altLang="ko-KR" dirty="0">
+                <a:solidFill>
+                  <a:srgbClr val="000000"/>
+                </a:solidFill>
+                <a:latin typeface="Daki"/>
+              </a:rPr>
+              <a:t>. 	</a:t>
+            </a:r>
+          </a:p>
+          <a:p>
+            <a:r>
+              <a:rPr lang="en-US" altLang="ko-KR" dirty="0">
+                <a:solidFill>
+                  <a:srgbClr val="000000"/>
+                </a:solidFill>
+                <a:latin typeface="Daki"/>
+              </a:rPr>
+              <a:t>20 	BSTR 	</a:t>
+            </a:r>
+            <a:r>
+              <a:rPr lang="en-US" altLang="ko-KR" dirty="0" err="1">
+                <a:solidFill>
+                  <a:srgbClr val="FF0000"/>
+                </a:solidFill>
+                <a:latin typeface="Daki"/>
+              </a:rPr>
+              <a:t>GetMasterLastPrice</a:t>
+            </a:r>
+            <a:r>
+              <a:rPr lang="en-US" altLang="ko-KR" dirty="0">
+                <a:solidFill>
+                  <a:srgbClr val="000000"/>
+                </a:solidFill>
+                <a:latin typeface="Daki"/>
+              </a:rPr>
+              <a:t> 	</a:t>
+            </a:r>
+            <a:r>
+              <a:rPr lang="ko-KR" altLang="en-US" dirty="0" err="1">
+                <a:solidFill>
+                  <a:srgbClr val="000000"/>
+                </a:solidFill>
+                <a:latin typeface="Daki"/>
+              </a:rPr>
+              <a:t>종목코드의</a:t>
+            </a:r>
+            <a:r>
+              <a:rPr lang="ko-KR" altLang="en-US" dirty="0">
+                <a:solidFill>
+                  <a:srgbClr val="000000"/>
+                </a:solidFill>
+                <a:latin typeface="Daki"/>
+              </a:rPr>
+              <a:t> </a:t>
+            </a:r>
+            <a:r>
+              <a:rPr lang="ko-KR" altLang="en-US" dirty="0" err="1">
+                <a:solidFill>
+                  <a:srgbClr val="000000"/>
+                </a:solidFill>
+                <a:latin typeface="Daki"/>
+              </a:rPr>
+              <a:t>전일가를</a:t>
+            </a:r>
+            <a:r>
+              <a:rPr lang="ko-KR" altLang="en-US" dirty="0">
+                <a:solidFill>
+                  <a:srgbClr val="000000"/>
+                </a:solidFill>
+                <a:latin typeface="Daki"/>
+              </a:rPr>
+              <a:t> 반환한다</a:t>
+            </a:r>
+            <a:r>
+              <a:rPr lang="en-US" altLang="ko-KR" dirty="0">
+                <a:solidFill>
+                  <a:srgbClr val="000000"/>
+                </a:solidFill>
+                <a:latin typeface="Daki"/>
+              </a:rPr>
+              <a:t>. 	</a:t>
+            </a:r>
+          </a:p>
+          <a:p>
+            <a:r>
+              <a:rPr lang="en-US" altLang="ko-KR" dirty="0">
+                <a:solidFill>
+                  <a:srgbClr val="000000"/>
+                </a:solidFill>
+                <a:latin typeface="Daki"/>
+              </a:rPr>
+              <a:t>21 	BSTR 	</a:t>
+            </a:r>
+            <a:r>
+              <a:rPr lang="en-US" altLang="ko-KR" dirty="0" err="1">
+                <a:solidFill>
+                  <a:srgbClr val="FF0000"/>
+                </a:solidFill>
+                <a:latin typeface="Daki"/>
+              </a:rPr>
+              <a:t>GetMasterStockState</a:t>
+            </a:r>
+            <a:r>
+              <a:rPr lang="en-US" altLang="ko-KR" dirty="0">
+                <a:solidFill>
+                  <a:srgbClr val="000000"/>
+                </a:solidFill>
+                <a:latin typeface="Daki"/>
+              </a:rPr>
+              <a:t> 	</a:t>
+            </a:r>
+            <a:r>
+              <a:rPr lang="ko-KR" altLang="en-US" dirty="0" err="1">
+                <a:solidFill>
+                  <a:srgbClr val="000000"/>
+                </a:solidFill>
+                <a:latin typeface="Daki"/>
+              </a:rPr>
+              <a:t>종목코드의</a:t>
+            </a:r>
+            <a:r>
+              <a:rPr lang="ko-KR" altLang="en-US" dirty="0">
+                <a:solidFill>
+                  <a:srgbClr val="000000"/>
+                </a:solidFill>
+                <a:latin typeface="Daki"/>
+              </a:rPr>
+              <a:t> </a:t>
+            </a:r>
+            <a:r>
+              <a:rPr lang="ko-KR" altLang="en-US" dirty="0" err="1">
+                <a:solidFill>
+                  <a:srgbClr val="000000"/>
+                </a:solidFill>
+                <a:latin typeface="Daki"/>
+              </a:rPr>
+              <a:t>종목상태를</a:t>
+            </a:r>
+            <a:r>
+              <a:rPr lang="ko-KR" altLang="en-US" dirty="0">
+                <a:solidFill>
+                  <a:srgbClr val="000000"/>
+                </a:solidFill>
+                <a:latin typeface="Daki"/>
+              </a:rPr>
+              <a:t> 반환한다</a:t>
+            </a:r>
+            <a:r>
+              <a:rPr lang="en-US" altLang="ko-KR" dirty="0">
+                <a:solidFill>
+                  <a:srgbClr val="000000"/>
+                </a:solidFill>
+                <a:latin typeface="Daki"/>
+              </a:rPr>
+              <a:t>. 	</a:t>
+            </a:r>
+          </a:p>
+          <a:p>
+            <a:r>
+              <a:rPr lang="en-US" altLang="ko-KR" dirty="0">
+                <a:solidFill>
+                  <a:srgbClr val="000000"/>
+                </a:solidFill>
+                <a:latin typeface="Daki"/>
+              </a:rPr>
+              <a:t>22 	LONG 	</a:t>
+            </a:r>
+            <a:r>
+              <a:rPr lang="en-US" altLang="ko-KR" dirty="0" err="1">
+                <a:solidFill>
+                  <a:srgbClr val="000000"/>
+                </a:solidFill>
+                <a:latin typeface="Daki"/>
+              </a:rPr>
+              <a:t>GetDataCount</a:t>
+            </a:r>
+            <a:r>
+              <a:rPr lang="en-US" altLang="ko-KR" dirty="0">
+                <a:solidFill>
+                  <a:srgbClr val="000000"/>
+                </a:solidFill>
+                <a:latin typeface="Daki"/>
+              </a:rPr>
+              <a:t> 	</a:t>
+            </a:r>
+            <a:r>
+              <a:rPr lang="ko-KR" altLang="en-US" dirty="0">
+                <a:solidFill>
+                  <a:srgbClr val="000000"/>
+                </a:solidFill>
+                <a:latin typeface="Daki"/>
+              </a:rPr>
+              <a:t>레코드의 </a:t>
+            </a:r>
+            <a:r>
+              <a:rPr lang="ko-KR" altLang="en-US" dirty="0" err="1">
+                <a:solidFill>
+                  <a:srgbClr val="000000"/>
+                </a:solidFill>
+                <a:latin typeface="Daki"/>
+              </a:rPr>
+              <a:t>반복개수를</a:t>
+            </a:r>
+            <a:r>
+              <a:rPr lang="ko-KR" altLang="en-US" dirty="0">
+                <a:solidFill>
+                  <a:srgbClr val="000000"/>
+                </a:solidFill>
+                <a:latin typeface="Daki"/>
+              </a:rPr>
+              <a:t> 반환한다</a:t>
+            </a:r>
+            <a:r>
+              <a:rPr lang="en-US" altLang="ko-KR" dirty="0">
+                <a:solidFill>
+                  <a:srgbClr val="000000"/>
+                </a:solidFill>
+                <a:latin typeface="Daki"/>
+              </a:rPr>
+              <a:t>. 	</a:t>
+            </a:r>
+          </a:p>
+          <a:p>
+            <a:r>
+              <a:rPr lang="en-US" altLang="ko-KR" dirty="0">
+                <a:solidFill>
+                  <a:srgbClr val="000000"/>
+                </a:solidFill>
+                <a:latin typeface="Daki"/>
+              </a:rPr>
+              <a:t>23 	BSTR 	</a:t>
+            </a:r>
+            <a:r>
+              <a:rPr lang="en-US" altLang="ko-KR" dirty="0" err="1">
+                <a:solidFill>
+                  <a:srgbClr val="000000"/>
+                </a:solidFill>
+                <a:latin typeface="Daki"/>
+              </a:rPr>
+              <a:t>GetOutputValue</a:t>
+            </a:r>
+            <a:r>
+              <a:rPr lang="en-US" altLang="ko-KR" dirty="0">
+                <a:solidFill>
+                  <a:srgbClr val="000000"/>
+                </a:solidFill>
+                <a:latin typeface="Daki"/>
+              </a:rPr>
+              <a:t> 	</a:t>
+            </a:r>
+            <a:r>
+              <a:rPr lang="ko-KR" altLang="en-US" dirty="0">
+                <a:solidFill>
+                  <a:srgbClr val="000000"/>
+                </a:solidFill>
+                <a:latin typeface="Daki"/>
+              </a:rPr>
+              <a:t>수신 데이터를 반환한다</a:t>
+            </a:r>
+            <a:r>
+              <a:rPr lang="en-US" altLang="ko-KR" dirty="0">
+                <a:solidFill>
+                  <a:srgbClr val="000000"/>
+                </a:solidFill>
+                <a:latin typeface="Daki"/>
+              </a:rPr>
+              <a:t>. 		</a:t>
+            </a:r>
+          </a:p>
+        </p:txBody>
+      </p:sp>
+    </p:spTree>
+    <p:extLst>
+      <p:ext uri="{BB962C8B-B14F-4D97-AF65-F5344CB8AC3E}">
+        <p14:creationId xmlns:p14="http://schemas.microsoft.com/office/powerpoint/2010/main" val="1193298036"/>
+      </p:ext>
+    </p:extLst>
+  </p:cSld>
+  <p:clrMapOvr>
+    <a:masterClrMapping/>
+  </p:clrMapOvr>
 </p:sld>
 </file>
 
